--- a/intro-to-ethereum/Intro to Ethereum.pptx
+++ b/intro-to-ethereum/Intro to Ethereum.pptx
@@ -4,25 +4,24 @@
   <p:sldMasterIdLst>
     <p:sldMasterId id="2147483648" r:id="rId2"/>
     <p:sldMasterId id="2147483661" r:id="rId3"/>
-    <p:sldMasterId id="2147483674" r:id="rId4"/>
-    <p:sldMasterId id="2147483687" r:id="rId5"/>
   </p:sldMasterIdLst>
   <p:sldIdLst>
-    <p:sldId id="256" r:id="rId6"/>
-    <p:sldId id="257" r:id="rId7"/>
-    <p:sldId id="258" r:id="rId8"/>
-    <p:sldId id="259" r:id="rId9"/>
-    <p:sldId id="260" r:id="rId10"/>
-    <p:sldId id="261" r:id="rId11"/>
-    <p:sldId id="262" r:id="rId12"/>
-    <p:sldId id="263" r:id="rId13"/>
-    <p:sldId id="264" r:id="rId14"/>
-    <p:sldId id="265" r:id="rId15"/>
-    <p:sldId id="266" r:id="rId16"/>
-    <p:sldId id="267" r:id="rId17"/>
-    <p:sldId id="268" r:id="rId18"/>
-    <p:sldId id="269" r:id="rId19"/>
-    <p:sldId id="270" r:id="rId20"/>
+    <p:sldId id="256" r:id="rId4"/>
+    <p:sldId id="257" r:id="rId5"/>
+    <p:sldId id="258" r:id="rId6"/>
+    <p:sldId id="259" r:id="rId7"/>
+    <p:sldId id="260" r:id="rId8"/>
+    <p:sldId id="261" r:id="rId9"/>
+    <p:sldId id="262" r:id="rId10"/>
+    <p:sldId id="263" r:id="rId11"/>
+    <p:sldId id="264" r:id="rId12"/>
+    <p:sldId id="265" r:id="rId13"/>
+    <p:sldId id="266" r:id="rId14"/>
+    <p:sldId id="267" r:id="rId15"/>
+    <p:sldId id="268" r:id="rId16"/>
+    <p:sldId id="269" r:id="rId17"/>
+    <p:sldId id="270" r:id="rId18"/>
+    <p:sldId id="271" r:id="rId19"/>
   </p:sldIdLst>
   <p:sldSz cx="9144000" cy="6858000"/>
   <p:notesSz cx="7772400" cy="10058400"/>
@@ -1682,329 +1681,6 @@
 </p:sldLayout>
 </file>
 
-<file path=ppt/slideLayouts/slideLayout25.xml><?xml version="1.0" encoding="utf-8"?>
-<p:sldLayout xmlns:a="http://schemas.openxmlformats.org/drawingml/2006/main" xmlns:p="http://schemas.openxmlformats.org/presentationml/2006/main" xmlns:r="http://schemas.openxmlformats.org/officeDocument/2006/relationships" type="blank" preserve="1">
-  <p:cSld name="Blank Slide">
-    <p:spTree>
-      <p:nvGrpSpPr>
-        <p:cNvPr id="1" name=""/>
-        <p:cNvGrpSpPr/>
-        <p:nvPr/>
-      </p:nvGrpSpPr>
-      <p:grpSpPr>
-        <a:xfrm>
-          <a:off x="0" y="0"/>
-          <a:ext cx="0" cy="0"/>
-          <a:chOff x="0" y="0"/>
-          <a:chExt cx="0" cy="0"/>
-        </a:xfrm>
-      </p:grpSpPr>
-    </p:spTree>
-  </p:cSld>
-</p:sldLayout>
-</file>
-
-<file path=ppt/slideLayouts/slideLayout26.xml><?xml version="1.0" encoding="utf-8"?>
-<p:sldLayout xmlns:a="http://schemas.openxmlformats.org/drawingml/2006/main" xmlns:p="http://schemas.openxmlformats.org/presentationml/2006/main" xmlns:r="http://schemas.openxmlformats.org/officeDocument/2006/relationships" type="tx" preserve="1">
-  <p:cSld name="Title Slide">
-    <p:spTree>
-      <p:nvGrpSpPr>
-        <p:cNvPr id="1" name=""/>
-        <p:cNvGrpSpPr/>
-        <p:nvPr/>
-      </p:nvGrpSpPr>
-      <p:grpSpPr>
-        <a:xfrm>
-          <a:off x="0" y="0"/>
-          <a:ext cx="0" cy="0"/>
-          <a:chOff x="0" y="0"/>
-          <a:chExt cx="0" cy="0"/>
-        </a:xfrm>
-      </p:grpSpPr>
-      <p:sp>
-        <p:nvSpPr>
-          <p:cNvPr id="89" name="PlaceHolder 1"/>
-          <p:cNvSpPr>
-            <a:spLocks noGrp="1"/>
-          </p:cNvSpPr>
-          <p:nvPr>
-            <p:ph type="title"/>
-          </p:nvPr>
-        </p:nvSpPr>
-        <p:spPr>
-          <a:xfrm>
-            <a:off x="457200" y="273600"/>
-            <a:ext cx="8229240" cy="1144800"/>
-          </a:xfrm>
-          <a:prstGeom prst="rect">
-            <a:avLst/>
-          </a:prstGeom>
-        </p:spPr>
-        <p:txBody>
-          <a:bodyPr lIns="0" rIns="0" tIns="0" bIns="0" anchor="ctr"/>
-          <a:p>
-            <a:pPr algn="ctr"/>
-            <a:endParaRPr/>
-          </a:p>
-        </p:txBody>
-      </p:sp>
-      <p:sp>
-        <p:nvSpPr>
-          <p:cNvPr id="90" name="PlaceHolder 2"/>
-          <p:cNvSpPr>
-            <a:spLocks noGrp="1"/>
-          </p:cNvSpPr>
-          <p:nvPr>
-            <p:ph type="subTitle"/>
-          </p:nvPr>
-        </p:nvSpPr>
-        <p:spPr>
-          <a:xfrm>
-            <a:off x="457200" y="1604520"/>
-            <a:ext cx="8229240" cy="3977280"/>
-          </a:xfrm>
-          <a:prstGeom prst="rect">
-            <a:avLst/>
-          </a:prstGeom>
-        </p:spPr>
-        <p:txBody>
-          <a:bodyPr lIns="0" rIns="0" tIns="0" bIns="0" anchor="ctr"/>
-          <a:p>
-            <a:pPr algn="ctr"/>
-            <a:endParaRPr/>
-          </a:p>
-        </p:txBody>
-      </p:sp>
-    </p:spTree>
-  </p:cSld>
-</p:sldLayout>
-</file>
-
-<file path=ppt/slideLayouts/slideLayout27.xml><?xml version="1.0" encoding="utf-8"?>
-<p:sldLayout xmlns:a="http://schemas.openxmlformats.org/drawingml/2006/main" xmlns:p="http://schemas.openxmlformats.org/presentationml/2006/main" xmlns:r="http://schemas.openxmlformats.org/officeDocument/2006/relationships" type="obj" preserve="1">
-  <p:cSld name="Title, Content">
-    <p:spTree>
-      <p:nvGrpSpPr>
-        <p:cNvPr id="1" name=""/>
-        <p:cNvGrpSpPr/>
-        <p:nvPr/>
-      </p:nvGrpSpPr>
-      <p:grpSpPr>
-        <a:xfrm>
-          <a:off x="0" y="0"/>
-          <a:ext cx="0" cy="0"/>
-          <a:chOff x="0" y="0"/>
-          <a:chExt cx="0" cy="0"/>
-        </a:xfrm>
-      </p:grpSpPr>
-      <p:sp>
-        <p:nvSpPr>
-          <p:cNvPr id="91" name="PlaceHolder 1"/>
-          <p:cNvSpPr>
-            <a:spLocks noGrp="1"/>
-          </p:cNvSpPr>
-          <p:nvPr>
-            <p:ph type="title"/>
-          </p:nvPr>
-        </p:nvSpPr>
-        <p:spPr>
-          <a:xfrm>
-            <a:off x="457200" y="273600"/>
-            <a:ext cx="8229240" cy="1144800"/>
-          </a:xfrm>
-          <a:prstGeom prst="rect">
-            <a:avLst/>
-          </a:prstGeom>
-        </p:spPr>
-        <p:txBody>
-          <a:bodyPr lIns="0" rIns="0" tIns="0" bIns="0" anchor="ctr"/>
-          <a:p>
-            <a:pPr algn="ctr"/>
-            <a:endParaRPr/>
-          </a:p>
-        </p:txBody>
-      </p:sp>
-      <p:sp>
-        <p:nvSpPr>
-          <p:cNvPr id="92" name="PlaceHolder 2"/>
-          <p:cNvSpPr>
-            <a:spLocks noGrp="1"/>
-          </p:cNvSpPr>
-          <p:nvPr>
-            <p:ph type="body"/>
-          </p:nvPr>
-        </p:nvSpPr>
-        <p:spPr>
-          <a:xfrm>
-            <a:off x="457200" y="1604520"/>
-            <a:ext cx="8229240" cy="3977280"/>
-          </a:xfrm>
-          <a:prstGeom prst="rect">
-            <a:avLst/>
-          </a:prstGeom>
-        </p:spPr>
-        <p:txBody>
-          <a:bodyPr lIns="0" rIns="0" tIns="0" bIns="0"/>
-          <a:p>
-            <a:endParaRPr/>
-          </a:p>
-        </p:txBody>
-      </p:sp>
-    </p:spTree>
-  </p:cSld>
-</p:sldLayout>
-</file>
-
-<file path=ppt/slideLayouts/slideLayout28.xml><?xml version="1.0" encoding="utf-8"?>
-<p:sldLayout xmlns:a="http://schemas.openxmlformats.org/drawingml/2006/main" xmlns:p="http://schemas.openxmlformats.org/presentationml/2006/main" xmlns:r="http://schemas.openxmlformats.org/officeDocument/2006/relationships" type="twoObj" preserve="1">
-  <p:cSld name="Title, 2 Content">
-    <p:spTree>
-      <p:nvGrpSpPr>
-        <p:cNvPr id="1" name=""/>
-        <p:cNvGrpSpPr/>
-        <p:nvPr/>
-      </p:nvGrpSpPr>
-      <p:grpSpPr>
-        <a:xfrm>
-          <a:off x="0" y="0"/>
-          <a:ext cx="0" cy="0"/>
-          <a:chOff x="0" y="0"/>
-          <a:chExt cx="0" cy="0"/>
-        </a:xfrm>
-      </p:grpSpPr>
-      <p:sp>
-        <p:nvSpPr>
-          <p:cNvPr id="93" name="PlaceHolder 1"/>
-          <p:cNvSpPr>
-            <a:spLocks noGrp="1"/>
-          </p:cNvSpPr>
-          <p:nvPr>
-            <p:ph type="title"/>
-          </p:nvPr>
-        </p:nvSpPr>
-        <p:spPr>
-          <a:xfrm>
-            <a:off x="457200" y="273600"/>
-            <a:ext cx="8229240" cy="1144800"/>
-          </a:xfrm>
-          <a:prstGeom prst="rect">
-            <a:avLst/>
-          </a:prstGeom>
-        </p:spPr>
-        <p:txBody>
-          <a:bodyPr lIns="0" rIns="0" tIns="0" bIns="0" anchor="ctr"/>
-          <a:p>
-            <a:pPr algn="ctr"/>
-            <a:endParaRPr/>
-          </a:p>
-        </p:txBody>
-      </p:sp>
-      <p:sp>
-        <p:nvSpPr>
-          <p:cNvPr id="94" name="PlaceHolder 2"/>
-          <p:cNvSpPr>
-            <a:spLocks noGrp="1"/>
-          </p:cNvSpPr>
-          <p:nvPr>
-            <p:ph type="body"/>
-          </p:nvPr>
-        </p:nvSpPr>
-        <p:spPr>
-          <a:xfrm>
-            <a:off x="457200" y="1604520"/>
-            <a:ext cx="4015800" cy="3977280"/>
-          </a:xfrm>
-          <a:prstGeom prst="rect">
-            <a:avLst/>
-          </a:prstGeom>
-        </p:spPr>
-        <p:txBody>
-          <a:bodyPr lIns="0" rIns="0" tIns="0" bIns="0"/>
-          <a:p>
-            <a:endParaRPr/>
-          </a:p>
-        </p:txBody>
-      </p:sp>
-      <p:sp>
-        <p:nvSpPr>
-          <p:cNvPr id="95" name="PlaceHolder 3"/>
-          <p:cNvSpPr>
-            <a:spLocks noGrp="1"/>
-          </p:cNvSpPr>
-          <p:nvPr>
-            <p:ph type="body"/>
-          </p:nvPr>
-        </p:nvSpPr>
-        <p:spPr>
-          <a:xfrm>
-            <a:off x="4674240" y="1604520"/>
-            <a:ext cx="4015800" cy="3977280"/>
-          </a:xfrm>
-          <a:prstGeom prst="rect">
-            <a:avLst/>
-          </a:prstGeom>
-        </p:spPr>
-        <p:txBody>
-          <a:bodyPr lIns="0" rIns="0" tIns="0" bIns="0"/>
-          <a:p>
-            <a:endParaRPr/>
-          </a:p>
-        </p:txBody>
-      </p:sp>
-    </p:spTree>
-  </p:cSld>
-</p:sldLayout>
-</file>
-
-<file path=ppt/slideLayouts/slideLayout29.xml><?xml version="1.0" encoding="utf-8"?>
-<p:sldLayout xmlns:a="http://schemas.openxmlformats.org/drawingml/2006/main" xmlns:p="http://schemas.openxmlformats.org/presentationml/2006/main" xmlns:r="http://schemas.openxmlformats.org/officeDocument/2006/relationships" type="titleOnly" preserve="1">
-  <p:cSld name="Title Only">
-    <p:spTree>
-      <p:nvGrpSpPr>
-        <p:cNvPr id="1" name=""/>
-        <p:cNvGrpSpPr/>
-        <p:nvPr/>
-      </p:nvGrpSpPr>
-      <p:grpSpPr>
-        <a:xfrm>
-          <a:off x="0" y="0"/>
-          <a:ext cx="0" cy="0"/>
-          <a:chOff x="0" y="0"/>
-          <a:chExt cx="0" cy="0"/>
-        </a:xfrm>
-      </p:grpSpPr>
-      <p:sp>
-        <p:nvSpPr>
-          <p:cNvPr id="96" name="PlaceHolder 1"/>
-          <p:cNvSpPr>
-            <a:spLocks noGrp="1"/>
-          </p:cNvSpPr>
-          <p:nvPr>
-            <p:ph type="title"/>
-          </p:nvPr>
-        </p:nvSpPr>
-        <p:spPr>
-          <a:xfrm>
-            <a:off x="457200" y="273600"/>
-            <a:ext cx="8229240" cy="1144800"/>
-          </a:xfrm>
-          <a:prstGeom prst="rect">
-            <a:avLst/>
-          </a:prstGeom>
-        </p:spPr>
-        <p:txBody>
-          <a:bodyPr lIns="0" rIns="0" tIns="0" bIns="0" anchor="ctr"/>
-          <a:p>
-            <a:pPr algn="ctr"/>
-            <a:endParaRPr/>
-          </a:p>
-        </p:txBody>
-      </p:sp>
-    </p:spTree>
-  </p:cSld>
-</p:sldLayout>
-</file>
-
 <file path=ppt/slideLayouts/slideLayout3.xml><?xml version="1.0" encoding="utf-8"?>
 <p:sldLayout xmlns:a="http://schemas.openxmlformats.org/drawingml/2006/main" xmlns:p="http://schemas.openxmlformats.org/presentationml/2006/main" xmlns:r="http://schemas.openxmlformats.org/officeDocument/2006/relationships" type="obj" preserve="1">
   <p:cSld name="Title, Content">
@@ -2052,1010 +1728,6 @@
       <p:sp>
         <p:nvSpPr>
           <p:cNvPr id="10" name="PlaceHolder 2"/>
-          <p:cNvSpPr>
-            <a:spLocks noGrp="1"/>
-          </p:cNvSpPr>
-          <p:nvPr>
-            <p:ph type="body"/>
-          </p:nvPr>
-        </p:nvSpPr>
-        <p:spPr>
-          <a:xfrm>
-            <a:off x="457200" y="1604520"/>
-            <a:ext cx="8229240" cy="3977280"/>
-          </a:xfrm>
-          <a:prstGeom prst="rect">
-            <a:avLst/>
-          </a:prstGeom>
-        </p:spPr>
-        <p:txBody>
-          <a:bodyPr lIns="0" rIns="0" tIns="0" bIns="0"/>
-          <a:p>
-            <a:endParaRPr/>
-          </a:p>
-        </p:txBody>
-      </p:sp>
-    </p:spTree>
-  </p:cSld>
-</p:sldLayout>
-</file>
-
-<file path=ppt/slideLayouts/slideLayout30.xml><?xml version="1.0" encoding="utf-8"?>
-<p:sldLayout xmlns:a="http://schemas.openxmlformats.org/drawingml/2006/main" xmlns:p="http://schemas.openxmlformats.org/presentationml/2006/main" xmlns:r="http://schemas.openxmlformats.org/officeDocument/2006/relationships" type="objOnly" preserve="1">
-  <p:cSld name="Centered Text">
-    <p:spTree>
-      <p:nvGrpSpPr>
-        <p:cNvPr id="1" name=""/>
-        <p:cNvGrpSpPr/>
-        <p:nvPr/>
-      </p:nvGrpSpPr>
-      <p:grpSpPr>
-        <a:xfrm>
-          <a:off x="0" y="0"/>
-          <a:ext cx="0" cy="0"/>
-          <a:chOff x="0" y="0"/>
-          <a:chExt cx="0" cy="0"/>
-        </a:xfrm>
-      </p:grpSpPr>
-      <p:sp>
-        <p:nvSpPr>
-          <p:cNvPr id="97" name="PlaceHolder 1"/>
-          <p:cNvSpPr>
-            <a:spLocks noGrp="1"/>
-          </p:cNvSpPr>
-          <p:nvPr>
-            <p:ph type="subTitle"/>
-          </p:nvPr>
-        </p:nvSpPr>
-        <p:spPr>
-          <a:xfrm>
-            <a:off x="457200" y="273600"/>
-            <a:ext cx="8229240" cy="5307840"/>
-          </a:xfrm>
-          <a:prstGeom prst="rect">
-            <a:avLst/>
-          </a:prstGeom>
-        </p:spPr>
-        <p:txBody>
-          <a:bodyPr lIns="0" rIns="0" tIns="0" bIns="0" anchor="ctr"/>
-          <a:p>
-            <a:pPr algn="ctr"/>
-            <a:endParaRPr/>
-          </a:p>
-        </p:txBody>
-      </p:sp>
-    </p:spTree>
-  </p:cSld>
-</p:sldLayout>
-</file>
-
-<file path=ppt/slideLayouts/slideLayout31.xml><?xml version="1.0" encoding="utf-8"?>
-<p:sldLayout xmlns:a="http://schemas.openxmlformats.org/drawingml/2006/main" xmlns:p="http://schemas.openxmlformats.org/presentationml/2006/main" xmlns:r="http://schemas.openxmlformats.org/officeDocument/2006/relationships" type="twoObjAndObj" preserve="1">
-  <p:cSld name="Title, 2 Content and Content">
-    <p:spTree>
-      <p:nvGrpSpPr>
-        <p:cNvPr id="1" name=""/>
-        <p:cNvGrpSpPr/>
-        <p:nvPr/>
-      </p:nvGrpSpPr>
-      <p:grpSpPr>
-        <a:xfrm>
-          <a:off x="0" y="0"/>
-          <a:ext cx="0" cy="0"/>
-          <a:chOff x="0" y="0"/>
-          <a:chExt cx="0" cy="0"/>
-        </a:xfrm>
-      </p:grpSpPr>
-      <p:sp>
-        <p:nvSpPr>
-          <p:cNvPr id="98" name="PlaceHolder 1"/>
-          <p:cNvSpPr>
-            <a:spLocks noGrp="1"/>
-          </p:cNvSpPr>
-          <p:nvPr>
-            <p:ph type="title"/>
-          </p:nvPr>
-        </p:nvSpPr>
-        <p:spPr>
-          <a:xfrm>
-            <a:off x="457200" y="273600"/>
-            <a:ext cx="8229240" cy="1144800"/>
-          </a:xfrm>
-          <a:prstGeom prst="rect">
-            <a:avLst/>
-          </a:prstGeom>
-        </p:spPr>
-        <p:txBody>
-          <a:bodyPr lIns="0" rIns="0" tIns="0" bIns="0" anchor="ctr"/>
-          <a:p>
-            <a:pPr algn="ctr"/>
-            <a:endParaRPr/>
-          </a:p>
-        </p:txBody>
-      </p:sp>
-      <p:sp>
-        <p:nvSpPr>
-          <p:cNvPr id="99" name="PlaceHolder 2"/>
-          <p:cNvSpPr>
-            <a:spLocks noGrp="1"/>
-          </p:cNvSpPr>
-          <p:nvPr>
-            <p:ph type="body"/>
-          </p:nvPr>
-        </p:nvSpPr>
-        <p:spPr>
-          <a:xfrm>
-            <a:off x="457200" y="1604520"/>
-            <a:ext cx="4015800" cy="1896840"/>
-          </a:xfrm>
-          <a:prstGeom prst="rect">
-            <a:avLst/>
-          </a:prstGeom>
-        </p:spPr>
-        <p:txBody>
-          <a:bodyPr lIns="0" rIns="0" tIns="0" bIns="0"/>
-          <a:p>
-            <a:endParaRPr/>
-          </a:p>
-        </p:txBody>
-      </p:sp>
-      <p:sp>
-        <p:nvSpPr>
-          <p:cNvPr id="100" name="PlaceHolder 3"/>
-          <p:cNvSpPr>
-            <a:spLocks noGrp="1"/>
-          </p:cNvSpPr>
-          <p:nvPr>
-            <p:ph type="body"/>
-          </p:nvPr>
-        </p:nvSpPr>
-        <p:spPr>
-          <a:xfrm>
-            <a:off x="457200" y="3682080"/>
-            <a:ext cx="4015800" cy="1896840"/>
-          </a:xfrm>
-          <a:prstGeom prst="rect">
-            <a:avLst/>
-          </a:prstGeom>
-        </p:spPr>
-        <p:txBody>
-          <a:bodyPr lIns="0" rIns="0" tIns="0" bIns="0"/>
-          <a:p>
-            <a:endParaRPr/>
-          </a:p>
-        </p:txBody>
-      </p:sp>
-      <p:sp>
-        <p:nvSpPr>
-          <p:cNvPr id="101" name="PlaceHolder 4"/>
-          <p:cNvSpPr>
-            <a:spLocks noGrp="1"/>
-          </p:cNvSpPr>
-          <p:nvPr>
-            <p:ph type="body"/>
-          </p:nvPr>
-        </p:nvSpPr>
-        <p:spPr>
-          <a:xfrm>
-            <a:off x="4674240" y="1604520"/>
-            <a:ext cx="4015800" cy="3977280"/>
-          </a:xfrm>
-          <a:prstGeom prst="rect">
-            <a:avLst/>
-          </a:prstGeom>
-        </p:spPr>
-        <p:txBody>
-          <a:bodyPr lIns="0" rIns="0" tIns="0" bIns="0"/>
-          <a:p>
-            <a:endParaRPr/>
-          </a:p>
-        </p:txBody>
-      </p:sp>
-    </p:spTree>
-  </p:cSld>
-</p:sldLayout>
-</file>
-
-<file path=ppt/slideLayouts/slideLayout32.xml><?xml version="1.0" encoding="utf-8"?>
-<p:sldLayout xmlns:a="http://schemas.openxmlformats.org/drawingml/2006/main" xmlns:p="http://schemas.openxmlformats.org/presentationml/2006/main" xmlns:r="http://schemas.openxmlformats.org/officeDocument/2006/relationships" type="objAndTwoObj" preserve="1">
-  <p:cSld name="Title Content and 2 Content">
-    <p:spTree>
-      <p:nvGrpSpPr>
-        <p:cNvPr id="1" name=""/>
-        <p:cNvGrpSpPr/>
-        <p:nvPr/>
-      </p:nvGrpSpPr>
-      <p:grpSpPr>
-        <a:xfrm>
-          <a:off x="0" y="0"/>
-          <a:ext cx="0" cy="0"/>
-          <a:chOff x="0" y="0"/>
-          <a:chExt cx="0" cy="0"/>
-        </a:xfrm>
-      </p:grpSpPr>
-      <p:sp>
-        <p:nvSpPr>
-          <p:cNvPr id="102" name="PlaceHolder 1"/>
-          <p:cNvSpPr>
-            <a:spLocks noGrp="1"/>
-          </p:cNvSpPr>
-          <p:nvPr>
-            <p:ph type="title"/>
-          </p:nvPr>
-        </p:nvSpPr>
-        <p:spPr>
-          <a:xfrm>
-            <a:off x="457200" y="273600"/>
-            <a:ext cx="8229240" cy="1144800"/>
-          </a:xfrm>
-          <a:prstGeom prst="rect">
-            <a:avLst/>
-          </a:prstGeom>
-        </p:spPr>
-        <p:txBody>
-          <a:bodyPr lIns="0" rIns="0" tIns="0" bIns="0" anchor="ctr"/>
-          <a:p>
-            <a:pPr algn="ctr"/>
-            <a:endParaRPr/>
-          </a:p>
-        </p:txBody>
-      </p:sp>
-      <p:sp>
-        <p:nvSpPr>
-          <p:cNvPr id="103" name="PlaceHolder 2"/>
-          <p:cNvSpPr>
-            <a:spLocks noGrp="1"/>
-          </p:cNvSpPr>
-          <p:nvPr>
-            <p:ph type="body"/>
-          </p:nvPr>
-        </p:nvSpPr>
-        <p:spPr>
-          <a:xfrm>
-            <a:off x="457200" y="1604520"/>
-            <a:ext cx="4015800" cy="3977280"/>
-          </a:xfrm>
-          <a:prstGeom prst="rect">
-            <a:avLst/>
-          </a:prstGeom>
-        </p:spPr>
-        <p:txBody>
-          <a:bodyPr lIns="0" rIns="0" tIns="0" bIns="0"/>
-          <a:p>
-            <a:endParaRPr/>
-          </a:p>
-        </p:txBody>
-      </p:sp>
-      <p:sp>
-        <p:nvSpPr>
-          <p:cNvPr id="104" name="PlaceHolder 3"/>
-          <p:cNvSpPr>
-            <a:spLocks noGrp="1"/>
-          </p:cNvSpPr>
-          <p:nvPr>
-            <p:ph type="body"/>
-          </p:nvPr>
-        </p:nvSpPr>
-        <p:spPr>
-          <a:xfrm>
-            <a:off x="4674240" y="1604520"/>
-            <a:ext cx="4015800" cy="1896840"/>
-          </a:xfrm>
-          <a:prstGeom prst="rect">
-            <a:avLst/>
-          </a:prstGeom>
-        </p:spPr>
-        <p:txBody>
-          <a:bodyPr lIns="0" rIns="0" tIns="0" bIns="0"/>
-          <a:p>
-            <a:endParaRPr/>
-          </a:p>
-        </p:txBody>
-      </p:sp>
-      <p:sp>
-        <p:nvSpPr>
-          <p:cNvPr id="105" name="PlaceHolder 4"/>
-          <p:cNvSpPr>
-            <a:spLocks noGrp="1"/>
-          </p:cNvSpPr>
-          <p:nvPr>
-            <p:ph type="body"/>
-          </p:nvPr>
-        </p:nvSpPr>
-        <p:spPr>
-          <a:xfrm>
-            <a:off x="4674240" y="3682080"/>
-            <a:ext cx="4015800" cy="1896840"/>
-          </a:xfrm>
-          <a:prstGeom prst="rect">
-            <a:avLst/>
-          </a:prstGeom>
-        </p:spPr>
-        <p:txBody>
-          <a:bodyPr lIns="0" rIns="0" tIns="0" bIns="0"/>
-          <a:p>
-            <a:endParaRPr/>
-          </a:p>
-        </p:txBody>
-      </p:sp>
-    </p:spTree>
-  </p:cSld>
-</p:sldLayout>
-</file>
-
-<file path=ppt/slideLayouts/slideLayout33.xml><?xml version="1.0" encoding="utf-8"?>
-<p:sldLayout xmlns:a="http://schemas.openxmlformats.org/drawingml/2006/main" xmlns:p="http://schemas.openxmlformats.org/presentationml/2006/main" xmlns:r="http://schemas.openxmlformats.org/officeDocument/2006/relationships" type="twoObjOverTx" preserve="1">
-  <p:cSld name="Title, 2 Content over Content">
-    <p:spTree>
-      <p:nvGrpSpPr>
-        <p:cNvPr id="1" name=""/>
-        <p:cNvGrpSpPr/>
-        <p:nvPr/>
-      </p:nvGrpSpPr>
-      <p:grpSpPr>
-        <a:xfrm>
-          <a:off x="0" y="0"/>
-          <a:ext cx="0" cy="0"/>
-          <a:chOff x="0" y="0"/>
-          <a:chExt cx="0" cy="0"/>
-        </a:xfrm>
-      </p:grpSpPr>
-      <p:sp>
-        <p:nvSpPr>
-          <p:cNvPr id="106" name="PlaceHolder 1"/>
-          <p:cNvSpPr>
-            <a:spLocks noGrp="1"/>
-          </p:cNvSpPr>
-          <p:nvPr>
-            <p:ph type="title"/>
-          </p:nvPr>
-        </p:nvSpPr>
-        <p:spPr>
-          <a:xfrm>
-            <a:off x="457200" y="273600"/>
-            <a:ext cx="8229240" cy="1144800"/>
-          </a:xfrm>
-          <a:prstGeom prst="rect">
-            <a:avLst/>
-          </a:prstGeom>
-        </p:spPr>
-        <p:txBody>
-          <a:bodyPr lIns="0" rIns="0" tIns="0" bIns="0" anchor="ctr"/>
-          <a:p>
-            <a:pPr algn="ctr"/>
-            <a:endParaRPr/>
-          </a:p>
-        </p:txBody>
-      </p:sp>
-      <p:sp>
-        <p:nvSpPr>
-          <p:cNvPr id="107" name="PlaceHolder 2"/>
-          <p:cNvSpPr>
-            <a:spLocks noGrp="1"/>
-          </p:cNvSpPr>
-          <p:nvPr>
-            <p:ph type="body"/>
-          </p:nvPr>
-        </p:nvSpPr>
-        <p:spPr>
-          <a:xfrm>
-            <a:off x="457200" y="1604520"/>
-            <a:ext cx="4015800" cy="1896840"/>
-          </a:xfrm>
-          <a:prstGeom prst="rect">
-            <a:avLst/>
-          </a:prstGeom>
-        </p:spPr>
-        <p:txBody>
-          <a:bodyPr lIns="0" rIns="0" tIns="0" bIns="0"/>
-          <a:p>
-            <a:endParaRPr/>
-          </a:p>
-        </p:txBody>
-      </p:sp>
-      <p:sp>
-        <p:nvSpPr>
-          <p:cNvPr id="108" name="PlaceHolder 3"/>
-          <p:cNvSpPr>
-            <a:spLocks noGrp="1"/>
-          </p:cNvSpPr>
-          <p:nvPr>
-            <p:ph type="body"/>
-          </p:nvPr>
-        </p:nvSpPr>
-        <p:spPr>
-          <a:xfrm>
-            <a:off x="4674240" y="1604520"/>
-            <a:ext cx="4015800" cy="1896840"/>
-          </a:xfrm>
-          <a:prstGeom prst="rect">
-            <a:avLst/>
-          </a:prstGeom>
-        </p:spPr>
-        <p:txBody>
-          <a:bodyPr lIns="0" rIns="0" tIns="0" bIns="0"/>
-          <a:p>
-            <a:endParaRPr/>
-          </a:p>
-        </p:txBody>
-      </p:sp>
-      <p:sp>
-        <p:nvSpPr>
-          <p:cNvPr id="109" name="PlaceHolder 4"/>
-          <p:cNvSpPr>
-            <a:spLocks noGrp="1"/>
-          </p:cNvSpPr>
-          <p:nvPr>
-            <p:ph type="body"/>
-          </p:nvPr>
-        </p:nvSpPr>
-        <p:spPr>
-          <a:xfrm>
-            <a:off x="457200" y="3682080"/>
-            <a:ext cx="8229240" cy="1896840"/>
-          </a:xfrm>
-          <a:prstGeom prst="rect">
-            <a:avLst/>
-          </a:prstGeom>
-        </p:spPr>
-        <p:txBody>
-          <a:bodyPr lIns="0" rIns="0" tIns="0" bIns="0"/>
-          <a:p>
-            <a:endParaRPr/>
-          </a:p>
-        </p:txBody>
-      </p:sp>
-    </p:spTree>
-  </p:cSld>
-</p:sldLayout>
-</file>
-
-<file path=ppt/slideLayouts/slideLayout34.xml><?xml version="1.0" encoding="utf-8"?>
-<p:sldLayout xmlns:a="http://schemas.openxmlformats.org/drawingml/2006/main" xmlns:p="http://schemas.openxmlformats.org/presentationml/2006/main" xmlns:r="http://schemas.openxmlformats.org/officeDocument/2006/relationships" type="objOverTx" preserve="1">
-  <p:cSld name="Title, Content over Content">
-    <p:spTree>
-      <p:nvGrpSpPr>
-        <p:cNvPr id="1" name=""/>
-        <p:cNvGrpSpPr/>
-        <p:nvPr/>
-      </p:nvGrpSpPr>
-      <p:grpSpPr>
-        <a:xfrm>
-          <a:off x="0" y="0"/>
-          <a:ext cx="0" cy="0"/>
-          <a:chOff x="0" y="0"/>
-          <a:chExt cx="0" cy="0"/>
-        </a:xfrm>
-      </p:grpSpPr>
-      <p:sp>
-        <p:nvSpPr>
-          <p:cNvPr id="110" name="PlaceHolder 1"/>
-          <p:cNvSpPr>
-            <a:spLocks noGrp="1"/>
-          </p:cNvSpPr>
-          <p:nvPr>
-            <p:ph type="title"/>
-          </p:nvPr>
-        </p:nvSpPr>
-        <p:spPr>
-          <a:xfrm>
-            <a:off x="457200" y="273600"/>
-            <a:ext cx="8229240" cy="1144800"/>
-          </a:xfrm>
-          <a:prstGeom prst="rect">
-            <a:avLst/>
-          </a:prstGeom>
-        </p:spPr>
-        <p:txBody>
-          <a:bodyPr lIns="0" rIns="0" tIns="0" bIns="0" anchor="ctr"/>
-          <a:p>
-            <a:pPr algn="ctr"/>
-            <a:endParaRPr/>
-          </a:p>
-        </p:txBody>
-      </p:sp>
-      <p:sp>
-        <p:nvSpPr>
-          <p:cNvPr id="111" name="PlaceHolder 2"/>
-          <p:cNvSpPr>
-            <a:spLocks noGrp="1"/>
-          </p:cNvSpPr>
-          <p:nvPr>
-            <p:ph type="body"/>
-          </p:nvPr>
-        </p:nvSpPr>
-        <p:spPr>
-          <a:xfrm>
-            <a:off x="457200" y="1604520"/>
-            <a:ext cx="8229240" cy="1896840"/>
-          </a:xfrm>
-          <a:prstGeom prst="rect">
-            <a:avLst/>
-          </a:prstGeom>
-        </p:spPr>
-        <p:txBody>
-          <a:bodyPr lIns="0" rIns="0" tIns="0" bIns="0"/>
-          <a:p>
-            <a:endParaRPr/>
-          </a:p>
-        </p:txBody>
-      </p:sp>
-      <p:sp>
-        <p:nvSpPr>
-          <p:cNvPr id="112" name="PlaceHolder 3"/>
-          <p:cNvSpPr>
-            <a:spLocks noGrp="1"/>
-          </p:cNvSpPr>
-          <p:nvPr>
-            <p:ph type="body"/>
-          </p:nvPr>
-        </p:nvSpPr>
-        <p:spPr>
-          <a:xfrm>
-            <a:off x="457200" y="3682080"/>
-            <a:ext cx="8229240" cy="1896840"/>
-          </a:xfrm>
-          <a:prstGeom prst="rect">
-            <a:avLst/>
-          </a:prstGeom>
-        </p:spPr>
-        <p:txBody>
-          <a:bodyPr lIns="0" rIns="0" tIns="0" bIns="0"/>
-          <a:p>
-            <a:endParaRPr/>
-          </a:p>
-        </p:txBody>
-      </p:sp>
-    </p:spTree>
-  </p:cSld>
-</p:sldLayout>
-</file>
-
-<file path=ppt/slideLayouts/slideLayout35.xml><?xml version="1.0" encoding="utf-8"?>
-<p:sldLayout xmlns:a="http://schemas.openxmlformats.org/drawingml/2006/main" xmlns:p="http://schemas.openxmlformats.org/presentationml/2006/main" xmlns:r="http://schemas.openxmlformats.org/officeDocument/2006/relationships" type="fourObj" preserve="1">
-  <p:cSld name="Title, 4 Content">
-    <p:spTree>
-      <p:nvGrpSpPr>
-        <p:cNvPr id="1" name=""/>
-        <p:cNvGrpSpPr/>
-        <p:nvPr/>
-      </p:nvGrpSpPr>
-      <p:grpSpPr>
-        <a:xfrm>
-          <a:off x="0" y="0"/>
-          <a:ext cx="0" cy="0"/>
-          <a:chOff x="0" y="0"/>
-          <a:chExt cx="0" cy="0"/>
-        </a:xfrm>
-      </p:grpSpPr>
-      <p:sp>
-        <p:nvSpPr>
-          <p:cNvPr id="113" name="PlaceHolder 1"/>
-          <p:cNvSpPr>
-            <a:spLocks noGrp="1"/>
-          </p:cNvSpPr>
-          <p:nvPr>
-            <p:ph type="title"/>
-          </p:nvPr>
-        </p:nvSpPr>
-        <p:spPr>
-          <a:xfrm>
-            <a:off x="457200" y="273600"/>
-            <a:ext cx="8229240" cy="1144800"/>
-          </a:xfrm>
-          <a:prstGeom prst="rect">
-            <a:avLst/>
-          </a:prstGeom>
-        </p:spPr>
-        <p:txBody>
-          <a:bodyPr lIns="0" rIns="0" tIns="0" bIns="0" anchor="ctr"/>
-          <a:p>
-            <a:pPr algn="ctr"/>
-            <a:endParaRPr/>
-          </a:p>
-        </p:txBody>
-      </p:sp>
-      <p:sp>
-        <p:nvSpPr>
-          <p:cNvPr id="114" name="PlaceHolder 2"/>
-          <p:cNvSpPr>
-            <a:spLocks noGrp="1"/>
-          </p:cNvSpPr>
-          <p:nvPr>
-            <p:ph type="body"/>
-          </p:nvPr>
-        </p:nvSpPr>
-        <p:spPr>
-          <a:xfrm>
-            <a:off x="457200" y="1604520"/>
-            <a:ext cx="4015800" cy="1896840"/>
-          </a:xfrm>
-          <a:prstGeom prst="rect">
-            <a:avLst/>
-          </a:prstGeom>
-        </p:spPr>
-        <p:txBody>
-          <a:bodyPr lIns="0" rIns="0" tIns="0" bIns="0"/>
-          <a:p>
-            <a:endParaRPr/>
-          </a:p>
-        </p:txBody>
-      </p:sp>
-      <p:sp>
-        <p:nvSpPr>
-          <p:cNvPr id="115" name="PlaceHolder 3"/>
-          <p:cNvSpPr>
-            <a:spLocks noGrp="1"/>
-          </p:cNvSpPr>
-          <p:nvPr>
-            <p:ph type="body"/>
-          </p:nvPr>
-        </p:nvSpPr>
-        <p:spPr>
-          <a:xfrm>
-            <a:off x="4674240" y="1604520"/>
-            <a:ext cx="4015800" cy="1896840"/>
-          </a:xfrm>
-          <a:prstGeom prst="rect">
-            <a:avLst/>
-          </a:prstGeom>
-        </p:spPr>
-        <p:txBody>
-          <a:bodyPr lIns="0" rIns="0" tIns="0" bIns="0"/>
-          <a:p>
-            <a:endParaRPr/>
-          </a:p>
-        </p:txBody>
-      </p:sp>
-      <p:sp>
-        <p:nvSpPr>
-          <p:cNvPr id="116" name="PlaceHolder 4"/>
-          <p:cNvSpPr>
-            <a:spLocks noGrp="1"/>
-          </p:cNvSpPr>
-          <p:nvPr>
-            <p:ph type="body"/>
-          </p:nvPr>
-        </p:nvSpPr>
-        <p:spPr>
-          <a:xfrm>
-            <a:off x="4674240" y="3682080"/>
-            <a:ext cx="4015800" cy="1896840"/>
-          </a:xfrm>
-          <a:prstGeom prst="rect">
-            <a:avLst/>
-          </a:prstGeom>
-        </p:spPr>
-        <p:txBody>
-          <a:bodyPr lIns="0" rIns="0" tIns="0" bIns="0"/>
-          <a:p>
-            <a:endParaRPr/>
-          </a:p>
-        </p:txBody>
-      </p:sp>
-      <p:sp>
-        <p:nvSpPr>
-          <p:cNvPr id="117" name="PlaceHolder 5"/>
-          <p:cNvSpPr>
-            <a:spLocks noGrp="1"/>
-          </p:cNvSpPr>
-          <p:nvPr>
-            <p:ph type="body"/>
-          </p:nvPr>
-        </p:nvSpPr>
-        <p:spPr>
-          <a:xfrm>
-            <a:off x="457200" y="3682080"/>
-            <a:ext cx="4015800" cy="1896840"/>
-          </a:xfrm>
-          <a:prstGeom prst="rect">
-            <a:avLst/>
-          </a:prstGeom>
-        </p:spPr>
-        <p:txBody>
-          <a:bodyPr lIns="0" rIns="0" tIns="0" bIns="0"/>
-          <a:p>
-            <a:endParaRPr/>
-          </a:p>
-        </p:txBody>
-      </p:sp>
-    </p:spTree>
-  </p:cSld>
-</p:sldLayout>
-</file>
-
-<file path=ppt/slideLayouts/slideLayout36.xml><?xml version="1.0" encoding="utf-8"?>
-<p:sldLayout xmlns:a="http://schemas.openxmlformats.org/drawingml/2006/main" xmlns:p="http://schemas.openxmlformats.org/presentationml/2006/main" xmlns:r="http://schemas.openxmlformats.org/officeDocument/2006/relationships" type="blank" preserve="1">
-  <p:cSld name="Title, 6 Content">
-    <p:spTree>
-      <p:nvGrpSpPr>
-        <p:cNvPr id="1" name=""/>
-        <p:cNvGrpSpPr/>
-        <p:nvPr/>
-      </p:nvGrpSpPr>
-      <p:grpSpPr>
-        <a:xfrm>
-          <a:off x="0" y="0"/>
-          <a:ext cx="0" cy="0"/>
-          <a:chOff x="0" y="0"/>
-          <a:chExt cx="0" cy="0"/>
-        </a:xfrm>
-      </p:grpSpPr>
-      <p:sp>
-        <p:nvSpPr>
-          <p:cNvPr id="118" name="PlaceHolder 1"/>
-          <p:cNvSpPr>
-            <a:spLocks noGrp="1"/>
-          </p:cNvSpPr>
-          <p:nvPr>
-            <p:ph type="title"/>
-          </p:nvPr>
-        </p:nvSpPr>
-        <p:spPr>
-          <a:xfrm>
-            <a:off x="457200" y="273600"/>
-            <a:ext cx="8229240" cy="1144800"/>
-          </a:xfrm>
-          <a:prstGeom prst="rect">
-            <a:avLst/>
-          </a:prstGeom>
-        </p:spPr>
-        <p:txBody>
-          <a:bodyPr lIns="0" rIns="0" tIns="0" bIns="0" anchor="ctr"/>
-          <a:p>
-            <a:pPr algn="ctr"/>
-            <a:endParaRPr/>
-          </a:p>
-        </p:txBody>
-      </p:sp>
-      <p:sp>
-        <p:nvSpPr>
-          <p:cNvPr id="119" name="PlaceHolder 2"/>
-          <p:cNvSpPr>
-            <a:spLocks noGrp="1"/>
-          </p:cNvSpPr>
-          <p:nvPr>
-            <p:ph type="body"/>
-          </p:nvPr>
-        </p:nvSpPr>
-        <p:spPr>
-          <a:xfrm>
-            <a:off x="457200" y="1604520"/>
-            <a:ext cx="8229240" cy="3977280"/>
-          </a:xfrm>
-          <a:prstGeom prst="rect">
-            <a:avLst/>
-          </a:prstGeom>
-        </p:spPr>
-        <p:txBody>
-          <a:bodyPr lIns="0" rIns="0" tIns="0" bIns="0"/>
-          <a:p>
-            <a:endParaRPr/>
-          </a:p>
-        </p:txBody>
-      </p:sp>
-      <p:sp>
-        <p:nvSpPr>
-          <p:cNvPr id="120" name="PlaceHolder 3"/>
-          <p:cNvSpPr>
-            <a:spLocks noGrp="1"/>
-          </p:cNvSpPr>
-          <p:nvPr>
-            <p:ph type="body"/>
-          </p:nvPr>
-        </p:nvSpPr>
-        <p:spPr>
-          <a:xfrm>
-            <a:off x="457200" y="1604520"/>
-            <a:ext cx="8229240" cy="3977280"/>
-          </a:xfrm>
-          <a:prstGeom prst="rect">
-            <a:avLst/>
-          </a:prstGeom>
-        </p:spPr>
-        <p:txBody>
-          <a:bodyPr lIns="0" rIns="0" tIns="0" bIns="0"/>
-          <a:p>
-            <a:endParaRPr/>
-          </a:p>
-        </p:txBody>
-      </p:sp>
-      <p:pic>
-        <p:nvPicPr>
-          <p:cNvPr id="121" name="" descr=""/>
-          <p:cNvPicPr/>
-          <p:nvPr/>
-        </p:nvPicPr>
-        <p:blipFill>
-          <a:blip r:embed="rId2"/>
-          <a:stretch/>
-        </p:blipFill>
-        <p:spPr>
-          <a:xfrm>
-            <a:off x="2079000" y="1604520"/>
-            <a:ext cx="4984920" cy="3977280"/>
-          </a:xfrm>
-          <a:prstGeom prst="rect">
-            <a:avLst/>
-          </a:prstGeom>
-          <a:ln>
-            <a:noFill/>
-          </a:ln>
-        </p:spPr>
-      </p:pic>
-      <p:pic>
-        <p:nvPicPr>
-          <p:cNvPr id="122" name="" descr=""/>
-          <p:cNvPicPr/>
-          <p:nvPr/>
-        </p:nvPicPr>
-        <p:blipFill>
-          <a:blip r:embed="rId3"/>
-          <a:stretch/>
-        </p:blipFill>
-        <p:spPr>
-          <a:xfrm>
-            <a:off x="2079000" y="1604520"/>
-            <a:ext cx="4984920" cy="3977280"/>
-          </a:xfrm>
-          <a:prstGeom prst="rect">
-            <a:avLst/>
-          </a:prstGeom>
-          <a:ln>
-            <a:noFill/>
-          </a:ln>
-        </p:spPr>
-      </p:pic>
-    </p:spTree>
-  </p:cSld>
-</p:sldLayout>
-</file>
-
-<file path=ppt/slideLayouts/slideLayout37.xml><?xml version="1.0" encoding="utf-8"?>
-<p:sldLayout xmlns:a="http://schemas.openxmlformats.org/drawingml/2006/main" xmlns:p="http://schemas.openxmlformats.org/presentationml/2006/main" xmlns:r="http://schemas.openxmlformats.org/officeDocument/2006/relationships" type="blank" preserve="1">
-  <p:cSld name="Blank Slide">
-    <p:spTree>
-      <p:nvGrpSpPr>
-        <p:cNvPr id="1" name=""/>
-        <p:cNvGrpSpPr/>
-        <p:nvPr/>
-      </p:nvGrpSpPr>
-      <p:grpSpPr>
-        <a:xfrm>
-          <a:off x="0" y="0"/>
-          <a:ext cx="0" cy="0"/>
-          <a:chOff x="0" y="0"/>
-          <a:chExt cx="0" cy="0"/>
-        </a:xfrm>
-      </p:grpSpPr>
-    </p:spTree>
-  </p:cSld>
-</p:sldLayout>
-</file>
-
-<file path=ppt/slideLayouts/slideLayout38.xml><?xml version="1.0" encoding="utf-8"?>
-<p:sldLayout xmlns:a="http://schemas.openxmlformats.org/drawingml/2006/main" xmlns:p="http://schemas.openxmlformats.org/presentationml/2006/main" xmlns:r="http://schemas.openxmlformats.org/officeDocument/2006/relationships" type="tx" preserve="1">
-  <p:cSld name="Title Slide">
-    <p:spTree>
-      <p:nvGrpSpPr>
-        <p:cNvPr id="1" name=""/>
-        <p:cNvGrpSpPr/>
-        <p:nvPr/>
-      </p:nvGrpSpPr>
-      <p:grpSpPr>
-        <a:xfrm>
-          <a:off x="0" y="0"/>
-          <a:ext cx="0" cy="0"/>
-          <a:chOff x="0" y="0"/>
-          <a:chExt cx="0" cy="0"/>
-        </a:xfrm>
-      </p:grpSpPr>
-      <p:sp>
-        <p:nvSpPr>
-          <p:cNvPr id="130" name="PlaceHolder 1"/>
-          <p:cNvSpPr>
-            <a:spLocks noGrp="1"/>
-          </p:cNvSpPr>
-          <p:nvPr>
-            <p:ph type="title"/>
-          </p:nvPr>
-        </p:nvSpPr>
-        <p:spPr>
-          <a:xfrm>
-            <a:off x="457200" y="273600"/>
-            <a:ext cx="8229240" cy="1144800"/>
-          </a:xfrm>
-          <a:prstGeom prst="rect">
-            <a:avLst/>
-          </a:prstGeom>
-        </p:spPr>
-        <p:txBody>
-          <a:bodyPr lIns="0" rIns="0" tIns="0" bIns="0" anchor="ctr"/>
-          <a:p>
-            <a:pPr algn="ctr"/>
-            <a:endParaRPr/>
-          </a:p>
-        </p:txBody>
-      </p:sp>
-      <p:sp>
-        <p:nvSpPr>
-          <p:cNvPr id="131" name="PlaceHolder 2"/>
-          <p:cNvSpPr>
-            <a:spLocks noGrp="1"/>
-          </p:cNvSpPr>
-          <p:nvPr>
-            <p:ph type="subTitle"/>
-          </p:nvPr>
-        </p:nvSpPr>
-        <p:spPr>
-          <a:xfrm>
-            <a:off x="457200" y="1604520"/>
-            <a:ext cx="8229240" cy="3977280"/>
-          </a:xfrm>
-          <a:prstGeom prst="rect">
-            <a:avLst/>
-          </a:prstGeom>
-        </p:spPr>
-        <p:txBody>
-          <a:bodyPr lIns="0" rIns="0" tIns="0" bIns="0" anchor="ctr"/>
-          <a:p>
-            <a:pPr algn="ctr"/>
-            <a:endParaRPr/>
-          </a:p>
-        </p:txBody>
-      </p:sp>
-    </p:spTree>
-  </p:cSld>
-</p:sldLayout>
-</file>
-
-<file path=ppt/slideLayouts/slideLayout39.xml><?xml version="1.0" encoding="utf-8"?>
-<p:sldLayout xmlns:a="http://schemas.openxmlformats.org/drawingml/2006/main" xmlns:p="http://schemas.openxmlformats.org/presentationml/2006/main" xmlns:r="http://schemas.openxmlformats.org/officeDocument/2006/relationships" type="obj" preserve="1">
-  <p:cSld name="Title, Content">
-    <p:spTree>
-      <p:nvGrpSpPr>
-        <p:cNvPr id="1" name=""/>
-        <p:cNvGrpSpPr/>
-        <p:nvPr/>
-      </p:nvGrpSpPr>
-      <p:grpSpPr>
-        <a:xfrm>
-          <a:off x="0" y="0"/>
-          <a:ext cx="0" cy="0"/>
-          <a:chOff x="0" y="0"/>
-          <a:chExt cx="0" cy="0"/>
-        </a:xfrm>
-      </p:grpSpPr>
-      <p:sp>
-        <p:nvSpPr>
-          <p:cNvPr id="132" name="PlaceHolder 1"/>
-          <p:cNvSpPr>
-            <a:spLocks noGrp="1"/>
-          </p:cNvSpPr>
-          <p:nvPr>
-            <p:ph type="title"/>
-          </p:nvPr>
-        </p:nvSpPr>
-        <p:spPr>
-          <a:xfrm>
-            <a:off x="457200" y="273600"/>
-            <a:ext cx="8229240" cy="1144800"/>
-          </a:xfrm>
-          <a:prstGeom prst="rect">
-            <a:avLst/>
-          </a:prstGeom>
-        </p:spPr>
-        <p:txBody>
-          <a:bodyPr lIns="0" rIns="0" tIns="0" bIns="0" anchor="ctr"/>
-          <a:p>
-            <a:pPr algn="ctr"/>
-            <a:endParaRPr/>
-          </a:p>
-        </p:txBody>
-      </p:sp>
-      <p:sp>
-        <p:nvSpPr>
-          <p:cNvPr id="133" name="PlaceHolder 2"/>
           <p:cNvSpPr>
             <a:spLocks noGrp="1"/>
           </p:cNvSpPr>
@@ -3180,987 +1852,6 @@
           </a:p>
         </p:txBody>
       </p:sp>
-    </p:spTree>
-  </p:cSld>
-</p:sldLayout>
-</file>
-
-<file path=ppt/slideLayouts/slideLayout40.xml><?xml version="1.0" encoding="utf-8"?>
-<p:sldLayout xmlns:a="http://schemas.openxmlformats.org/drawingml/2006/main" xmlns:p="http://schemas.openxmlformats.org/presentationml/2006/main" xmlns:r="http://schemas.openxmlformats.org/officeDocument/2006/relationships" type="twoObj" preserve="1">
-  <p:cSld name="Title, 2 Content">
-    <p:spTree>
-      <p:nvGrpSpPr>
-        <p:cNvPr id="1" name=""/>
-        <p:cNvGrpSpPr/>
-        <p:nvPr/>
-      </p:nvGrpSpPr>
-      <p:grpSpPr>
-        <a:xfrm>
-          <a:off x="0" y="0"/>
-          <a:ext cx="0" cy="0"/>
-          <a:chOff x="0" y="0"/>
-          <a:chExt cx="0" cy="0"/>
-        </a:xfrm>
-      </p:grpSpPr>
-      <p:sp>
-        <p:nvSpPr>
-          <p:cNvPr id="134" name="PlaceHolder 1"/>
-          <p:cNvSpPr>
-            <a:spLocks noGrp="1"/>
-          </p:cNvSpPr>
-          <p:nvPr>
-            <p:ph type="title"/>
-          </p:nvPr>
-        </p:nvSpPr>
-        <p:spPr>
-          <a:xfrm>
-            <a:off x="457200" y="273600"/>
-            <a:ext cx="8229240" cy="1144800"/>
-          </a:xfrm>
-          <a:prstGeom prst="rect">
-            <a:avLst/>
-          </a:prstGeom>
-        </p:spPr>
-        <p:txBody>
-          <a:bodyPr lIns="0" rIns="0" tIns="0" bIns="0" anchor="ctr"/>
-          <a:p>
-            <a:pPr algn="ctr"/>
-            <a:endParaRPr/>
-          </a:p>
-        </p:txBody>
-      </p:sp>
-      <p:sp>
-        <p:nvSpPr>
-          <p:cNvPr id="135" name="PlaceHolder 2"/>
-          <p:cNvSpPr>
-            <a:spLocks noGrp="1"/>
-          </p:cNvSpPr>
-          <p:nvPr>
-            <p:ph type="body"/>
-          </p:nvPr>
-        </p:nvSpPr>
-        <p:spPr>
-          <a:xfrm>
-            <a:off x="457200" y="1604520"/>
-            <a:ext cx="4015800" cy="3977280"/>
-          </a:xfrm>
-          <a:prstGeom prst="rect">
-            <a:avLst/>
-          </a:prstGeom>
-        </p:spPr>
-        <p:txBody>
-          <a:bodyPr lIns="0" rIns="0" tIns="0" bIns="0"/>
-          <a:p>
-            <a:endParaRPr/>
-          </a:p>
-        </p:txBody>
-      </p:sp>
-      <p:sp>
-        <p:nvSpPr>
-          <p:cNvPr id="136" name="PlaceHolder 3"/>
-          <p:cNvSpPr>
-            <a:spLocks noGrp="1"/>
-          </p:cNvSpPr>
-          <p:nvPr>
-            <p:ph type="body"/>
-          </p:nvPr>
-        </p:nvSpPr>
-        <p:spPr>
-          <a:xfrm>
-            <a:off x="4674240" y="1604520"/>
-            <a:ext cx="4015800" cy="3977280"/>
-          </a:xfrm>
-          <a:prstGeom prst="rect">
-            <a:avLst/>
-          </a:prstGeom>
-        </p:spPr>
-        <p:txBody>
-          <a:bodyPr lIns="0" rIns="0" tIns="0" bIns="0"/>
-          <a:p>
-            <a:endParaRPr/>
-          </a:p>
-        </p:txBody>
-      </p:sp>
-    </p:spTree>
-  </p:cSld>
-</p:sldLayout>
-</file>
-
-<file path=ppt/slideLayouts/slideLayout41.xml><?xml version="1.0" encoding="utf-8"?>
-<p:sldLayout xmlns:a="http://schemas.openxmlformats.org/drawingml/2006/main" xmlns:p="http://schemas.openxmlformats.org/presentationml/2006/main" xmlns:r="http://schemas.openxmlformats.org/officeDocument/2006/relationships" type="titleOnly" preserve="1">
-  <p:cSld name="Title Only">
-    <p:spTree>
-      <p:nvGrpSpPr>
-        <p:cNvPr id="1" name=""/>
-        <p:cNvGrpSpPr/>
-        <p:nvPr/>
-      </p:nvGrpSpPr>
-      <p:grpSpPr>
-        <a:xfrm>
-          <a:off x="0" y="0"/>
-          <a:ext cx="0" cy="0"/>
-          <a:chOff x="0" y="0"/>
-          <a:chExt cx="0" cy="0"/>
-        </a:xfrm>
-      </p:grpSpPr>
-      <p:sp>
-        <p:nvSpPr>
-          <p:cNvPr id="137" name="PlaceHolder 1"/>
-          <p:cNvSpPr>
-            <a:spLocks noGrp="1"/>
-          </p:cNvSpPr>
-          <p:nvPr>
-            <p:ph type="title"/>
-          </p:nvPr>
-        </p:nvSpPr>
-        <p:spPr>
-          <a:xfrm>
-            <a:off x="457200" y="273600"/>
-            <a:ext cx="8229240" cy="1144800"/>
-          </a:xfrm>
-          <a:prstGeom prst="rect">
-            <a:avLst/>
-          </a:prstGeom>
-        </p:spPr>
-        <p:txBody>
-          <a:bodyPr lIns="0" rIns="0" tIns="0" bIns="0" anchor="ctr"/>
-          <a:p>
-            <a:pPr algn="ctr"/>
-            <a:endParaRPr/>
-          </a:p>
-        </p:txBody>
-      </p:sp>
-    </p:spTree>
-  </p:cSld>
-</p:sldLayout>
-</file>
-
-<file path=ppt/slideLayouts/slideLayout42.xml><?xml version="1.0" encoding="utf-8"?>
-<p:sldLayout xmlns:a="http://schemas.openxmlformats.org/drawingml/2006/main" xmlns:p="http://schemas.openxmlformats.org/presentationml/2006/main" xmlns:r="http://schemas.openxmlformats.org/officeDocument/2006/relationships" type="objOnly" preserve="1">
-  <p:cSld name="Centered Text">
-    <p:spTree>
-      <p:nvGrpSpPr>
-        <p:cNvPr id="1" name=""/>
-        <p:cNvGrpSpPr/>
-        <p:nvPr/>
-      </p:nvGrpSpPr>
-      <p:grpSpPr>
-        <a:xfrm>
-          <a:off x="0" y="0"/>
-          <a:ext cx="0" cy="0"/>
-          <a:chOff x="0" y="0"/>
-          <a:chExt cx="0" cy="0"/>
-        </a:xfrm>
-      </p:grpSpPr>
-      <p:sp>
-        <p:nvSpPr>
-          <p:cNvPr id="138" name="PlaceHolder 1"/>
-          <p:cNvSpPr>
-            <a:spLocks noGrp="1"/>
-          </p:cNvSpPr>
-          <p:nvPr>
-            <p:ph type="subTitle"/>
-          </p:nvPr>
-        </p:nvSpPr>
-        <p:spPr>
-          <a:xfrm>
-            <a:off x="457200" y="273600"/>
-            <a:ext cx="8229240" cy="5307840"/>
-          </a:xfrm>
-          <a:prstGeom prst="rect">
-            <a:avLst/>
-          </a:prstGeom>
-        </p:spPr>
-        <p:txBody>
-          <a:bodyPr lIns="0" rIns="0" tIns="0" bIns="0" anchor="ctr"/>
-          <a:p>
-            <a:pPr algn="ctr"/>
-            <a:endParaRPr/>
-          </a:p>
-        </p:txBody>
-      </p:sp>
-    </p:spTree>
-  </p:cSld>
-</p:sldLayout>
-</file>
-
-<file path=ppt/slideLayouts/slideLayout43.xml><?xml version="1.0" encoding="utf-8"?>
-<p:sldLayout xmlns:a="http://schemas.openxmlformats.org/drawingml/2006/main" xmlns:p="http://schemas.openxmlformats.org/presentationml/2006/main" xmlns:r="http://schemas.openxmlformats.org/officeDocument/2006/relationships" type="twoObjAndObj" preserve="1">
-  <p:cSld name="Title, 2 Content and Content">
-    <p:spTree>
-      <p:nvGrpSpPr>
-        <p:cNvPr id="1" name=""/>
-        <p:cNvGrpSpPr/>
-        <p:nvPr/>
-      </p:nvGrpSpPr>
-      <p:grpSpPr>
-        <a:xfrm>
-          <a:off x="0" y="0"/>
-          <a:ext cx="0" cy="0"/>
-          <a:chOff x="0" y="0"/>
-          <a:chExt cx="0" cy="0"/>
-        </a:xfrm>
-      </p:grpSpPr>
-      <p:sp>
-        <p:nvSpPr>
-          <p:cNvPr id="139" name="PlaceHolder 1"/>
-          <p:cNvSpPr>
-            <a:spLocks noGrp="1"/>
-          </p:cNvSpPr>
-          <p:nvPr>
-            <p:ph type="title"/>
-          </p:nvPr>
-        </p:nvSpPr>
-        <p:spPr>
-          <a:xfrm>
-            <a:off x="457200" y="273600"/>
-            <a:ext cx="8229240" cy="1144800"/>
-          </a:xfrm>
-          <a:prstGeom prst="rect">
-            <a:avLst/>
-          </a:prstGeom>
-        </p:spPr>
-        <p:txBody>
-          <a:bodyPr lIns="0" rIns="0" tIns="0" bIns="0" anchor="ctr"/>
-          <a:p>
-            <a:pPr algn="ctr"/>
-            <a:endParaRPr/>
-          </a:p>
-        </p:txBody>
-      </p:sp>
-      <p:sp>
-        <p:nvSpPr>
-          <p:cNvPr id="140" name="PlaceHolder 2"/>
-          <p:cNvSpPr>
-            <a:spLocks noGrp="1"/>
-          </p:cNvSpPr>
-          <p:nvPr>
-            <p:ph type="body"/>
-          </p:nvPr>
-        </p:nvSpPr>
-        <p:spPr>
-          <a:xfrm>
-            <a:off x="457200" y="1604520"/>
-            <a:ext cx="4015800" cy="1896840"/>
-          </a:xfrm>
-          <a:prstGeom prst="rect">
-            <a:avLst/>
-          </a:prstGeom>
-        </p:spPr>
-        <p:txBody>
-          <a:bodyPr lIns="0" rIns="0" tIns="0" bIns="0"/>
-          <a:p>
-            <a:endParaRPr/>
-          </a:p>
-        </p:txBody>
-      </p:sp>
-      <p:sp>
-        <p:nvSpPr>
-          <p:cNvPr id="141" name="PlaceHolder 3"/>
-          <p:cNvSpPr>
-            <a:spLocks noGrp="1"/>
-          </p:cNvSpPr>
-          <p:nvPr>
-            <p:ph type="body"/>
-          </p:nvPr>
-        </p:nvSpPr>
-        <p:spPr>
-          <a:xfrm>
-            <a:off x="457200" y="3682080"/>
-            <a:ext cx="4015800" cy="1896840"/>
-          </a:xfrm>
-          <a:prstGeom prst="rect">
-            <a:avLst/>
-          </a:prstGeom>
-        </p:spPr>
-        <p:txBody>
-          <a:bodyPr lIns="0" rIns="0" tIns="0" bIns="0"/>
-          <a:p>
-            <a:endParaRPr/>
-          </a:p>
-        </p:txBody>
-      </p:sp>
-      <p:sp>
-        <p:nvSpPr>
-          <p:cNvPr id="142" name="PlaceHolder 4"/>
-          <p:cNvSpPr>
-            <a:spLocks noGrp="1"/>
-          </p:cNvSpPr>
-          <p:nvPr>
-            <p:ph type="body"/>
-          </p:nvPr>
-        </p:nvSpPr>
-        <p:spPr>
-          <a:xfrm>
-            <a:off x="4674240" y="1604520"/>
-            <a:ext cx="4015800" cy="3977280"/>
-          </a:xfrm>
-          <a:prstGeom prst="rect">
-            <a:avLst/>
-          </a:prstGeom>
-        </p:spPr>
-        <p:txBody>
-          <a:bodyPr lIns="0" rIns="0" tIns="0" bIns="0"/>
-          <a:p>
-            <a:endParaRPr/>
-          </a:p>
-        </p:txBody>
-      </p:sp>
-    </p:spTree>
-  </p:cSld>
-</p:sldLayout>
-</file>
-
-<file path=ppt/slideLayouts/slideLayout44.xml><?xml version="1.0" encoding="utf-8"?>
-<p:sldLayout xmlns:a="http://schemas.openxmlformats.org/drawingml/2006/main" xmlns:p="http://schemas.openxmlformats.org/presentationml/2006/main" xmlns:r="http://schemas.openxmlformats.org/officeDocument/2006/relationships" type="objAndTwoObj" preserve="1">
-  <p:cSld name="Title Content and 2 Content">
-    <p:spTree>
-      <p:nvGrpSpPr>
-        <p:cNvPr id="1" name=""/>
-        <p:cNvGrpSpPr/>
-        <p:nvPr/>
-      </p:nvGrpSpPr>
-      <p:grpSpPr>
-        <a:xfrm>
-          <a:off x="0" y="0"/>
-          <a:ext cx="0" cy="0"/>
-          <a:chOff x="0" y="0"/>
-          <a:chExt cx="0" cy="0"/>
-        </a:xfrm>
-      </p:grpSpPr>
-      <p:sp>
-        <p:nvSpPr>
-          <p:cNvPr id="143" name="PlaceHolder 1"/>
-          <p:cNvSpPr>
-            <a:spLocks noGrp="1"/>
-          </p:cNvSpPr>
-          <p:nvPr>
-            <p:ph type="title"/>
-          </p:nvPr>
-        </p:nvSpPr>
-        <p:spPr>
-          <a:xfrm>
-            <a:off x="457200" y="273600"/>
-            <a:ext cx="8229240" cy="1144800"/>
-          </a:xfrm>
-          <a:prstGeom prst="rect">
-            <a:avLst/>
-          </a:prstGeom>
-        </p:spPr>
-        <p:txBody>
-          <a:bodyPr lIns="0" rIns="0" tIns="0" bIns="0" anchor="ctr"/>
-          <a:p>
-            <a:pPr algn="ctr"/>
-            <a:endParaRPr/>
-          </a:p>
-        </p:txBody>
-      </p:sp>
-      <p:sp>
-        <p:nvSpPr>
-          <p:cNvPr id="144" name="PlaceHolder 2"/>
-          <p:cNvSpPr>
-            <a:spLocks noGrp="1"/>
-          </p:cNvSpPr>
-          <p:nvPr>
-            <p:ph type="body"/>
-          </p:nvPr>
-        </p:nvSpPr>
-        <p:spPr>
-          <a:xfrm>
-            <a:off x="457200" y="1604520"/>
-            <a:ext cx="4015800" cy="3977280"/>
-          </a:xfrm>
-          <a:prstGeom prst="rect">
-            <a:avLst/>
-          </a:prstGeom>
-        </p:spPr>
-        <p:txBody>
-          <a:bodyPr lIns="0" rIns="0" tIns="0" bIns="0"/>
-          <a:p>
-            <a:endParaRPr/>
-          </a:p>
-        </p:txBody>
-      </p:sp>
-      <p:sp>
-        <p:nvSpPr>
-          <p:cNvPr id="145" name="PlaceHolder 3"/>
-          <p:cNvSpPr>
-            <a:spLocks noGrp="1"/>
-          </p:cNvSpPr>
-          <p:nvPr>
-            <p:ph type="body"/>
-          </p:nvPr>
-        </p:nvSpPr>
-        <p:spPr>
-          <a:xfrm>
-            <a:off x="4674240" y="1604520"/>
-            <a:ext cx="4015800" cy="1896840"/>
-          </a:xfrm>
-          <a:prstGeom prst="rect">
-            <a:avLst/>
-          </a:prstGeom>
-        </p:spPr>
-        <p:txBody>
-          <a:bodyPr lIns="0" rIns="0" tIns="0" bIns="0"/>
-          <a:p>
-            <a:endParaRPr/>
-          </a:p>
-        </p:txBody>
-      </p:sp>
-      <p:sp>
-        <p:nvSpPr>
-          <p:cNvPr id="146" name="PlaceHolder 4"/>
-          <p:cNvSpPr>
-            <a:spLocks noGrp="1"/>
-          </p:cNvSpPr>
-          <p:nvPr>
-            <p:ph type="body"/>
-          </p:nvPr>
-        </p:nvSpPr>
-        <p:spPr>
-          <a:xfrm>
-            <a:off x="4674240" y="3682080"/>
-            <a:ext cx="4015800" cy="1896840"/>
-          </a:xfrm>
-          <a:prstGeom prst="rect">
-            <a:avLst/>
-          </a:prstGeom>
-        </p:spPr>
-        <p:txBody>
-          <a:bodyPr lIns="0" rIns="0" tIns="0" bIns="0"/>
-          <a:p>
-            <a:endParaRPr/>
-          </a:p>
-        </p:txBody>
-      </p:sp>
-    </p:spTree>
-  </p:cSld>
-</p:sldLayout>
-</file>
-
-<file path=ppt/slideLayouts/slideLayout45.xml><?xml version="1.0" encoding="utf-8"?>
-<p:sldLayout xmlns:a="http://schemas.openxmlformats.org/drawingml/2006/main" xmlns:p="http://schemas.openxmlformats.org/presentationml/2006/main" xmlns:r="http://schemas.openxmlformats.org/officeDocument/2006/relationships" type="twoObjOverTx" preserve="1">
-  <p:cSld name="Title, 2 Content over Content">
-    <p:spTree>
-      <p:nvGrpSpPr>
-        <p:cNvPr id="1" name=""/>
-        <p:cNvGrpSpPr/>
-        <p:nvPr/>
-      </p:nvGrpSpPr>
-      <p:grpSpPr>
-        <a:xfrm>
-          <a:off x="0" y="0"/>
-          <a:ext cx="0" cy="0"/>
-          <a:chOff x="0" y="0"/>
-          <a:chExt cx="0" cy="0"/>
-        </a:xfrm>
-      </p:grpSpPr>
-      <p:sp>
-        <p:nvSpPr>
-          <p:cNvPr id="147" name="PlaceHolder 1"/>
-          <p:cNvSpPr>
-            <a:spLocks noGrp="1"/>
-          </p:cNvSpPr>
-          <p:nvPr>
-            <p:ph type="title"/>
-          </p:nvPr>
-        </p:nvSpPr>
-        <p:spPr>
-          <a:xfrm>
-            <a:off x="457200" y="273600"/>
-            <a:ext cx="8229240" cy="1144800"/>
-          </a:xfrm>
-          <a:prstGeom prst="rect">
-            <a:avLst/>
-          </a:prstGeom>
-        </p:spPr>
-        <p:txBody>
-          <a:bodyPr lIns="0" rIns="0" tIns="0" bIns="0" anchor="ctr"/>
-          <a:p>
-            <a:pPr algn="ctr"/>
-            <a:endParaRPr/>
-          </a:p>
-        </p:txBody>
-      </p:sp>
-      <p:sp>
-        <p:nvSpPr>
-          <p:cNvPr id="148" name="PlaceHolder 2"/>
-          <p:cNvSpPr>
-            <a:spLocks noGrp="1"/>
-          </p:cNvSpPr>
-          <p:nvPr>
-            <p:ph type="body"/>
-          </p:nvPr>
-        </p:nvSpPr>
-        <p:spPr>
-          <a:xfrm>
-            <a:off x="457200" y="1604520"/>
-            <a:ext cx="4015800" cy="1896840"/>
-          </a:xfrm>
-          <a:prstGeom prst="rect">
-            <a:avLst/>
-          </a:prstGeom>
-        </p:spPr>
-        <p:txBody>
-          <a:bodyPr lIns="0" rIns="0" tIns="0" bIns="0"/>
-          <a:p>
-            <a:endParaRPr/>
-          </a:p>
-        </p:txBody>
-      </p:sp>
-      <p:sp>
-        <p:nvSpPr>
-          <p:cNvPr id="149" name="PlaceHolder 3"/>
-          <p:cNvSpPr>
-            <a:spLocks noGrp="1"/>
-          </p:cNvSpPr>
-          <p:nvPr>
-            <p:ph type="body"/>
-          </p:nvPr>
-        </p:nvSpPr>
-        <p:spPr>
-          <a:xfrm>
-            <a:off x="4674240" y="1604520"/>
-            <a:ext cx="4015800" cy="1896840"/>
-          </a:xfrm>
-          <a:prstGeom prst="rect">
-            <a:avLst/>
-          </a:prstGeom>
-        </p:spPr>
-        <p:txBody>
-          <a:bodyPr lIns="0" rIns="0" tIns="0" bIns="0"/>
-          <a:p>
-            <a:endParaRPr/>
-          </a:p>
-        </p:txBody>
-      </p:sp>
-      <p:sp>
-        <p:nvSpPr>
-          <p:cNvPr id="150" name="PlaceHolder 4"/>
-          <p:cNvSpPr>
-            <a:spLocks noGrp="1"/>
-          </p:cNvSpPr>
-          <p:nvPr>
-            <p:ph type="body"/>
-          </p:nvPr>
-        </p:nvSpPr>
-        <p:spPr>
-          <a:xfrm>
-            <a:off x="457200" y="3682080"/>
-            <a:ext cx="8229240" cy="1896840"/>
-          </a:xfrm>
-          <a:prstGeom prst="rect">
-            <a:avLst/>
-          </a:prstGeom>
-        </p:spPr>
-        <p:txBody>
-          <a:bodyPr lIns="0" rIns="0" tIns="0" bIns="0"/>
-          <a:p>
-            <a:endParaRPr/>
-          </a:p>
-        </p:txBody>
-      </p:sp>
-    </p:spTree>
-  </p:cSld>
-</p:sldLayout>
-</file>
-
-<file path=ppt/slideLayouts/slideLayout46.xml><?xml version="1.0" encoding="utf-8"?>
-<p:sldLayout xmlns:a="http://schemas.openxmlformats.org/drawingml/2006/main" xmlns:p="http://schemas.openxmlformats.org/presentationml/2006/main" xmlns:r="http://schemas.openxmlformats.org/officeDocument/2006/relationships" type="objOverTx" preserve="1">
-  <p:cSld name="Title, Content over Content">
-    <p:spTree>
-      <p:nvGrpSpPr>
-        <p:cNvPr id="1" name=""/>
-        <p:cNvGrpSpPr/>
-        <p:nvPr/>
-      </p:nvGrpSpPr>
-      <p:grpSpPr>
-        <a:xfrm>
-          <a:off x="0" y="0"/>
-          <a:ext cx="0" cy="0"/>
-          <a:chOff x="0" y="0"/>
-          <a:chExt cx="0" cy="0"/>
-        </a:xfrm>
-      </p:grpSpPr>
-      <p:sp>
-        <p:nvSpPr>
-          <p:cNvPr id="151" name="PlaceHolder 1"/>
-          <p:cNvSpPr>
-            <a:spLocks noGrp="1"/>
-          </p:cNvSpPr>
-          <p:nvPr>
-            <p:ph type="title"/>
-          </p:nvPr>
-        </p:nvSpPr>
-        <p:spPr>
-          <a:xfrm>
-            <a:off x="457200" y="273600"/>
-            <a:ext cx="8229240" cy="1144800"/>
-          </a:xfrm>
-          <a:prstGeom prst="rect">
-            <a:avLst/>
-          </a:prstGeom>
-        </p:spPr>
-        <p:txBody>
-          <a:bodyPr lIns="0" rIns="0" tIns="0" bIns="0" anchor="ctr"/>
-          <a:p>
-            <a:pPr algn="ctr"/>
-            <a:endParaRPr/>
-          </a:p>
-        </p:txBody>
-      </p:sp>
-      <p:sp>
-        <p:nvSpPr>
-          <p:cNvPr id="152" name="PlaceHolder 2"/>
-          <p:cNvSpPr>
-            <a:spLocks noGrp="1"/>
-          </p:cNvSpPr>
-          <p:nvPr>
-            <p:ph type="body"/>
-          </p:nvPr>
-        </p:nvSpPr>
-        <p:spPr>
-          <a:xfrm>
-            <a:off x="457200" y="1604520"/>
-            <a:ext cx="8229240" cy="1896840"/>
-          </a:xfrm>
-          <a:prstGeom prst="rect">
-            <a:avLst/>
-          </a:prstGeom>
-        </p:spPr>
-        <p:txBody>
-          <a:bodyPr lIns="0" rIns="0" tIns="0" bIns="0"/>
-          <a:p>
-            <a:endParaRPr/>
-          </a:p>
-        </p:txBody>
-      </p:sp>
-      <p:sp>
-        <p:nvSpPr>
-          <p:cNvPr id="153" name="PlaceHolder 3"/>
-          <p:cNvSpPr>
-            <a:spLocks noGrp="1"/>
-          </p:cNvSpPr>
-          <p:nvPr>
-            <p:ph type="body"/>
-          </p:nvPr>
-        </p:nvSpPr>
-        <p:spPr>
-          <a:xfrm>
-            <a:off x="457200" y="3682080"/>
-            <a:ext cx="8229240" cy="1896840"/>
-          </a:xfrm>
-          <a:prstGeom prst="rect">
-            <a:avLst/>
-          </a:prstGeom>
-        </p:spPr>
-        <p:txBody>
-          <a:bodyPr lIns="0" rIns="0" tIns="0" bIns="0"/>
-          <a:p>
-            <a:endParaRPr/>
-          </a:p>
-        </p:txBody>
-      </p:sp>
-    </p:spTree>
-  </p:cSld>
-</p:sldLayout>
-</file>
-
-<file path=ppt/slideLayouts/slideLayout47.xml><?xml version="1.0" encoding="utf-8"?>
-<p:sldLayout xmlns:a="http://schemas.openxmlformats.org/drawingml/2006/main" xmlns:p="http://schemas.openxmlformats.org/presentationml/2006/main" xmlns:r="http://schemas.openxmlformats.org/officeDocument/2006/relationships" type="fourObj" preserve="1">
-  <p:cSld name="Title, 4 Content">
-    <p:spTree>
-      <p:nvGrpSpPr>
-        <p:cNvPr id="1" name=""/>
-        <p:cNvGrpSpPr/>
-        <p:nvPr/>
-      </p:nvGrpSpPr>
-      <p:grpSpPr>
-        <a:xfrm>
-          <a:off x="0" y="0"/>
-          <a:ext cx="0" cy="0"/>
-          <a:chOff x="0" y="0"/>
-          <a:chExt cx="0" cy="0"/>
-        </a:xfrm>
-      </p:grpSpPr>
-      <p:sp>
-        <p:nvSpPr>
-          <p:cNvPr id="154" name="PlaceHolder 1"/>
-          <p:cNvSpPr>
-            <a:spLocks noGrp="1"/>
-          </p:cNvSpPr>
-          <p:nvPr>
-            <p:ph type="title"/>
-          </p:nvPr>
-        </p:nvSpPr>
-        <p:spPr>
-          <a:xfrm>
-            <a:off x="457200" y="273600"/>
-            <a:ext cx="8229240" cy="1144800"/>
-          </a:xfrm>
-          <a:prstGeom prst="rect">
-            <a:avLst/>
-          </a:prstGeom>
-        </p:spPr>
-        <p:txBody>
-          <a:bodyPr lIns="0" rIns="0" tIns="0" bIns="0" anchor="ctr"/>
-          <a:p>
-            <a:pPr algn="ctr"/>
-            <a:endParaRPr/>
-          </a:p>
-        </p:txBody>
-      </p:sp>
-      <p:sp>
-        <p:nvSpPr>
-          <p:cNvPr id="155" name="PlaceHolder 2"/>
-          <p:cNvSpPr>
-            <a:spLocks noGrp="1"/>
-          </p:cNvSpPr>
-          <p:nvPr>
-            <p:ph type="body"/>
-          </p:nvPr>
-        </p:nvSpPr>
-        <p:spPr>
-          <a:xfrm>
-            <a:off x="457200" y="1604520"/>
-            <a:ext cx="4015800" cy="1896840"/>
-          </a:xfrm>
-          <a:prstGeom prst="rect">
-            <a:avLst/>
-          </a:prstGeom>
-        </p:spPr>
-        <p:txBody>
-          <a:bodyPr lIns="0" rIns="0" tIns="0" bIns="0"/>
-          <a:p>
-            <a:endParaRPr/>
-          </a:p>
-        </p:txBody>
-      </p:sp>
-      <p:sp>
-        <p:nvSpPr>
-          <p:cNvPr id="156" name="PlaceHolder 3"/>
-          <p:cNvSpPr>
-            <a:spLocks noGrp="1"/>
-          </p:cNvSpPr>
-          <p:nvPr>
-            <p:ph type="body"/>
-          </p:nvPr>
-        </p:nvSpPr>
-        <p:spPr>
-          <a:xfrm>
-            <a:off x="4674240" y="1604520"/>
-            <a:ext cx="4015800" cy="1896840"/>
-          </a:xfrm>
-          <a:prstGeom prst="rect">
-            <a:avLst/>
-          </a:prstGeom>
-        </p:spPr>
-        <p:txBody>
-          <a:bodyPr lIns="0" rIns="0" tIns="0" bIns="0"/>
-          <a:p>
-            <a:endParaRPr/>
-          </a:p>
-        </p:txBody>
-      </p:sp>
-      <p:sp>
-        <p:nvSpPr>
-          <p:cNvPr id="157" name="PlaceHolder 4"/>
-          <p:cNvSpPr>
-            <a:spLocks noGrp="1"/>
-          </p:cNvSpPr>
-          <p:nvPr>
-            <p:ph type="body"/>
-          </p:nvPr>
-        </p:nvSpPr>
-        <p:spPr>
-          <a:xfrm>
-            <a:off x="4674240" y="3682080"/>
-            <a:ext cx="4015800" cy="1896840"/>
-          </a:xfrm>
-          <a:prstGeom prst="rect">
-            <a:avLst/>
-          </a:prstGeom>
-        </p:spPr>
-        <p:txBody>
-          <a:bodyPr lIns="0" rIns="0" tIns="0" bIns="0"/>
-          <a:p>
-            <a:endParaRPr/>
-          </a:p>
-        </p:txBody>
-      </p:sp>
-      <p:sp>
-        <p:nvSpPr>
-          <p:cNvPr id="158" name="PlaceHolder 5"/>
-          <p:cNvSpPr>
-            <a:spLocks noGrp="1"/>
-          </p:cNvSpPr>
-          <p:nvPr>
-            <p:ph type="body"/>
-          </p:nvPr>
-        </p:nvSpPr>
-        <p:spPr>
-          <a:xfrm>
-            <a:off x="457200" y="3682080"/>
-            <a:ext cx="4015800" cy="1896840"/>
-          </a:xfrm>
-          <a:prstGeom prst="rect">
-            <a:avLst/>
-          </a:prstGeom>
-        </p:spPr>
-        <p:txBody>
-          <a:bodyPr lIns="0" rIns="0" tIns="0" bIns="0"/>
-          <a:p>
-            <a:endParaRPr/>
-          </a:p>
-        </p:txBody>
-      </p:sp>
-    </p:spTree>
-  </p:cSld>
-</p:sldLayout>
-</file>
-
-<file path=ppt/slideLayouts/slideLayout48.xml><?xml version="1.0" encoding="utf-8"?>
-<p:sldLayout xmlns:a="http://schemas.openxmlformats.org/drawingml/2006/main" xmlns:p="http://schemas.openxmlformats.org/presentationml/2006/main" xmlns:r="http://schemas.openxmlformats.org/officeDocument/2006/relationships" type="blank" preserve="1">
-  <p:cSld name="Title, 6 Content">
-    <p:spTree>
-      <p:nvGrpSpPr>
-        <p:cNvPr id="1" name=""/>
-        <p:cNvGrpSpPr/>
-        <p:nvPr/>
-      </p:nvGrpSpPr>
-      <p:grpSpPr>
-        <a:xfrm>
-          <a:off x="0" y="0"/>
-          <a:ext cx="0" cy="0"/>
-          <a:chOff x="0" y="0"/>
-          <a:chExt cx="0" cy="0"/>
-        </a:xfrm>
-      </p:grpSpPr>
-      <p:sp>
-        <p:nvSpPr>
-          <p:cNvPr id="159" name="PlaceHolder 1"/>
-          <p:cNvSpPr>
-            <a:spLocks noGrp="1"/>
-          </p:cNvSpPr>
-          <p:nvPr>
-            <p:ph type="title"/>
-          </p:nvPr>
-        </p:nvSpPr>
-        <p:spPr>
-          <a:xfrm>
-            <a:off x="457200" y="273600"/>
-            <a:ext cx="8229240" cy="1144800"/>
-          </a:xfrm>
-          <a:prstGeom prst="rect">
-            <a:avLst/>
-          </a:prstGeom>
-        </p:spPr>
-        <p:txBody>
-          <a:bodyPr lIns="0" rIns="0" tIns="0" bIns="0" anchor="ctr"/>
-          <a:p>
-            <a:pPr algn="ctr"/>
-            <a:endParaRPr/>
-          </a:p>
-        </p:txBody>
-      </p:sp>
-      <p:sp>
-        <p:nvSpPr>
-          <p:cNvPr id="160" name="PlaceHolder 2"/>
-          <p:cNvSpPr>
-            <a:spLocks noGrp="1"/>
-          </p:cNvSpPr>
-          <p:nvPr>
-            <p:ph type="body"/>
-          </p:nvPr>
-        </p:nvSpPr>
-        <p:spPr>
-          <a:xfrm>
-            <a:off x="457200" y="1604520"/>
-            <a:ext cx="8229240" cy="3977280"/>
-          </a:xfrm>
-          <a:prstGeom prst="rect">
-            <a:avLst/>
-          </a:prstGeom>
-        </p:spPr>
-        <p:txBody>
-          <a:bodyPr lIns="0" rIns="0" tIns="0" bIns="0"/>
-          <a:p>
-            <a:endParaRPr/>
-          </a:p>
-        </p:txBody>
-      </p:sp>
-      <p:sp>
-        <p:nvSpPr>
-          <p:cNvPr id="161" name="PlaceHolder 3"/>
-          <p:cNvSpPr>
-            <a:spLocks noGrp="1"/>
-          </p:cNvSpPr>
-          <p:nvPr>
-            <p:ph type="body"/>
-          </p:nvPr>
-        </p:nvSpPr>
-        <p:spPr>
-          <a:xfrm>
-            <a:off x="457200" y="1604520"/>
-            <a:ext cx="8229240" cy="3977280"/>
-          </a:xfrm>
-          <a:prstGeom prst="rect">
-            <a:avLst/>
-          </a:prstGeom>
-        </p:spPr>
-        <p:txBody>
-          <a:bodyPr lIns="0" rIns="0" tIns="0" bIns="0"/>
-          <a:p>
-            <a:endParaRPr/>
-          </a:p>
-        </p:txBody>
-      </p:sp>
-      <p:pic>
-        <p:nvPicPr>
-          <p:cNvPr id="162" name="" descr=""/>
-          <p:cNvPicPr/>
-          <p:nvPr/>
-        </p:nvPicPr>
-        <p:blipFill>
-          <a:blip r:embed="rId2"/>
-          <a:stretch/>
-        </p:blipFill>
-        <p:spPr>
-          <a:xfrm>
-            <a:off x="2079000" y="1604520"/>
-            <a:ext cx="4984920" cy="3977280"/>
-          </a:xfrm>
-          <a:prstGeom prst="rect">
-            <a:avLst/>
-          </a:prstGeom>
-          <a:ln>
-            <a:noFill/>
-          </a:ln>
-        </p:spPr>
-      </p:pic>
-      <p:pic>
-        <p:nvPicPr>
-          <p:cNvPr id="163" name="" descr=""/>
-          <p:cNvPicPr/>
-          <p:nvPr/>
-        </p:nvPicPr>
-        <p:blipFill>
-          <a:blip r:embed="rId3"/>
-          <a:stretch/>
-        </p:blipFill>
-        <p:spPr>
-          <a:xfrm>
-            <a:off x="2079000" y="1604520"/>
-            <a:ext cx="4984920" cy="3977280"/>
-          </a:xfrm>
-          <a:prstGeom prst="rect">
-            <a:avLst/>
-          </a:prstGeom>
-          <a:ln>
-            <a:noFill/>
-          </a:ln>
-        </p:spPr>
-      </p:pic>
     </p:spTree>
   </p:cSld>
 </p:sldLayout>
@@ -4685,7 +2376,7 @@
         <p:spPr>
           <a:xfrm>
             <a:off x="251640" y="6453360"/>
-            <a:ext cx="961920" cy="297720"/>
+            <a:ext cx="961560" cy="297360"/>
           </a:xfrm>
           <a:prstGeom prst="rect">
             <a:avLst/>
@@ -4741,7 +2432,7 @@
         <p:spPr>
           <a:xfrm>
             <a:off x="8669160" y="6441840"/>
-            <a:ext cx="324360" cy="324360"/>
+            <a:ext cx="324000" cy="324000"/>
           </a:xfrm>
           <a:prstGeom prst="ellipse">
             <a:avLst/>
@@ -4791,7 +2482,7 @@
         <p:spPr>
           <a:xfrm>
             <a:off x="8726040" y="6495120"/>
-            <a:ext cx="230760" cy="230760"/>
+            <a:ext cx="230400" cy="230400"/>
           </a:xfrm>
           <a:prstGeom prst="rect">
             <a:avLst/>
@@ -4810,7 +2501,7 @@
         <p:spPr>
           <a:xfrm>
             <a:off x="6492240" y="6466320"/>
-            <a:ext cx="2183040" cy="302760"/>
+            <a:ext cx="2182680" cy="302400"/>
           </a:xfrm>
           <a:prstGeom prst="rect">
             <a:avLst/>
@@ -5088,7 +2779,7 @@
         <p:spPr>
           <a:xfrm>
             <a:off x="251640" y="6453360"/>
-            <a:ext cx="961920" cy="297720"/>
+            <a:ext cx="961560" cy="297360"/>
           </a:xfrm>
           <a:prstGeom prst="rect">
             <a:avLst/>
@@ -5144,7 +2835,7 @@
         <p:spPr>
           <a:xfrm>
             <a:off x="8669160" y="6441840"/>
-            <a:ext cx="324360" cy="324360"/>
+            <a:ext cx="324000" cy="324000"/>
           </a:xfrm>
           <a:prstGeom prst="ellipse">
             <a:avLst/>
@@ -5194,7 +2885,7 @@
         <p:spPr>
           <a:xfrm>
             <a:off x="8726040" y="6495120"/>
-            <a:ext cx="230760" cy="230760"/>
+            <a:ext cx="230400" cy="230400"/>
           </a:xfrm>
           <a:prstGeom prst="rect">
             <a:avLst/>
@@ -5212,8 +2903,8 @@
         </p:nvSpPr>
         <p:spPr>
           <a:xfrm>
-            <a:off x="5852160" y="6466320"/>
-            <a:ext cx="2823120" cy="302760"/>
+            <a:off x="6309360" y="6466320"/>
+            <a:ext cx="2365560" cy="302400"/>
           </a:xfrm>
           <a:prstGeom prst="rect">
             <a:avLst/>
@@ -5269,7 +2960,7 @@
         <p:spPr>
           <a:xfrm>
             <a:off x="457200" y="273600"/>
-            <a:ext cx="8228880" cy="1144440"/>
+            <a:ext cx="8229240" cy="1144800"/>
           </a:xfrm>
           <a:prstGeom prst="rect">
             <a:avLst/>
@@ -5279,6 +2970,12 @@
           <a:bodyPr lIns="0" rIns="0" tIns="0" bIns="0" anchor="ctr"/>
           <a:p>
             <a:pPr algn="ctr"/>
+            <a:r>
+              <a:rPr lang="en-US" sz="4400" spc="-1">
+                <a:latin typeface="Arial"/>
+              </a:rPr>
+              <a:t>Click to edit the title text format</a:t>
+            </a:r>
             <a:endParaRPr/>
           </a:p>
         </p:txBody>
@@ -5441,812 +3138,6 @@
     <p:sldLayoutId id="2147483671" r:id="rId14"/>
     <p:sldLayoutId id="2147483672" r:id="rId15"/>
     <p:sldLayoutId id="2147483673" r:id="rId16"/>
-  </p:sldLayoutIdLst>
-</p:sldMaster>
-</file>
-
-<file path=ppt/slideMasters/slideMaster3.xml><?xml version="1.0" encoding="utf-8"?>
-<p:sldMaster xmlns:a="http://schemas.openxmlformats.org/drawingml/2006/main" xmlns:p="http://schemas.openxmlformats.org/presentationml/2006/main" xmlns:r="http://schemas.openxmlformats.org/officeDocument/2006/relationships">
-  <p:cSld>
-    <p:bg>
-      <p:bgPr>
-        <a:blipFill>
-          <a:blip r:embed="rId2"/>
-          <a:stretch>
-            <a:fillRect/>
-          </a:stretch>
-        </a:blipFill>
-      </p:bgPr>
-    </p:bg>
-    <p:spTree>
-      <p:nvGrpSpPr>
-        <p:cNvPr id="1" name=""/>
-        <p:cNvGrpSpPr/>
-        <p:nvPr/>
-      </p:nvGrpSpPr>
-      <p:grpSpPr>
-        <a:xfrm>
-          <a:off x="0" y="0"/>
-          <a:ext cx="0" cy="0"/>
-          <a:chOff x="0" y="0"/>
-          <a:chExt cx="0" cy="0"/>
-        </a:xfrm>
-      </p:grpSpPr>
-      <p:pic>
-        <p:nvPicPr>
-          <p:cNvPr id="82" name="Picture 6" descr=""/>
-          <p:cNvPicPr/>
-          <p:nvPr/>
-        </p:nvPicPr>
-        <p:blipFill>
-          <a:blip r:embed="rId3"/>
-          <a:stretch/>
-        </p:blipFill>
-        <p:spPr>
-          <a:xfrm>
-            <a:off x="251640" y="6453360"/>
-            <a:ext cx="961920" cy="297720"/>
-          </a:xfrm>
-          <a:prstGeom prst="rect">
-            <a:avLst/>
-          </a:prstGeom>
-          <a:ln>
-            <a:noFill/>
-          </a:ln>
-        </p:spPr>
-      </p:pic>
-      <p:sp>
-        <p:nvSpPr>
-          <p:cNvPr id="83" name="Line 1"/>
-          <p:cNvSpPr/>
-          <p:nvPr/>
-        </p:nvSpPr>
-        <p:spPr>
-          <a:xfrm>
-            <a:off x="179280" y="6381000"/>
-            <a:ext cx="8785080" cy="0"/>
-          </a:xfrm>
-          <a:prstGeom prst="line">
-            <a:avLst/>
-          </a:prstGeom>
-          <a:ln>
-            <a:solidFill>
-              <a:schemeClr val="tx1">
-                <a:lumMod val="50000"/>
-                <a:lumOff val="50000"/>
-              </a:schemeClr>
-            </a:solidFill>
-            <a:round/>
-          </a:ln>
-        </p:spPr>
-        <p:style>
-          <a:lnRef idx="1">
-            <a:schemeClr val="accent1"/>
-          </a:lnRef>
-          <a:fillRef idx="0">
-            <a:schemeClr val="accent1"/>
-          </a:fillRef>
-          <a:effectRef idx="0">
-            <a:schemeClr val="accent1"/>
-          </a:effectRef>
-          <a:fontRef idx="minor"/>
-        </p:style>
-      </p:sp>
-      <p:sp>
-        <p:nvSpPr>
-          <p:cNvPr id="84" name="CustomShape 2"/>
-          <p:cNvSpPr/>
-          <p:nvPr/>
-        </p:nvSpPr>
-        <p:spPr>
-          <a:xfrm>
-            <a:off x="8669160" y="6441840"/>
-            <a:ext cx="324360" cy="324360"/>
-          </a:xfrm>
-          <a:prstGeom prst="ellipse">
-            <a:avLst/>
-          </a:prstGeom>
-          <a:solidFill>
-            <a:srgbClr val="00aedb"/>
-          </a:solidFill>
-          <a:ln>
-            <a:solidFill>
-              <a:schemeClr val="bg1"/>
-            </a:solidFill>
-            <a:round/>
-          </a:ln>
-          <a:effectLst>
-            <a:outerShdw algn="tl" blurRad="50800" dir="2700000" dist="38100" rotWithShape="0">
-              <a:srgbClr val="000000">
-                <a:alpha val="40000"/>
-              </a:srgbClr>
-            </a:outerShdw>
-          </a:effectLst>
-        </p:spPr>
-        <p:style>
-          <a:lnRef idx="2">
-            <a:schemeClr val="accent1">
-              <a:shade val="50000"/>
-            </a:schemeClr>
-          </a:lnRef>
-          <a:fillRef idx="1">
-            <a:schemeClr val="accent1"/>
-          </a:fillRef>
-          <a:effectRef idx="0">
-            <a:schemeClr val="accent1"/>
-          </a:effectRef>
-          <a:fontRef idx="minor"/>
-        </p:style>
-      </p:sp>
-      <p:pic>
-        <p:nvPicPr>
-          <p:cNvPr id="85" name="Picture 12" descr=""/>
-          <p:cNvPicPr/>
-          <p:nvPr/>
-        </p:nvPicPr>
-        <p:blipFill>
-          <a:blip r:embed="rId4"/>
-          <a:stretch/>
-        </p:blipFill>
-        <p:spPr>
-          <a:xfrm>
-            <a:off x="8726040" y="6495120"/>
-            <a:ext cx="230760" cy="230760"/>
-          </a:xfrm>
-          <a:prstGeom prst="rect">
-            <a:avLst/>
-          </a:prstGeom>
-          <a:ln>
-            <a:noFill/>
-          </a:ln>
-        </p:spPr>
-      </p:pic>
-      <p:sp>
-        <p:nvSpPr>
-          <p:cNvPr id="86" name="CustomShape 3"/>
-          <p:cNvSpPr/>
-          <p:nvPr/>
-        </p:nvSpPr>
-        <p:spPr>
-          <a:xfrm>
-            <a:off x="6035040" y="6466320"/>
-            <a:ext cx="2640240" cy="302760"/>
-          </a:xfrm>
-          <a:prstGeom prst="rect">
-            <a:avLst/>
-          </a:prstGeom>
-          <a:noFill/>
-          <a:ln>
-            <a:noFill/>
-          </a:ln>
-        </p:spPr>
-        <p:style>
-          <a:lnRef idx="0"/>
-          <a:fillRef idx="0"/>
-          <a:effectRef idx="0"/>
-          <a:fontRef idx="minor"/>
-        </p:style>
-        <p:txBody>
-          <a:bodyPr lIns="90000" rIns="90000" tIns="45000" bIns="45000"/>
-          <a:p>
-            <a:pPr algn="r">
-              <a:lnSpc>
-                <a:spcPct val="100000"/>
-              </a:lnSpc>
-            </a:pPr>
-            <a:r>
-              <a:rPr b="1" lang="en-US" sz="1400" spc="-1" strike="noStrike">
-                <a:solidFill>
-                  <a:srgbClr val="595959"/>
-                </a:solidFill>
-                <a:uFill>
-                  <a:solidFill>
-                    <a:srgbClr val="ffffff"/>
-                  </a:solidFill>
-                </a:uFill>
-                <a:latin typeface="Lato Light"/>
-                <a:ea typeface="DejaVu Sans"/>
-              </a:rPr>
-              <a:t>omniresources.com</a:t>
-            </a:r>
-            <a:endParaRPr/>
-          </a:p>
-        </p:txBody>
-      </p:sp>
-      <p:sp>
-        <p:nvSpPr>
-          <p:cNvPr id="87" name="PlaceHolder 4"/>
-          <p:cNvSpPr>
-            <a:spLocks noGrp="1"/>
-          </p:cNvSpPr>
-          <p:nvPr>
-            <p:ph type="title"/>
-          </p:nvPr>
-        </p:nvSpPr>
-        <p:spPr>
-          <a:xfrm>
-            <a:off x="457200" y="273600"/>
-            <a:ext cx="8229240" cy="1144800"/>
-          </a:xfrm>
-          <a:prstGeom prst="rect">
-            <a:avLst/>
-          </a:prstGeom>
-        </p:spPr>
-        <p:txBody>
-          <a:bodyPr lIns="0" rIns="0" tIns="0" bIns="0" anchor="ctr"/>
-          <a:p>
-            <a:pPr algn="ctr"/>
-            <a:r>
-              <a:rPr lang="en-US" sz="4400" spc="-1">
-                <a:latin typeface="Arial"/>
-              </a:rPr>
-              <a:t>Click to edit the title text format</a:t>
-            </a:r>
-            <a:endParaRPr/>
-          </a:p>
-        </p:txBody>
-      </p:sp>
-      <p:sp>
-        <p:nvSpPr>
-          <p:cNvPr id="88" name="PlaceHolder 5"/>
-          <p:cNvSpPr>
-            <a:spLocks noGrp="1"/>
-          </p:cNvSpPr>
-          <p:nvPr>
-            <p:ph type="body"/>
-          </p:nvPr>
-        </p:nvSpPr>
-        <p:spPr>
-          <a:xfrm>
-            <a:off x="457200" y="1604520"/>
-            <a:ext cx="8229240" cy="3977280"/>
-          </a:xfrm>
-          <a:prstGeom prst="rect">
-            <a:avLst/>
-          </a:prstGeom>
-        </p:spPr>
-        <p:txBody>
-          <a:bodyPr lIns="0" rIns="0" tIns="0" bIns="0"/>
-          <a:p>
-            <a:pPr marL="432000" indent="-324000">
-              <a:buClr>
-                <a:srgbClr val="ffffff"/>
-              </a:buClr>
-              <a:buSzPct val="45000"/>
-              <a:buFont typeface="Wingdings" charset="2"/>
-              <a:buChar char=""/>
-            </a:pPr>
-            <a:r>
-              <a:rPr lang="en-US" sz="3200" spc="-1">
-                <a:latin typeface="Arial"/>
-              </a:rPr>
-              <a:t>Click to edit the outline text format</a:t>
-            </a:r>
-            <a:endParaRPr/>
-          </a:p>
-          <a:p>
-            <a:pPr lvl="1" marL="864000" indent="-324000">
-              <a:buClr>
-                <a:srgbClr val="ffffff"/>
-              </a:buClr>
-              <a:buSzPct val="75000"/>
-              <a:buFont typeface="Symbol" charset="2"/>
-              <a:buChar char=""/>
-            </a:pPr>
-            <a:r>
-              <a:rPr lang="en-US" sz="2800" spc="-1">
-                <a:latin typeface="Arial"/>
-              </a:rPr>
-              <a:t>Second Outline Level</a:t>
-            </a:r>
-            <a:endParaRPr/>
-          </a:p>
-          <a:p>
-            <a:pPr lvl="2" marL="1296000" indent="-288000">
-              <a:buClr>
-                <a:srgbClr val="ffffff"/>
-              </a:buClr>
-              <a:buSzPct val="45000"/>
-              <a:buFont typeface="Wingdings" charset="2"/>
-              <a:buChar char=""/>
-            </a:pPr>
-            <a:r>
-              <a:rPr lang="en-US" sz="2400" spc="-1">
-                <a:latin typeface="Arial"/>
-              </a:rPr>
-              <a:t>Third Outline Level</a:t>
-            </a:r>
-            <a:endParaRPr/>
-          </a:p>
-          <a:p>
-            <a:pPr lvl="3" marL="1728000" indent="-216000">
-              <a:buClr>
-                <a:srgbClr val="ffffff"/>
-              </a:buClr>
-              <a:buSzPct val="75000"/>
-              <a:buFont typeface="Symbol" charset="2"/>
-              <a:buChar char=""/>
-            </a:pPr>
-            <a:r>
-              <a:rPr lang="en-US" sz="2000" spc="-1">
-                <a:latin typeface="Arial"/>
-              </a:rPr>
-              <a:t>Fourth Outline Level</a:t>
-            </a:r>
-            <a:endParaRPr/>
-          </a:p>
-          <a:p>
-            <a:pPr lvl="4" marL="2160000" indent="-216000">
-              <a:buClr>
-                <a:srgbClr val="ffffff"/>
-              </a:buClr>
-              <a:buSzPct val="45000"/>
-              <a:buFont typeface="Wingdings" charset="2"/>
-              <a:buChar char=""/>
-            </a:pPr>
-            <a:r>
-              <a:rPr lang="en-US" sz="2000" spc="-1">
-                <a:latin typeface="Arial"/>
-              </a:rPr>
-              <a:t>Fifth Outline Level</a:t>
-            </a:r>
-            <a:endParaRPr/>
-          </a:p>
-          <a:p>
-            <a:pPr lvl="5" marL="2592000" indent="-216000">
-              <a:buClr>
-                <a:srgbClr val="ffffff"/>
-              </a:buClr>
-              <a:buSzPct val="45000"/>
-              <a:buFont typeface="Wingdings" charset="2"/>
-              <a:buChar char=""/>
-            </a:pPr>
-            <a:r>
-              <a:rPr lang="en-US" sz="2000" spc="-1">
-                <a:latin typeface="Arial"/>
-              </a:rPr>
-              <a:t>Sixth Outline Level</a:t>
-            </a:r>
-            <a:endParaRPr/>
-          </a:p>
-          <a:p>
-            <a:pPr lvl="6" marL="3024000" indent="-216000">
-              <a:buClr>
-                <a:srgbClr val="ffffff"/>
-              </a:buClr>
-              <a:buSzPct val="45000"/>
-              <a:buFont typeface="Wingdings" charset="2"/>
-              <a:buChar char=""/>
-            </a:pPr>
-            <a:r>
-              <a:rPr lang="en-US" sz="2000" spc="-1">
-                <a:latin typeface="Arial"/>
-              </a:rPr>
-              <a:t>Seventh Outline Level</a:t>
-            </a:r>
-            <a:endParaRPr/>
-          </a:p>
-        </p:txBody>
-      </p:sp>
-    </p:spTree>
-  </p:cSld>
-  <p:clrMap bg1="lt1" bg2="lt2" tx1="dk1" tx2="dk2" accent1="accent1" accent2="accent2" accent3="accent3" accent4="accent4" accent5="accent5" accent6="accent6" hlink="hlink" folHlink="folHlink"/>
-  <p:sldLayoutIdLst>
-    <p:sldLayoutId id="2147483675" r:id="rId5"/>
-    <p:sldLayoutId id="2147483676" r:id="rId6"/>
-    <p:sldLayoutId id="2147483677" r:id="rId7"/>
-    <p:sldLayoutId id="2147483678" r:id="rId8"/>
-    <p:sldLayoutId id="2147483679" r:id="rId9"/>
-    <p:sldLayoutId id="2147483680" r:id="rId10"/>
-    <p:sldLayoutId id="2147483681" r:id="rId11"/>
-    <p:sldLayoutId id="2147483682" r:id="rId12"/>
-    <p:sldLayoutId id="2147483683" r:id="rId13"/>
-    <p:sldLayoutId id="2147483684" r:id="rId14"/>
-    <p:sldLayoutId id="2147483685" r:id="rId15"/>
-    <p:sldLayoutId id="2147483686" r:id="rId16"/>
-  </p:sldLayoutIdLst>
-</p:sldMaster>
-</file>
-
-<file path=ppt/slideMasters/slideMaster4.xml><?xml version="1.0" encoding="utf-8"?>
-<p:sldMaster xmlns:a="http://schemas.openxmlformats.org/drawingml/2006/main" xmlns:p="http://schemas.openxmlformats.org/presentationml/2006/main" xmlns:r="http://schemas.openxmlformats.org/officeDocument/2006/relationships">
-  <p:cSld>
-    <p:bg>
-      <p:bgPr>
-        <a:blipFill>
-          <a:blip r:embed="rId2"/>
-          <a:stretch>
-            <a:fillRect/>
-          </a:stretch>
-        </a:blipFill>
-      </p:bgPr>
-    </p:bg>
-    <p:spTree>
-      <p:nvGrpSpPr>
-        <p:cNvPr id="1" name=""/>
-        <p:cNvGrpSpPr/>
-        <p:nvPr/>
-      </p:nvGrpSpPr>
-      <p:grpSpPr>
-        <a:xfrm>
-          <a:off x="0" y="0"/>
-          <a:ext cx="0" cy="0"/>
-          <a:chOff x="0" y="0"/>
-          <a:chExt cx="0" cy="0"/>
-        </a:xfrm>
-      </p:grpSpPr>
-      <p:pic>
-        <p:nvPicPr>
-          <p:cNvPr id="123" name="Picture 6" descr=""/>
-          <p:cNvPicPr/>
-          <p:nvPr/>
-        </p:nvPicPr>
-        <p:blipFill>
-          <a:blip r:embed="rId3"/>
-          <a:stretch/>
-        </p:blipFill>
-        <p:spPr>
-          <a:xfrm>
-            <a:off x="251640" y="6453360"/>
-            <a:ext cx="961920" cy="297720"/>
-          </a:xfrm>
-          <a:prstGeom prst="rect">
-            <a:avLst/>
-          </a:prstGeom>
-          <a:ln>
-            <a:noFill/>
-          </a:ln>
-        </p:spPr>
-      </p:pic>
-      <p:sp>
-        <p:nvSpPr>
-          <p:cNvPr id="124" name="Line 1"/>
-          <p:cNvSpPr/>
-          <p:nvPr/>
-        </p:nvSpPr>
-        <p:spPr>
-          <a:xfrm>
-            <a:off x="179280" y="6381000"/>
-            <a:ext cx="8785080" cy="0"/>
-          </a:xfrm>
-          <a:prstGeom prst="line">
-            <a:avLst/>
-          </a:prstGeom>
-          <a:ln>
-            <a:solidFill>
-              <a:schemeClr val="tx1">
-                <a:lumMod val="50000"/>
-                <a:lumOff val="50000"/>
-              </a:schemeClr>
-            </a:solidFill>
-            <a:round/>
-          </a:ln>
-        </p:spPr>
-        <p:style>
-          <a:lnRef idx="1">
-            <a:schemeClr val="accent1"/>
-          </a:lnRef>
-          <a:fillRef idx="0">
-            <a:schemeClr val="accent1"/>
-          </a:fillRef>
-          <a:effectRef idx="0">
-            <a:schemeClr val="accent1"/>
-          </a:effectRef>
-          <a:fontRef idx="minor"/>
-        </p:style>
-      </p:sp>
-      <p:sp>
-        <p:nvSpPr>
-          <p:cNvPr id="125" name="CustomShape 2"/>
-          <p:cNvSpPr/>
-          <p:nvPr/>
-        </p:nvSpPr>
-        <p:spPr>
-          <a:xfrm>
-            <a:off x="8669160" y="6441840"/>
-            <a:ext cx="324360" cy="324360"/>
-          </a:xfrm>
-          <a:prstGeom prst="ellipse">
-            <a:avLst/>
-          </a:prstGeom>
-          <a:solidFill>
-            <a:srgbClr val="00aedb"/>
-          </a:solidFill>
-          <a:ln>
-            <a:solidFill>
-              <a:schemeClr val="bg1"/>
-            </a:solidFill>
-            <a:round/>
-          </a:ln>
-          <a:effectLst>
-            <a:outerShdw algn="tl" blurRad="50800" dir="2700000" dist="38100" rotWithShape="0">
-              <a:srgbClr val="000000">
-                <a:alpha val="40000"/>
-              </a:srgbClr>
-            </a:outerShdw>
-          </a:effectLst>
-        </p:spPr>
-        <p:style>
-          <a:lnRef idx="2">
-            <a:schemeClr val="accent1">
-              <a:shade val="50000"/>
-            </a:schemeClr>
-          </a:lnRef>
-          <a:fillRef idx="1">
-            <a:schemeClr val="accent1"/>
-          </a:fillRef>
-          <a:effectRef idx="0">
-            <a:schemeClr val="accent1"/>
-          </a:effectRef>
-          <a:fontRef idx="minor"/>
-        </p:style>
-      </p:sp>
-      <p:pic>
-        <p:nvPicPr>
-          <p:cNvPr id="126" name="Picture 12" descr=""/>
-          <p:cNvPicPr/>
-          <p:nvPr/>
-        </p:nvPicPr>
-        <p:blipFill>
-          <a:blip r:embed="rId4"/>
-          <a:stretch/>
-        </p:blipFill>
-        <p:spPr>
-          <a:xfrm>
-            <a:off x="8726040" y="6495120"/>
-            <a:ext cx="230760" cy="230760"/>
-          </a:xfrm>
-          <a:prstGeom prst="rect">
-            <a:avLst/>
-          </a:prstGeom>
-          <a:ln>
-            <a:noFill/>
-          </a:ln>
-        </p:spPr>
-      </p:pic>
-      <p:sp>
-        <p:nvSpPr>
-          <p:cNvPr id="127" name="CustomShape 3"/>
-          <p:cNvSpPr/>
-          <p:nvPr/>
-        </p:nvSpPr>
-        <p:spPr>
-          <a:xfrm>
-            <a:off x="6309360" y="6466320"/>
-            <a:ext cx="2365920" cy="302760"/>
-          </a:xfrm>
-          <a:prstGeom prst="rect">
-            <a:avLst/>
-          </a:prstGeom>
-          <a:noFill/>
-          <a:ln>
-            <a:noFill/>
-          </a:ln>
-        </p:spPr>
-        <p:style>
-          <a:lnRef idx="0"/>
-          <a:fillRef idx="0"/>
-          <a:effectRef idx="0"/>
-          <a:fontRef idx="minor"/>
-        </p:style>
-        <p:txBody>
-          <a:bodyPr lIns="90000" rIns="90000" tIns="45000" bIns="45000"/>
-          <a:p>
-            <a:pPr algn="r">
-              <a:lnSpc>
-                <a:spcPct val="100000"/>
-              </a:lnSpc>
-            </a:pPr>
-            <a:r>
-              <a:rPr b="1" lang="en-US" sz="1400" spc="-1" strike="noStrike">
-                <a:solidFill>
-                  <a:srgbClr val="595959"/>
-                </a:solidFill>
-                <a:uFill>
-                  <a:solidFill>
-                    <a:srgbClr val="ffffff"/>
-                  </a:solidFill>
-                </a:uFill>
-                <a:latin typeface="Lato Light"/>
-                <a:ea typeface="DejaVu Sans"/>
-              </a:rPr>
-              <a:t>omniresources.com</a:t>
-            </a:r>
-            <a:endParaRPr/>
-          </a:p>
-        </p:txBody>
-      </p:sp>
-      <p:sp>
-        <p:nvSpPr>
-          <p:cNvPr id="128" name="PlaceHolder 4"/>
-          <p:cNvSpPr>
-            <a:spLocks noGrp="1"/>
-          </p:cNvSpPr>
-          <p:nvPr>
-            <p:ph type="title"/>
-          </p:nvPr>
-        </p:nvSpPr>
-        <p:spPr>
-          <a:xfrm>
-            <a:off x="457200" y="273600"/>
-            <a:ext cx="8229240" cy="1144800"/>
-          </a:xfrm>
-          <a:prstGeom prst="rect">
-            <a:avLst/>
-          </a:prstGeom>
-        </p:spPr>
-        <p:txBody>
-          <a:bodyPr lIns="0" rIns="0" tIns="0" bIns="0" anchor="ctr"/>
-          <a:p>
-            <a:pPr algn="ctr"/>
-            <a:r>
-              <a:rPr lang="en-US" sz="4400" spc="-1">
-                <a:latin typeface="Arial"/>
-              </a:rPr>
-              <a:t>Click to edit the title text format</a:t>
-            </a:r>
-            <a:endParaRPr/>
-          </a:p>
-        </p:txBody>
-      </p:sp>
-      <p:sp>
-        <p:nvSpPr>
-          <p:cNvPr id="129" name="PlaceHolder 5"/>
-          <p:cNvSpPr>
-            <a:spLocks noGrp="1"/>
-          </p:cNvSpPr>
-          <p:nvPr>
-            <p:ph type="body"/>
-          </p:nvPr>
-        </p:nvSpPr>
-        <p:spPr>
-          <a:xfrm>
-            <a:off x="457200" y="1604520"/>
-            <a:ext cx="8229240" cy="3977280"/>
-          </a:xfrm>
-          <a:prstGeom prst="rect">
-            <a:avLst/>
-          </a:prstGeom>
-        </p:spPr>
-        <p:txBody>
-          <a:bodyPr lIns="0" rIns="0" tIns="0" bIns="0"/>
-          <a:p>
-            <a:pPr marL="432000" indent="-324000">
-              <a:buClr>
-                <a:srgbClr val="ffffff"/>
-              </a:buClr>
-              <a:buSzPct val="45000"/>
-              <a:buFont typeface="Wingdings" charset="2"/>
-              <a:buChar char=""/>
-            </a:pPr>
-            <a:r>
-              <a:rPr lang="en-US" sz="3200" spc="-1">
-                <a:latin typeface="Arial"/>
-              </a:rPr>
-              <a:t>Click to edit the outline text format</a:t>
-            </a:r>
-            <a:endParaRPr/>
-          </a:p>
-          <a:p>
-            <a:pPr lvl="1" marL="864000" indent="-324000">
-              <a:buClr>
-                <a:srgbClr val="ffffff"/>
-              </a:buClr>
-              <a:buSzPct val="75000"/>
-              <a:buFont typeface="Symbol" charset="2"/>
-              <a:buChar char=""/>
-            </a:pPr>
-            <a:r>
-              <a:rPr lang="en-US" sz="2800" spc="-1">
-                <a:latin typeface="Arial"/>
-              </a:rPr>
-              <a:t>Second Outline Level</a:t>
-            </a:r>
-            <a:endParaRPr/>
-          </a:p>
-          <a:p>
-            <a:pPr lvl="2" marL="1296000" indent="-288000">
-              <a:buClr>
-                <a:srgbClr val="ffffff"/>
-              </a:buClr>
-              <a:buSzPct val="45000"/>
-              <a:buFont typeface="Wingdings" charset="2"/>
-              <a:buChar char=""/>
-            </a:pPr>
-            <a:r>
-              <a:rPr lang="en-US" sz="2400" spc="-1">
-                <a:latin typeface="Arial"/>
-              </a:rPr>
-              <a:t>Third Outline Level</a:t>
-            </a:r>
-            <a:endParaRPr/>
-          </a:p>
-          <a:p>
-            <a:pPr lvl="3" marL="1728000" indent="-216000">
-              <a:buClr>
-                <a:srgbClr val="ffffff"/>
-              </a:buClr>
-              <a:buSzPct val="75000"/>
-              <a:buFont typeface="Symbol" charset="2"/>
-              <a:buChar char=""/>
-            </a:pPr>
-            <a:r>
-              <a:rPr lang="en-US" sz="2000" spc="-1">
-                <a:latin typeface="Arial"/>
-              </a:rPr>
-              <a:t>Fourth Outline Level</a:t>
-            </a:r>
-            <a:endParaRPr/>
-          </a:p>
-          <a:p>
-            <a:pPr lvl="4" marL="2160000" indent="-216000">
-              <a:buClr>
-                <a:srgbClr val="ffffff"/>
-              </a:buClr>
-              <a:buSzPct val="45000"/>
-              <a:buFont typeface="Wingdings" charset="2"/>
-              <a:buChar char=""/>
-            </a:pPr>
-            <a:r>
-              <a:rPr lang="en-US" sz="2000" spc="-1">
-                <a:latin typeface="Arial"/>
-              </a:rPr>
-              <a:t>Fifth Outline Level</a:t>
-            </a:r>
-            <a:endParaRPr/>
-          </a:p>
-          <a:p>
-            <a:pPr lvl="5" marL="2592000" indent="-216000">
-              <a:buClr>
-                <a:srgbClr val="ffffff"/>
-              </a:buClr>
-              <a:buSzPct val="45000"/>
-              <a:buFont typeface="Wingdings" charset="2"/>
-              <a:buChar char=""/>
-            </a:pPr>
-            <a:r>
-              <a:rPr lang="en-US" sz="2000" spc="-1">
-                <a:latin typeface="Arial"/>
-              </a:rPr>
-              <a:t>Sixth Outline Level</a:t>
-            </a:r>
-            <a:endParaRPr/>
-          </a:p>
-          <a:p>
-            <a:pPr lvl="6" marL="3024000" indent="-216000">
-              <a:buClr>
-                <a:srgbClr val="ffffff"/>
-              </a:buClr>
-              <a:buSzPct val="45000"/>
-              <a:buFont typeface="Wingdings" charset="2"/>
-              <a:buChar char=""/>
-            </a:pPr>
-            <a:r>
-              <a:rPr lang="en-US" sz="2000" spc="-1">
-                <a:latin typeface="Arial"/>
-              </a:rPr>
-              <a:t>Seventh Outline Level</a:t>
-            </a:r>
-            <a:endParaRPr/>
-          </a:p>
-        </p:txBody>
-      </p:sp>
-    </p:spTree>
-  </p:cSld>
-  <p:clrMap bg1="lt1" bg2="lt2" tx1="dk1" tx2="dk2" accent1="accent1" accent2="accent2" accent3="accent3" accent4="accent4" accent5="accent5" accent6="accent6" hlink="hlink" folHlink="folHlink"/>
-  <p:sldLayoutIdLst>
-    <p:sldLayoutId id="2147483688" r:id="rId5"/>
-    <p:sldLayoutId id="2147483689" r:id="rId6"/>
-    <p:sldLayoutId id="2147483690" r:id="rId7"/>
-    <p:sldLayoutId id="2147483691" r:id="rId8"/>
-    <p:sldLayoutId id="2147483692" r:id="rId9"/>
-    <p:sldLayoutId id="2147483693" r:id="rId10"/>
-    <p:sldLayoutId id="2147483694" r:id="rId11"/>
-    <p:sldLayoutId id="2147483695" r:id="rId12"/>
-    <p:sldLayoutId id="2147483696" r:id="rId13"/>
-    <p:sldLayoutId id="2147483697" r:id="rId14"/>
-    <p:sldLayoutId id="2147483698" r:id="rId15"/>
-    <p:sldLayoutId id="2147483699" r:id="rId16"/>
   </p:sldLayoutIdLst>
 </p:sldMaster>
 </file>
@@ -6270,14 +3161,14 @@
       </p:grpSpPr>
       <p:sp>
         <p:nvSpPr>
-          <p:cNvPr id="164" name="CustomShape 1"/>
+          <p:cNvPr id="82" name="CustomShape 1"/>
           <p:cNvSpPr/>
           <p:nvPr/>
         </p:nvSpPr>
         <p:spPr>
           <a:xfrm>
             <a:off x="1783080" y="1828800"/>
-            <a:ext cx="5577120" cy="820800"/>
+            <a:ext cx="5576760" cy="820440"/>
           </a:xfrm>
           <a:prstGeom prst="rect">
             <a:avLst/>
@@ -6322,14 +3213,14 @@
       </p:sp>
       <p:sp>
         <p:nvSpPr>
-          <p:cNvPr id="165" name="CustomShape 2"/>
+          <p:cNvPr id="83" name="CustomShape 2"/>
           <p:cNvSpPr/>
           <p:nvPr/>
         </p:nvSpPr>
         <p:spPr>
           <a:xfrm>
             <a:off x="3383280" y="3080520"/>
-            <a:ext cx="2376720" cy="516240"/>
+            <a:ext cx="2376360" cy="515880"/>
           </a:xfrm>
           <a:prstGeom prst="rect">
             <a:avLst/>
@@ -6374,14 +3265,14 @@
       </p:sp>
       <p:sp>
         <p:nvSpPr>
-          <p:cNvPr id="166" name="CustomShape 3"/>
+          <p:cNvPr id="84" name="CustomShape 3"/>
           <p:cNvSpPr/>
           <p:nvPr/>
         </p:nvSpPr>
         <p:spPr>
           <a:xfrm>
             <a:off x="3383280" y="3689280"/>
-            <a:ext cx="2377080" cy="333000"/>
+            <a:ext cx="2376720" cy="332640"/>
           </a:xfrm>
           <a:prstGeom prst="rect">
             <a:avLst/>
@@ -6426,14 +3317,14 @@
       </p:sp>
       <p:sp>
         <p:nvSpPr>
-          <p:cNvPr id="167" name="CustomShape 4"/>
+          <p:cNvPr id="85" name="CustomShape 4"/>
           <p:cNvSpPr/>
           <p:nvPr/>
         </p:nvSpPr>
         <p:spPr>
           <a:xfrm>
             <a:off x="3429000" y="4114800"/>
-            <a:ext cx="2285280" cy="333000"/>
+            <a:ext cx="2284920" cy="332640"/>
           </a:xfrm>
           <a:prstGeom prst="rect">
             <a:avLst/>
@@ -6479,7 +3370,7 @@
     </p:spTree>
   </p:cSld>
   <p:transition spd="slow">
-    <p:push dir="d"/>
+    <p:push dir="u"/>
   </p:transition>
   <p:timing>
     <p:tnLst>
@@ -6515,7 +3406,7 @@
                                           </p:stCondLst>
                                         </p:cTn>
                                         <p:tgtEl>
-                                          <p:spTgt spid="165"/>
+                                          <p:spTgt spid="83"/>
                                         </p:tgtEl>
                                         <p:attrNameLst>
                                           <p:attrName>style.visibility</p:attrName>
@@ -6529,7 +3420,7 @@
                                       <p:cBhvr additive="repl">
                                         <p:cTn id="7" dur="500" fill="hold"/>
                                         <p:tgtEl>
-                                          <p:spTgt spid="165"/>
+                                          <p:spTgt spid="83"/>
                                         </p:tgtEl>
                                         <p:attrNameLst>
                                           <p:attrName>ppt_x</p:attrName>
@@ -6552,7 +3443,7 @@
                                       <p:cBhvr additive="repl">
                                         <p:cTn id="8" dur="500" fill="hold"/>
                                         <p:tgtEl>
-                                          <p:spTgt spid="165"/>
+                                          <p:spTgt spid="83"/>
                                         </p:tgtEl>
                                         <p:attrNameLst>
                                           <p:attrName>ppt_y</p:attrName>
@@ -6624,7 +3515,7 @@
       </p:grpSpPr>
       <p:pic>
         <p:nvPicPr>
-          <p:cNvPr id="194" name="Picture 2" descr=""/>
+          <p:cNvPr id="112" name="Picture 2" descr=""/>
           <p:cNvPicPr/>
           <p:nvPr/>
         </p:nvPicPr>
@@ -6635,7 +3526,7 @@
         <p:spPr>
           <a:xfrm>
             <a:off x="5220000" y="4005000"/>
-            <a:ext cx="5683320" cy="2220480"/>
+            <a:ext cx="5682960" cy="2220120"/>
           </a:xfrm>
           <a:prstGeom prst="rect">
             <a:avLst/>
@@ -6647,14 +3538,14 @@
       </p:pic>
       <p:sp>
         <p:nvSpPr>
-          <p:cNvPr id="195" name="CustomShape 1"/>
+          <p:cNvPr id="113" name="CustomShape 1"/>
           <p:cNvSpPr/>
           <p:nvPr/>
         </p:nvSpPr>
         <p:spPr>
           <a:xfrm>
             <a:off x="285840" y="260640"/>
-            <a:ext cx="8766720" cy="1551240"/>
+            <a:ext cx="8766360" cy="1550880"/>
           </a:xfrm>
           <a:prstGeom prst="rect">
             <a:avLst/>
@@ -6699,14 +3590,14 @@
       </p:sp>
       <p:sp>
         <p:nvSpPr>
-          <p:cNvPr id="196" name="CustomShape 2"/>
+          <p:cNvPr id="114" name="CustomShape 2"/>
           <p:cNvSpPr/>
           <p:nvPr/>
         </p:nvSpPr>
         <p:spPr>
           <a:xfrm>
             <a:off x="323640" y="908640"/>
-            <a:ext cx="5437080" cy="942120"/>
+            <a:ext cx="5436720" cy="941760"/>
           </a:xfrm>
           <a:prstGeom prst="rect">
             <a:avLst/>
@@ -6751,14 +3642,14 @@
       </p:sp>
       <p:sp>
         <p:nvSpPr>
-          <p:cNvPr id="197" name="CustomShape 3"/>
+          <p:cNvPr id="115" name="CustomShape 3"/>
           <p:cNvSpPr/>
           <p:nvPr/>
         </p:nvSpPr>
         <p:spPr>
           <a:xfrm>
             <a:off x="323640" y="1857960"/>
-            <a:ext cx="8568000" cy="2220840"/>
+            <a:ext cx="8567640" cy="2220480"/>
           </a:xfrm>
           <a:prstGeom prst="rect">
             <a:avLst/>
@@ -6785,7 +3676,7 @@
             <a:endParaRPr/>
           </a:p>
           <a:p>
-            <a:pPr marL="285840" indent="-284760">
+            <a:pPr marL="285840" indent="-284400">
               <a:lnSpc>
                 <a:spcPct val="150000"/>
               </a:lnSpc>
@@ -6811,7 +3702,7 @@
             <a:endParaRPr/>
           </a:p>
           <a:p>
-            <a:pPr marL="285840" indent="-284760">
+            <a:pPr marL="285840" indent="-284400">
               <a:lnSpc>
                 <a:spcPct val="150000"/>
               </a:lnSpc>
@@ -6837,7 +3728,7 @@
             <a:endParaRPr/>
           </a:p>
           <a:p>
-            <a:pPr marL="285840" indent="-284760">
+            <a:pPr marL="285840" indent="-284400">
               <a:lnSpc>
                 <a:spcPct val="150000"/>
               </a:lnSpc>
@@ -6863,7 +3754,7 @@
             <a:endParaRPr/>
           </a:p>
           <a:p>
-            <a:pPr marL="285840" indent="-284760">
+            <a:pPr marL="285840" indent="-284400">
               <a:lnSpc>
                 <a:spcPct val="150000"/>
               </a:lnSpc>
@@ -6893,7 +3784,7 @@
     </p:spTree>
   </p:cSld>
   <p:transition spd="slow">
-    <p:push dir="d"/>
+    <p:push dir="u"/>
   </p:transition>
   <p:timing>
     <p:tnLst>
@@ -6929,7 +3820,7 @@
                                           </p:stCondLst>
                                         </p:cTn>
                                         <p:tgtEl>
-                                          <p:spTgt spid="196"/>
+                                          <p:spTgt spid="114"/>
                                         </p:tgtEl>
                                         <p:attrNameLst>
                                           <p:attrName>style.visibility</p:attrName>
@@ -6943,7 +3834,7 @@
                                       <p:cBhvr additive="repl">
                                         <p:cTn id="203" dur="500" fill="hold"/>
                                         <p:tgtEl>
-                                          <p:spTgt spid="196"/>
+                                          <p:spTgt spid="114"/>
                                         </p:tgtEl>
                                         <p:attrNameLst>
                                           <p:attrName>ppt_x</p:attrName>
@@ -6966,7 +3857,7 @@
                                       <p:cBhvr additive="repl">
                                         <p:cTn id="204" dur="500" fill="hold"/>
                                         <p:tgtEl>
-                                          <p:spTgt spid="196"/>
+                                          <p:spTgt spid="114"/>
                                         </p:tgtEl>
                                         <p:attrNameLst>
                                           <p:attrName>ppt_y</p:attrName>
@@ -7011,7 +3902,7 @@
                                           </p:stCondLst>
                                         </p:cTn>
                                         <p:tgtEl>
-                                          <p:spTgt spid="197">
+                                          <p:spTgt spid="115">
                                             <p:txEl>
                                               <p:pRg st="0" end="1"/>
                                             </p:txEl>
@@ -7029,7 +3920,7 @@
                                       <p:cBhvr additive="repl">
                                         <p:cTn id="208" dur="500" fill="hold"/>
                                         <p:tgtEl>
-                                          <p:spTgt spid="197">
+                                          <p:spTgt spid="115">
                                             <p:txEl>
                                               <p:pRg st="0" end="1"/>
                                             </p:txEl>
@@ -7056,7 +3947,7 @@
                                       <p:cBhvr additive="repl">
                                         <p:cTn id="209" dur="500" fill="hold"/>
                                         <p:tgtEl>
-                                          <p:spTgt spid="197">
+                                          <p:spTgt spid="115">
                                             <p:txEl>
                                               <p:pRg st="0" end="1"/>
                                             </p:txEl>
@@ -7114,7 +4005,7 @@
                                           </p:stCondLst>
                                         </p:cTn>
                                         <p:tgtEl>
-                                          <p:spTgt spid="197">
+                                          <p:spTgt spid="115">
                                             <p:txEl>
                                               <p:pRg st="466" end="466"/>
                                             </p:txEl>
@@ -7132,7 +4023,7 @@
                                       <p:cBhvr additive="repl">
                                         <p:cTn id="214" dur="500" fill="hold"/>
                                         <p:tgtEl>
-                                          <p:spTgt spid="197">
+                                          <p:spTgt spid="115">
                                             <p:txEl>
                                               <p:pRg st="466" end="466"/>
                                             </p:txEl>
@@ -7159,7 +4050,7 @@
                                       <p:cBhvr additive="repl">
                                         <p:cTn id="215" dur="500" fill="hold"/>
                                         <p:tgtEl>
-                                          <p:spTgt spid="197">
+                                          <p:spTgt spid="115">
                                             <p:txEl>
                                               <p:pRg st="466" end="466"/>
                                             </p:txEl>
@@ -7217,7 +4108,7 @@
                                           </p:stCondLst>
                                         </p:cTn>
                                         <p:tgtEl>
-                                          <p:spTgt spid="197">
+                                          <p:spTgt spid="115">
                                             <p:txEl>
                                               <p:pRg st="466" end="466"/>
                                             </p:txEl>
@@ -7235,7 +4126,7 @@
                                       <p:cBhvr additive="repl">
                                         <p:cTn id="220" dur="500" fill="hold"/>
                                         <p:tgtEl>
-                                          <p:spTgt spid="197">
+                                          <p:spTgt spid="115">
                                             <p:txEl>
                                               <p:pRg st="466" end="466"/>
                                             </p:txEl>
@@ -7262,7 +4153,7 @@
                                       <p:cBhvr additive="repl">
                                         <p:cTn id="221" dur="500" fill="hold"/>
                                         <p:tgtEl>
-                                          <p:spTgt spid="197">
+                                          <p:spTgt spid="115">
                                             <p:txEl>
                                               <p:pRg st="466" end="466"/>
                                             </p:txEl>
@@ -7320,7 +4211,7 @@
                                           </p:stCondLst>
                                         </p:cTn>
                                         <p:tgtEl>
-                                          <p:spTgt spid="197">
+                                          <p:spTgt spid="115">
                                             <p:txEl>
                                               <p:pRg st="466" end="466"/>
                                             </p:txEl>
@@ -7338,7 +4229,7 @@
                                       <p:cBhvr additive="repl">
                                         <p:cTn id="226" dur="500" fill="hold"/>
                                         <p:tgtEl>
-                                          <p:spTgt spid="197">
+                                          <p:spTgt spid="115">
                                             <p:txEl>
                                               <p:pRg st="466" end="466"/>
                                             </p:txEl>
@@ -7365,7 +4256,7 @@
                                       <p:cBhvr additive="repl">
                                         <p:cTn id="227" dur="500" fill="hold"/>
                                         <p:tgtEl>
-                                          <p:spTgt spid="197">
+                                          <p:spTgt spid="115">
                                             <p:txEl>
                                               <p:pRg st="466" end="466"/>
                                             </p:txEl>
@@ -7423,7 +4314,7 @@
                                           </p:stCondLst>
                                         </p:cTn>
                                         <p:tgtEl>
-                                          <p:spTgt spid="197">
+                                          <p:spTgt spid="115">
                                             <p:txEl>
                                               <p:pRg st="466" end="466"/>
                                             </p:txEl>
@@ -7441,7 +4332,7 @@
                                       <p:cBhvr additive="repl">
                                         <p:cTn id="232" dur="500" fill="hold"/>
                                         <p:tgtEl>
-                                          <p:spTgt spid="197">
+                                          <p:spTgt spid="115">
                                             <p:txEl>
                                               <p:pRg st="466" end="466"/>
                                             </p:txEl>
@@ -7468,7 +4359,7 @@
                                       <p:cBhvr additive="repl">
                                         <p:cTn id="233" dur="500" fill="hold"/>
                                         <p:tgtEl>
-                                          <p:spTgt spid="197">
+                                          <p:spTgt spid="115">
                                             <p:txEl>
                                               <p:pRg st="466" end="466"/>
                                             </p:txEl>
@@ -7544,14 +4435,14 @@
       </p:grpSpPr>
       <p:sp>
         <p:nvSpPr>
-          <p:cNvPr id="198" name="CustomShape 1"/>
+          <p:cNvPr id="116" name="CustomShape 1"/>
           <p:cNvSpPr/>
           <p:nvPr/>
         </p:nvSpPr>
         <p:spPr>
           <a:xfrm rot="21595200">
-            <a:off x="1121040" y="191880"/>
-            <a:ext cx="6901560" cy="699120"/>
+            <a:off x="1121040" y="191520"/>
+            <a:ext cx="6901200" cy="698760"/>
           </a:xfrm>
           <a:prstGeom prst="rect">
             <a:avLst/>
@@ -7596,14 +4487,14 @@
       </p:sp>
       <p:sp>
         <p:nvSpPr>
-          <p:cNvPr id="199" name="CustomShape 2"/>
+          <p:cNvPr id="117" name="CustomShape 2"/>
           <p:cNvSpPr/>
           <p:nvPr/>
         </p:nvSpPr>
         <p:spPr>
           <a:xfrm>
             <a:off x="1874520" y="3017520"/>
-            <a:ext cx="5394960" cy="516240"/>
+            <a:ext cx="5394600" cy="515880"/>
           </a:xfrm>
           <a:prstGeom prst="rect">
             <a:avLst/>
@@ -7648,14 +4539,14 @@
       </p:sp>
       <p:sp>
         <p:nvSpPr>
-          <p:cNvPr id="200" name="CustomShape 3"/>
+          <p:cNvPr id="118" name="CustomShape 3"/>
           <p:cNvSpPr/>
           <p:nvPr/>
         </p:nvSpPr>
         <p:spPr>
           <a:xfrm>
             <a:off x="323640" y="2551680"/>
-            <a:ext cx="3959280" cy="2859480"/>
+            <a:ext cx="3958920" cy="2859120"/>
           </a:xfrm>
           <a:prstGeom prst="rect">
             <a:avLst/>
@@ -7675,7 +4566,7 @@
     </p:spTree>
   </p:cSld>
   <p:transition spd="slow">
-    <p:push dir="d"/>
+    <p:push dir="u"/>
   </p:transition>
   <p:timing>
     <p:tnLst>
@@ -7711,7 +4602,7 @@
                                           </p:stCondLst>
                                         </p:cTn>
                                         <p:tgtEl>
-                                          <p:spTgt spid="199"/>
+                                          <p:spTgt spid="117"/>
                                         </p:tgtEl>
                                         <p:attrNameLst>
                                           <p:attrName>style.visibility</p:attrName>
@@ -7725,7 +4616,7 @@
                                       <p:cBhvr additive="repl">
                                         <p:cTn id="240" dur="500" fill="hold"/>
                                         <p:tgtEl>
-                                          <p:spTgt spid="199"/>
+                                          <p:spTgt spid="117"/>
                                         </p:tgtEl>
                                         <p:attrNameLst>
                                           <p:attrName>ppt_x</p:attrName>
@@ -7748,7 +4639,7 @@
                                       <p:cBhvr additive="repl">
                                         <p:cTn id="241" dur="500" fill="hold"/>
                                         <p:tgtEl>
-                                          <p:spTgt spid="199"/>
+                                          <p:spTgt spid="117"/>
                                         </p:tgtEl>
                                         <p:attrNameLst>
                                           <p:attrName>ppt_y</p:attrName>
@@ -7793,7 +4684,7 @@
                                           </p:stCondLst>
                                         </p:cTn>
                                         <p:tgtEl>
-                                          <p:spTgt spid="200">
+                                          <p:spTgt spid="118">
                                             <p:txEl>
                                               <p:pRg st="0" end="1"/>
                                             </p:txEl>
@@ -7811,7 +4702,7 @@
                                       <p:cBhvr additive="repl">
                                         <p:cTn id="245" dur="500" fill="hold"/>
                                         <p:tgtEl>
-                                          <p:spTgt spid="200">
+                                          <p:spTgt spid="118">
                                             <p:txEl>
                                               <p:pRg st="0" end="1"/>
                                             </p:txEl>
@@ -7838,7 +4729,7 @@
                                       <p:cBhvr additive="repl">
                                         <p:cTn id="246" dur="500" fill="hold"/>
                                         <p:tgtEl>
-                                          <p:spTgt spid="200">
+                                          <p:spTgt spid="118">
                                             <p:txEl>
                                               <p:pRg st="0" end="1"/>
                                             </p:txEl>
@@ -7914,7 +4805,7 @@
       </p:grpSpPr>
       <p:pic>
         <p:nvPicPr>
-          <p:cNvPr id="201" name="Picture 2" descr=""/>
+          <p:cNvPr id="119" name="Picture 2" descr=""/>
           <p:cNvPicPr/>
           <p:nvPr/>
         </p:nvPicPr>
@@ -7925,7 +4816,7 @@
         <p:spPr>
           <a:xfrm>
             <a:off x="5220000" y="4005000"/>
-            <a:ext cx="5683320" cy="2220480"/>
+            <a:ext cx="5682960" cy="2220120"/>
           </a:xfrm>
           <a:prstGeom prst="rect">
             <a:avLst/>
@@ -7937,14 +4828,14 @@
       </p:pic>
       <p:sp>
         <p:nvSpPr>
-          <p:cNvPr id="202" name="CustomShape 1"/>
+          <p:cNvPr id="120" name="CustomShape 1"/>
           <p:cNvSpPr/>
           <p:nvPr/>
         </p:nvSpPr>
         <p:spPr>
           <a:xfrm>
             <a:off x="285840" y="260640"/>
-            <a:ext cx="8766720" cy="1551240"/>
+            <a:ext cx="8766360" cy="1550880"/>
           </a:xfrm>
           <a:prstGeom prst="rect">
             <a:avLst/>
@@ -7989,14 +4880,14 @@
       </p:sp>
       <p:sp>
         <p:nvSpPr>
-          <p:cNvPr id="203" name="CustomShape 2"/>
+          <p:cNvPr id="121" name="CustomShape 2"/>
           <p:cNvSpPr/>
           <p:nvPr/>
         </p:nvSpPr>
         <p:spPr>
           <a:xfrm>
             <a:off x="323640" y="1857960"/>
-            <a:ext cx="8568000" cy="2220840"/>
+            <a:ext cx="8567640" cy="2220480"/>
           </a:xfrm>
           <a:prstGeom prst="rect">
             <a:avLst/>
@@ -8046,7 +4937,7 @@
             <a:endParaRPr/>
           </a:p>
           <a:p>
-            <a:pPr marL="285840" indent="-284760">
+            <a:pPr marL="285840" indent="-284400">
               <a:lnSpc>
                 <a:spcPct val="150000"/>
               </a:lnSpc>
@@ -8072,7 +4963,7 @@
             <a:endParaRPr/>
           </a:p>
           <a:p>
-            <a:pPr marL="285840" indent="-284760">
+            <a:pPr marL="285840" indent="-284400">
               <a:lnSpc>
                 <a:spcPct val="150000"/>
               </a:lnSpc>
@@ -8093,7 +4984,7 @@
                 <a:latin typeface="Lato-Light"/>
                 <a:ea typeface="Raleway"/>
               </a:rPr>
-              <a:t>Geth: Go-based command line implementation.  Very stable, but spartan.</a:t>
+              <a:t>Geth: Go-based command line implementation.  This is what real nodes on the network use to communicate, but can be a pain to install dependencies like the Solidity compiler.</a:t>
             </a:r>
             <a:endParaRPr/>
           </a:p>
@@ -8102,7 +4993,7 @@
     </p:spTree>
   </p:cSld>
   <p:transition spd="slow">
-    <p:push dir="d"/>
+    <p:push dir="u"/>
   </p:transition>
   <p:timing>
     <p:tnLst>
@@ -8138,7 +5029,7 @@
                                           </p:stCondLst>
                                         </p:cTn>
                                         <p:tgtEl>
-                                          <p:spTgt spid="203">
+                                          <p:spTgt spid="121">
                                             <p:txEl>
                                               <p:pRg st="0" end="65"/>
                                             </p:txEl>
@@ -8156,7 +5047,7 @@
                                       <p:cBhvr additive="repl">
                                         <p:cTn id="253" dur="500" fill="hold"/>
                                         <p:tgtEl>
-                                          <p:spTgt spid="203">
+                                          <p:spTgt spid="121">
                                             <p:txEl>
                                               <p:pRg st="0" end="65"/>
                                             </p:txEl>
@@ -8183,7 +5074,7 @@
                                       <p:cBhvr additive="repl">
                                         <p:cTn id="254" dur="500" fill="hold"/>
                                         <p:tgtEl>
-                                          <p:spTgt spid="203">
+                                          <p:spTgt spid="121">
                                             <p:txEl>
                                               <p:pRg st="0" end="65"/>
                                             </p:txEl>
@@ -8241,9 +5132,9 @@
                                           </p:stCondLst>
                                         </p:cTn>
                                         <p:tgtEl>
-                                          <p:spTgt spid="203">
+                                          <p:spTgt spid="121">
                                             <p:txEl>
-                                              <p:pRg st="244" end="244"/>
+                                              <p:pRg st="347" end="347"/>
                                             </p:txEl>
                                           </p:spTgt>
                                         </p:tgtEl>
@@ -8259,9 +5150,9 @@
                                       <p:cBhvr additive="repl">
                                         <p:cTn id="259" dur="500" fill="hold"/>
                                         <p:tgtEl>
-                                          <p:spTgt spid="203">
+                                          <p:spTgt spid="121">
                                             <p:txEl>
-                                              <p:pRg st="244" end="244"/>
+                                              <p:pRg st="347" end="347"/>
                                             </p:txEl>
                                           </p:spTgt>
                                         </p:tgtEl>
@@ -8286,9 +5177,9 @@
                                       <p:cBhvr additive="repl">
                                         <p:cTn id="260" dur="500" fill="hold"/>
                                         <p:tgtEl>
-                                          <p:spTgt spid="203">
+                                          <p:spTgt spid="121">
                                             <p:txEl>
-                                              <p:pRg st="244" end="244"/>
+                                              <p:pRg st="347" end="347"/>
                                             </p:txEl>
                                           </p:spTgt>
                                         </p:tgtEl>
@@ -8344,9 +5235,9 @@
                                           </p:stCondLst>
                                         </p:cTn>
                                         <p:tgtEl>
-                                          <p:spTgt spid="203">
+                                          <p:spTgt spid="121">
                                             <p:txEl>
-                                              <p:pRg st="244" end="244"/>
+                                              <p:pRg st="347" end="347"/>
                                             </p:txEl>
                                           </p:spTgt>
                                         </p:tgtEl>
@@ -8362,9 +5253,9 @@
                                       <p:cBhvr additive="repl">
                                         <p:cTn id="265" dur="500" fill="hold"/>
                                         <p:tgtEl>
-                                          <p:spTgt spid="203">
+                                          <p:spTgt spid="121">
                                             <p:txEl>
-                                              <p:pRg st="244" end="244"/>
+                                              <p:pRg st="347" end="347"/>
                                             </p:txEl>
                                           </p:spTgt>
                                         </p:tgtEl>
@@ -8389,9 +5280,9 @@
                                       <p:cBhvr additive="repl">
                                         <p:cTn id="266" dur="500" fill="hold"/>
                                         <p:tgtEl>
-                                          <p:spTgt spid="203">
+                                          <p:spTgt spid="121">
                                             <p:txEl>
-                                              <p:pRg st="244" end="244"/>
+                                              <p:pRg st="347" end="347"/>
                                             </p:txEl>
                                           </p:spTgt>
                                         </p:tgtEl>
@@ -8447,9 +5338,9 @@
                                           </p:stCondLst>
                                         </p:cTn>
                                         <p:tgtEl>
-                                          <p:spTgt spid="203">
+                                          <p:spTgt spid="121">
                                             <p:txEl>
-                                              <p:pRg st="244" end="244"/>
+                                              <p:pRg st="347" end="347"/>
                                             </p:txEl>
                                           </p:spTgt>
                                         </p:tgtEl>
@@ -8465,9 +5356,9 @@
                                       <p:cBhvr additive="repl">
                                         <p:cTn id="271" dur="500" fill="hold"/>
                                         <p:tgtEl>
-                                          <p:spTgt spid="203">
+                                          <p:spTgt spid="121">
                                             <p:txEl>
-                                              <p:pRg st="244" end="244"/>
+                                              <p:pRg st="347" end="347"/>
                                             </p:txEl>
                                           </p:spTgt>
                                         </p:tgtEl>
@@ -8492,9 +5383,9 @@
                                       <p:cBhvr additive="repl">
                                         <p:cTn id="272" dur="500" fill="hold"/>
                                         <p:tgtEl>
-                                          <p:spTgt spid="203">
+                                          <p:spTgt spid="121">
                                             <p:txEl>
-                                              <p:pRg st="244" end="244"/>
+                                              <p:pRg st="347" end="347"/>
                                             </p:txEl>
                                           </p:spTgt>
                                         </p:tgtEl>
@@ -8550,9 +5441,9 @@
                                           </p:stCondLst>
                                         </p:cTn>
                                         <p:tgtEl>
-                                          <p:spTgt spid="203">
+                                          <p:spTgt spid="121">
                                             <p:txEl>
-                                              <p:pRg st="244" end="244"/>
+                                              <p:pRg st="347" end="347"/>
                                             </p:txEl>
                                           </p:spTgt>
                                         </p:tgtEl>
@@ -8568,9 +5459,9 @@
                                       <p:cBhvr additive="repl">
                                         <p:cTn id="277" dur="500" fill="hold"/>
                                         <p:tgtEl>
-                                          <p:spTgt spid="203">
+                                          <p:spTgt spid="121">
                                             <p:txEl>
-                                              <p:pRg st="244" end="244"/>
+                                              <p:pRg st="347" end="347"/>
                                             </p:txEl>
                                           </p:spTgt>
                                         </p:tgtEl>
@@ -8595,9 +5486,9 @@
                                       <p:cBhvr additive="repl">
                                         <p:cTn id="278" dur="500" fill="hold"/>
                                         <p:tgtEl>
-                                          <p:spTgt spid="203">
+                                          <p:spTgt spid="121">
                                             <p:txEl>
-                                              <p:pRg st="244" end="244"/>
+                                              <p:pRg st="347" end="347"/>
                                             </p:txEl>
                                           </p:spTgt>
                                         </p:tgtEl>
@@ -8669,16 +5560,39 @@
           <a:chExt cx="0" cy="0"/>
         </a:xfrm>
       </p:grpSpPr>
+      <p:pic>
+        <p:nvPicPr>
+          <p:cNvPr id="122" name="Picture 2" descr=""/>
+          <p:cNvPicPr/>
+          <p:nvPr/>
+        </p:nvPicPr>
+        <p:blipFill>
+          <a:blip r:embed="rId1"/>
+          <a:stretch/>
+        </p:blipFill>
+        <p:spPr>
+          <a:xfrm>
+            <a:off x="5220000" y="4005000"/>
+            <a:ext cx="5682960" cy="2220120"/>
+          </a:xfrm>
+          <a:prstGeom prst="rect">
+            <a:avLst/>
+          </a:prstGeom>
+          <a:ln>
+            <a:noFill/>
+          </a:ln>
+        </p:spPr>
+      </p:pic>
       <p:sp>
         <p:nvSpPr>
-          <p:cNvPr id="204" name="CustomShape 1"/>
+          <p:cNvPr id="123" name="CustomShape 1"/>
           <p:cNvSpPr/>
           <p:nvPr/>
         </p:nvSpPr>
         <p:spPr>
-          <a:xfrm rot="21595200">
-            <a:off x="3303720" y="195120"/>
-            <a:ext cx="2536200" cy="699120"/>
+          <a:xfrm>
+            <a:off x="285840" y="260640"/>
+            <a:ext cx="8766360" cy="1550880"/>
           </a:xfrm>
           <a:prstGeom prst="rect">
             <a:avLst/>
@@ -8703,7 +5617,7 @@
               </a:lnSpc>
             </a:pPr>
             <a:r>
-              <a:rPr lang="en-US" sz="6000" spc="-1" strike="noStrike">
+              <a:rPr lang="en-US" sz="3200" spc="-1" strike="noStrike">
                 <a:solidFill>
                   <a:srgbClr val="00aedb"/>
                 </a:solidFill>
@@ -8715,7 +5629,22 @@
                 <a:latin typeface="Bebas Neue"/>
                 <a:ea typeface="DejaVu Sans"/>
               </a:rPr>
-              <a:t>DEMO</a:t>
+              <a:t>What is an Ethereum App?</a:t>
+            </a:r>
+            <a:r>
+              <a:rPr lang="en-US" sz="3200" spc="-1" strike="noStrike">
+                <a:solidFill>
+                  <a:srgbClr val="00aedb"/>
+                </a:solidFill>
+                <a:uFill>
+                  <a:solidFill>
+                    <a:srgbClr val="ffffff"/>
+                  </a:solidFill>
+                </a:uFill>
+                <a:latin typeface="Bebas Neue"/>
+                <a:ea typeface="DejaVu Sans"/>
+              </a:rPr>
+              <a:t>	</a:t>
             </a:r>
             <a:endParaRPr/>
           </a:p>
@@ -8723,14 +5652,14 @@
       </p:sp>
       <p:sp>
         <p:nvSpPr>
-          <p:cNvPr id="205" name="CustomShape 2"/>
+          <p:cNvPr id="124" name="CustomShape 2"/>
           <p:cNvSpPr/>
           <p:nvPr/>
         </p:nvSpPr>
         <p:spPr>
           <a:xfrm>
-            <a:off x="3772080" y="3017520"/>
-            <a:ext cx="1600200" cy="516240"/>
+            <a:off x="323640" y="1857960"/>
+            <a:ext cx="8567640" cy="2220480"/>
           </a:xfrm>
           <a:prstGeom prst="rect">
             <a:avLst/>
@@ -8754,55 +5683,144 @@
                 <a:spcPct val="100000"/>
               </a:lnSpc>
             </a:pPr>
+            <a:endParaRPr/>
+          </a:p>
+          <a:p>
+            <a:pPr marL="285840" indent="-284400">
+              <a:lnSpc>
+                <a:spcPct val="150000"/>
+              </a:lnSpc>
+              <a:buBlip>
+                <a:blip r:embed="rId2"/>
+              </a:buBlip>
+            </a:pPr>
             <a:r>
-              <a:rPr lang="en-US" sz="2800" spc="-1" strike="noStrike">
+              <a:rPr lang="en-US" sz="1400" spc="-1" strike="noStrike">
                 <a:solidFill>
-                  <a:srgbClr val="595959"/>
+                  <a:srgbClr val="808080"/>
                 </a:solidFill>
                 <a:uFill>
                   <a:solidFill>
                     <a:srgbClr val="ffffff"/>
                   </a:solidFill>
                 </a:uFill>
-                <a:latin typeface="Bebas Neue"/>
+                <a:latin typeface="Lato-Light"/>
                 <a:ea typeface="Raleway"/>
               </a:rPr>
-              <a:t>Mix IDE</a:t>
+              <a:t>Code is written in a highish level language called Solidity, compiled to bytecode</a:t>
             </a:r>
             <a:endParaRPr/>
           </a:p>
+          <a:p>
+            <a:pPr marL="285840" indent="-284400">
+              <a:lnSpc>
+                <a:spcPct val="150000"/>
+              </a:lnSpc>
+              <a:buBlip>
+                <a:blip r:embed="rId3"/>
+              </a:buBlip>
+            </a:pPr>
+            <a:r>
+              <a:rPr lang="en-US" sz="1400" spc="-1" strike="noStrike">
+                <a:solidFill>
+                  <a:srgbClr val="808080"/>
+                </a:solidFill>
+                <a:uFill>
+                  <a:solidFill>
+                    <a:srgbClr val="ffffff"/>
+                  </a:solidFill>
+                </a:uFill>
+                <a:latin typeface="Lato-Light"/>
+                <a:ea typeface="Raleway"/>
+              </a:rPr>
+              <a:t>Bytecode can be included in a network transaction, this turns it into a smart contract</a:t>
+            </a:r>
+            <a:endParaRPr/>
+          </a:p>
+          <a:p>
+            <a:pPr marL="285840" indent="-284400">
+              <a:lnSpc>
+                <a:spcPct val="150000"/>
+              </a:lnSpc>
+              <a:buBlip>
+                <a:blip r:embed="rId4"/>
+              </a:buBlip>
+            </a:pPr>
+            <a:r>
+              <a:rPr lang="en-US" sz="1400" spc="-1" strike="noStrike">
+                <a:solidFill>
+                  <a:srgbClr val="808080"/>
+                </a:solidFill>
+                <a:uFill>
+                  <a:solidFill>
+                    <a:srgbClr val="ffffff"/>
+                  </a:solidFill>
+                </a:uFill>
+                <a:latin typeface="Lato-Light"/>
+                <a:ea typeface="Raleway"/>
+              </a:rPr>
+              <a:t>Contracts can call other contracts, and you can also send a transaction to the network to call a contract without any other bytecode</a:t>
+            </a:r>
+            <a:endParaRPr/>
+          </a:p>
+          <a:p>
+            <a:pPr marL="285840" indent="-284400">
+              <a:lnSpc>
+                <a:spcPct val="150000"/>
+              </a:lnSpc>
+              <a:buBlip>
+                <a:blip r:embed="rId5"/>
+              </a:buBlip>
+            </a:pPr>
+            <a:r>
+              <a:rPr lang="en-US" sz="1400" spc="-1" strike="noStrike">
+                <a:solidFill>
+                  <a:srgbClr val="808080"/>
+                </a:solidFill>
+                <a:uFill>
+                  <a:solidFill>
+                    <a:srgbClr val="ffffff"/>
+                  </a:solidFill>
+                </a:uFill>
+                <a:latin typeface="Lato-Light"/>
+                <a:ea typeface="Raleway"/>
+              </a:rPr>
+              <a:t>You can also reference local methods on contracts without making transactions</a:t>
+            </a:r>
+            <a:endParaRPr/>
+          </a:p>
+          <a:p>
+            <a:pPr marL="285840" indent="-284400">
+              <a:lnSpc>
+                <a:spcPct val="150000"/>
+              </a:lnSpc>
+              <a:buBlip>
+                <a:blip r:embed="rId6"/>
+              </a:buBlip>
+            </a:pPr>
+            <a:r>
+              <a:rPr lang="en-US" sz="1400" spc="-1" strike="noStrike">
+                <a:solidFill>
+                  <a:srgbClr val="808080"/>
+                </a:solidFill>
+                <a:uFill>
+                  <a:solidFill>
+                    <a:srgbClr val="ffffff"/>
+                  </a:solidFill>
+                </a:uFill>
+                <a:latin typeface="Lato-Light"/>
+                <a:ea typeface="Raleway"/>
+              </a:rPr>
+              <a:t>You can create HTML/Javascript front ends to interact with contracts and send new transactions to the blockchain</a:t>
+            </a:r>
+            <a:endParaRPr/>
+          </a:p>
         </p:txBody>
-      </p:sp>
-      <p:sp>
-        <p:nvSpPr>
-          <p:cNvPr id="206" name="CustomShape 3"/>
-          <p:cNvSpPr/>
-          <p:nvPr/>
-        </p:nvSpPr>
-        <p:spPr>
-          <a:xfrm>
-            <a:off x="323640" y="2551680"/>
-            <a:ext cx="3959280" cy="2859480"/>
-          </a:xfrm>
-          <a:prstGeom prst="rect">
-            <a:avLst/>
-          </a:prstGeom>
-          <a:noFill/>
-          <a:ln>
-            <a:noFill/>
-          </a:ln>
-        </p:spPr>
-        <p:style>
-          <a:lnRef idx="0"/>
-          <a:fillRef idx="0"/>
-          <a:effectRef idx="0"/>
-          <a:fontRef idx="minor"/>
-        </p:style>
       </p:sp>
     </p:spTree>
   </p:cSld>
   <p:transition spd="slow">
-    <p:push dir="d"/>
+    <p:push dir="u"/>
   </p:transition>
   <p:timing>
     <p:tnLst>
@@ -8825,7 +5843,7 @@
                             </p:stCondLst>
                             <p:childTnLst>
                               <p:par>
-                                <p:cTn id="283" nodeType="withEffect" fill="hold" presetClass="entr" presetID="2" presetSubtype="8">
+                                <p:cTn id="283" nodeType="afterEffect" fill="hold" presetClass="entr" presetID="2" presetSubtype="4">
                                   <p:stCondLst>
                                     <p:cond delay="0"/>
                                   </p:stCondLst>
@@ -8838,7 +5856,11 @@
                                           </p:stCondLst>
                                         </p:cTn>
                                         <p:tgtEl>
-                                          <p:spTgt spid="205"/>
+                                          <p:spTgt spid="124">
+                                            <p:txEl>
+                                              <p:pRg st="0" end="1"/>
+                                            </p:txEl>
+                                          </p:spTgt>
                                         </p:tgtEl>
                                         <p:attrNameLst>
                                           <p:attrName>style.visibility</p:attrName>
@@ -8852,7 +5874,11 @@
                                       <p:cBhvr additive="repl">
                                         <p:cTn id="285" dur="500" fill="hold"/>
                                         <p:tgtEl>
-                                          <p:spTgt spid="205"/>
+                                          <p:spTgt spid="124">
+                                            <p:txEl>
+                                              <p:pRg st="0" end="1"/>
+                                            </p:txEl>
+                                          </p:spTgt>
                                         </p:tgtEl>
                                         <p:attrNameLst>
                                           <p:attrName>ppt_x</p:attrName>
@@ -8861,7 +5887,7 @@
                                       <p:tavLst>
                                         <p:tav tm="0">
                                           <p:val>
-                                            <p:strVal val="0-#ppt_w/2"/>
+                                            <p:strVal val="#ppt_x"/>
                                           </p:val>
                                         </p:tav>
                                         <p:tav tm="100000">
@@ -8875,7 +5901,11 @@
                                       <p:cBhvr additive="repl">
                                         <p:cTn id="286" dur="500" fill="hold"/>
                                         <p:tgtEl>
-                                          <p:spTgt spid="205"/>
+                                          <p:spTgt spid="124">
+                                            <p:txEl>
+                                              <p:pRg st="0" end="1"/>
+                                            </p:txEl>
+                                          </p:spTgt>
                                         </p:tgtEl>
                                         <p:attrNameLst>
                                           <p:attrName>ppt_y</p:attrName>
@@ -8884,7 +5914,7 @@
                                       <p:tavLst>
                                         <p:tav tm="0">
                                           <p:val>
-                                            <p:strVal val="#ppt_y"/>
+                                            <p:strVal val="1+#ppt_h/2"/>
                                           </p:val>
                                         </p:tav>
                                         <p:tav tm="100000">
@@ -8900,29 +5930,38 @@
                             </p:childTnLst>
                           </p:cTn>
                         </p:par>
+                      </p:childTnLst>
+                    </p:cTn>
+                  </p:par>
+                  <p:par>
+                    <p:cTn id="287" fill="freeze">
+                      <p:stCondLst>
+                        <p:cond delay="indefinite"/>
+                      </p:stCondLst>
+                      <p:childTnLst>
                         <p:par>
-                          <p:cTn id="287" fill="freeze">
+                          <p:cTn id="288" fill="freeze">
                             <p:stCondLst>
-                              <p:cond delay="500"/>
+                              <p:cond delay="0"/>
                             </p:stCondLst>
                             <p:childTnLst>
                               <p:par>
-                                <p:cTn id="288" nodeType="afterEffect" fill="hold" presetClass="entr" presetID="2" presetSubtype="4">
+                                <p:cTn id="289" nodeType="clickEffect" fill="hold" presetClass="entr" presetID="2" presetSubtype="4">
                                   <p:stCondLst>
                                     <p:cond delay="0"/>
                                   </p:stCondLst>
                                   <p:childTnLst>
                                     <p:set>
                                       <p:cBhvr>
-                                        <p:cTn id="289" dur="1" fill="hold">
+                                        <p:cTn id="290" dur="1" fill="hold">
                                           <p:stCondLst>
                                             <p:cond delay="0"/>
                                           </p:stCondLst>
                                         </p:cTn>
                                         <p:tgtEl>
-                                          <p:spTgt spid="206">
+                                          <p:spTgt spid="124">
                                             <p:txEl>
-                                              <p:pRg st="0" end="1"/>
+                                              <p:pRg st="494" end="494"/>
                                             </p:txEl>
                                           </p:spTgt>
                                         </p:tgtEl>
@@ -8936,11 +5975,11 @@
                                     </p:set>
                                     <p:anim calcmode="lin" valueType="num">
                                       <p:cBhvr additive="repl">
-                                        <p:cTn id="290" dur="500" fill="hold"/>
-                                        <p:tgtEl>
-                                          <p:spTgt spid="206">
+                                        <p:cTn id="291" dur="500" fill="hold"/>
+                                        <p:tgtEl>
+                                          <p:spTgt spid="124">
                                             <p:txEl>
-                                              <p:pRg st="0" end="1"/>
+                                              <p:pRg st="494" end="494"/>
                                             </p:txEl>
                                           </p:spTgt>
                                         </p:tgtEl>
@@ -8963,11 +6002,320 @@
                                     </p:anim>
                                     <p:anim calcmode="lin" valueType="num">
                                       <p:cBhvr additive="repl">
-                                        <p:cTn id="291" dur="500" fill="hold"/>
-                                        <p:tgtEl>
-                                          <p:spTgt spid="206">
+                                        <p:cTn id="292" dur="500" fill="hold"/>
+                                        <p:tgtEl>
+                                          <p:spTgt spid="124">
                                             <p:txEl>
-                                              <p:pRg st="0" end="1"/>
+                                              <p:pRg st="494" end="494"/>
+                                            </p:txEl>
+                                          </p:spTgt>
+                                        </p:tgtEl>
+                                        <p:attrNameLst>
+                                          <p:attrName>ppt_y</p:attrName>
+                                        </p:attrNameLst>
+                                      </p:cBhvr>
+                                      <p:tavLst>
+                                        <p:tav tm="0">
+                                          <p:val>
+                                            <p:strVal val="1+#ppt_h/2"/>
+                                          </p:val>
+                                        </p:tav>
+                                        <p:tav tm="100000">
+                                          <p:val>
+                                            <p:strVal val="#ppt_y"/>
+                                          </p:val>
+                                        </p:tav>
+                                      </p:tavLst>
+                                    </p:anim>
+                                  </p:childTnLst>
+                                </p:cTn>
+                              </p:par>
+                            </p:childTnLst>
+                          </p:cTn>
+                        </p:par>
+                      </p:childTnLst>
+                    </p:cTn>
+                  </p:par>
+                  <p:par>
+                    <p:cTn id="293" fill="freeze">
+                      <p:stCondLst>
+                        <p:cond delay="indefinite"/>
+                      </p:stCondLst>
+                      <p:childTnLst>
+                        <p:par>
+                          <p:cTn id="294" fill="freeze">
+                            <p:stCondLst>
+                              <p:cond delay="0"/>
+                            </p:stCondLst>
+                            <p:childTnLst>
+                              <p:par>
+                                <p:cTn id="295" nodeType="clickEffect" fill="hold" presetClass="entr" presetID="2" presetSubtype="4">
+                                  <p:stCondLst>
+                                    <p:cond delay="0"/>
+                                  </p:stCondLst>
+                                  <p:childTnLst>
+                                    <p:set>
+                                      <p:cBhvr>
+                                        <p:cTn id="296" dur="1" fill="hold">
+                                          <p:stCondLst>
+                                            <p:cond delay="0"/>
+                                          </p:stCondLst>
+                                        </p:cTn>
+                                        <p:tgtEl>
+                                          <p:spTgt spid="124">
+                                            <p:txEl>
+                                              <p:pRg st="494" end="494"/>
+                                            </p:txEl>
+                                          </p:spTgt>
+                                        </p:tgtEl>
+                                        <p:attrNameLst>
+                                          <p:attrName>style.visibility</p:attrName>
+                                        </p:attrNameLst>
+                                      </p:cBhvr>
+                                      <p:to>
+                                        <p:strVal val="visible"/>
+                                      </p:to>
+                                    </p:set>
+                                    <p:anim calcmode="lin" valueType="num">
+                                      <p:cBhvr additive="repl">
+                                        <p:cTn id="297" dur="500" fill="hold"/>
+                                        <p:tgtEl>
+                                          <p:spTgt spid="124">
+                                            <p:txEl>
+                                              <p:pRg st="494" end="494"/>
+                                            </p:txEl>
+                                          </p:spTgt>
+                                        </p:tgtEl>
+                                        <p:attrNameLst>
+                                          <p:attrName>ppt_x</p:attrName>
+                                        </p:attrNameLst>
+                                      </p:cBhvr>
+                                      <p:tavLst>
+                                        <p:tav tm="0">
+                                          <p:val>
+                                            <p:strVal val="#ppt_x"/>
+                                          </p:val>
+                                        </p:tav>
+                                        <p:tav tm="100000">
+                                          <p:val>
+                                            <p:strVal val="#ppt_x"/>
+                                          </p:val>
+                                        </p:tav>
+                                      </p:tavLst>
+                                    </p:anim>
+                                    <p:anim calcmode="lin" valueType="num">
+                                      <p:cBhvr additive="repl">
+                                        <p:cTn id="298" dur="500" fill="hold"/>
+                                        <p:tgtEl>
+                                          <p:spTgt spid="124">
+                                            <p:txEl>
+                                              <p:pRg st="494" end="494"/>
+                                            </p:txEl>
+                                          </p:spTgt>
+                                        </p:tgtEl>
+                                        <p:attrNameLst>
+                                          <p:attrName>ppt_y</p:attrName>
+                                        </p:attrNameLst>
+                                      </p:cBhvr>
+                                      <p:tavLst>
+                                        <p:tav tm="0">
+                                          <p:val>
+                                            <p:strVal val="1+#ppt_h/2"/>
+                                          </p:val>
+                                        </p:tav>
+                                        <p:tav tm="100000">
+                                          <p:val>
+                                            <p:strVal val="#ppt_y"/>
+                                          </p:val>
+                                        </p:tav>
+                                      </p:tavLst>
+                                    </p:anim>
+                                  </p:childTnLst>
+                                </p:cTn>
+                              </p:par>
+                            </p:childTnLst>
+                          </p:cTn>
+                        </p:par>
+                      </p:childTnLst>
+                    </p:cTn>
+                  </p:par>
+                  <p:par>
+                    <p:cTn id="299" fill="freeze">
+                      <p:stCondLst>
+                        <p:cond delay="indefinite"/>
+                      </p:stCondLst>
+                      <p:childTnLst>
+                        <p:par>
+                          <p:cTn id="300" fill="freeze">
+                            <p:stCondLst>
+                              <p:cond delay="0"/>
+                            </p:stCondLst>
+                            <p:childTnLst>
+                              <p:par>
+                                <p:cTn id="301" nodeType="clickEffect" fill="hold" presetClass="entr" presetID="2" presetSubtype="4">
+                                  <p:stCondLst>
+                                    <p:cond delay="0"/>
+                                  </p:stCondLst>
+                                  <p:childTnLst>
+                                    <p:set>
+                                      <p:cBhvr>
+                                        <p:cTn id="302" dur="1" fill="hold">
+                                          <p:stCondLst>
+                                            <p:cond delay="0"/>
+                                          </p:stCondLst>
+                                        </p:cTn>
+                                        <p:tgtEl>
+                                          <p:spTgt spid="124">
+                                            <p:txEl>
+                                              <p:pRg st="494" end="494"/>
+                                            </p:txEl>
+                                          </p:spTgt>
+                                        </p:tgtEl>
+                                        <p:attrNameLst>
+                                          <p:attrName>style.visibility</p:attrName>
+                                        </p:attrNameLst>
+                                      </p:cBhvr>
+                                      <p:to>
+                                        <p:strVal val="visible"/>
+                                      </p:to>
+                                    </p:set>
+                                    <p:anim calcmode="lin" valueType="num">
+                                      <p:cBhvr additive="repl">
+                                        <p:cTn id="303" dur="500" fill="hold"/>
+                                        <p:tgtEl>
+                                          <p:spTgt spid="124">
+                                            <p:txEl>
+                                              <p:pRg st="494" end="494"/>
+                                            </p:txEl>
+                                          </p:spTgt>
+                                        </p:tgtEl>
+                                        <p:attrNameLst>
+                                          <p:attrName>ppt_x</p:attrName>
+                                        </p:attrNameLst>
+                                      </p:cBhvr>
+                                      <p:tavLst>
+                                        <p:tav tm="0">
+                                          <p:val>
+                                            <p:strVal val="#ppt_x"/>
+                                          </p:val>
+                                        </p:tav>
+                                        <p:tav tm="100000">
+                                          <p:val>
+                                            <p:strVal val="#ppt_x"/>
+                                          </p:val>
+                                        </p:tav>
+                                      </p:tavLst>
+                                    </p:anim>
+                                    <p:anim calcmode="lin" valueType="num">
+                                      <p:cBhvr additive="repl">
+                                        <p:cTn id="304" dur="500" fill="hold"/>
+                                        <p:tgtEl>
+                                          <p:spTgt spid="124">
+                                            <p:txEl>
+                                              <p:pRg st="494" end="494"/>
+                                            </p:txEl>
+                                          </p:spTgt>
+                                        </p:tgtEl>
+                                        <p:attrNameLst>
+                                          <p:attrName>ppt_y</p:attrName>
+                                        </p:attrNameLst>
+                                      </p:cBhvr>
+                                      <p:tavLst>
+                                        <p:tav tm="0">
+                                          <p:val>
+                                            <p:strVal val="1+#ppt_h/2"/>
+                                          </p:val>
+                                        </p:tav>
+                                        <p:tav tm="100000">
+                                          <p:val>
+                                            <p:strVal val="#ppt_y"/>
+                                          </p:val>
+                                        </p:tav>
+                                      </p:tavLst>
+                                    </p:anim>
+                                  </p:childTnLst>
+                                </p:cTn>
+                              </p:par>
+                            </p:childTnLst>
+                          </p:cTn>
+                        </p:par>
+                      </p:childTnLst>
+                    </p:cTn>
+                  </p:par>
+                  <p:par>
+                    <p:cTn id="305" fill="freeze">
+                      <p:stCondLst>
+                        <p:cond delay="indefinite"/>
+                      </p:stCondLst>
+                      <p:childTnLst>
+                        <p:par>
+                          <p:cTn id="306" fill="freeze">
+                            <p:stCondLst>
+                              <p:cond delay="0"/>
+                            </p:stCondLst>
+                            <p:childTnLst>
+                              <p:par>
+                                <p:cTn id="307" nodeType="clickEffect" fill="hold" presetClass="entr" presetID="2" presetSubtype="4">
+                                  <p:stCondLst>
+                                    <p:cond delay="0"/>
+                                  </p:stCondLst>
+                                  <p:childTnLst>
+                                    <p:set>
+                                      <p:cBhvr>
+                                        <p:cTn id="308" dur="1" fill="hold">
+                                          <p:stCondLst>
+                                            <p:cond delay="0"/>
+                                          </p:stCondLst>
+                                        </p:cTn>
+                                        <p:tgtEl>
+                                          <p:spTgt spid="124">
+                                            <p:txEl>
+                                              <p:pRg st="494" end="494"/>
+                                            </p:txEl>
+                                          </p:spTgt>
+                                        </p:tgtEl>
+                                        <p:attrNameLst>
+                                          <p:attrName>style.visibility</p:attrName>
+                                        </p:attrNameLst>
+                                      </p:cBhvr>
+                                      <p:to>
+                                        <p:strVal val="visible"/>
+                                      </p:to>
+                                    </p:set>
+                                    <p:anim calcmode="lin" valueType="num">
+                                      <p:cBhvr additive="repl">
+                                        <p:cTn id="309" dur="500" fill="hold"/>
+                                        <p:tgtEl>
+                                          <p:spTgt spid="124">
+                                            <p:txEl>
+                                              <p:pRg st="494" end="494"/>
+                                            </p:txEl>
+                                          </p:spTgt>
+                                        </p:tgtEl>
+                                        <p:attrNameLst>
+                                          <p:attrName>ppt_x</p:attrName>
+                                        </p:attrNameLst>
+                                      </p:cBhvr>
+                                      <p:tavLst>
+                                        <p:tav tm="0">
+                                          <p:val>
+                                            <p:strVal val="#ppt_x"/>
+                                          </p:val>
+                                        </p:tav>
+                                        <p:tav tm="100000">
+                                          <p:val>
+                                            <p:strVal val="#ppt_x"/>
+                                          </p:val>
+                                        </p:tav>
+                                      </p:tavLst>
+                                    </p:anim>
+                                    <p:anim calcmode="lin" valueType="num">
+                                      <p:cBhvr additive="repl">
+                                        <p:cTn id="310" dur="500" fill="hold"/>
+                                        <p:tgtEl>
+                                          <p:spTgt spid="124">
+                                            <p:txEl>
+                                              <p:pRg st="494" end="494"/>
                                             </p:txEl>
                                           </p:spTgt>
                                         </p:tgtEl>
@@ -9041,14 +6389,14 @@
       </p:grpSpPr>
       <p:sp>
         <p:nvSpPr>
-          <p:cNvPr id="207" name="CustomShape 1"/>
+          <p:cNvPr id="125" name="CustomShape 1"/>
           <p:cNvSpPr/>
           <p:nvPr/>
         </p:nvSpPr>
         <p:spPr>
           <a:xfrm rot="21595200">
             <a:off x="3303720" y="195120"/>
-            <a:ext cx="2536200" cy="699120"/>
+            <a:ext cx="2535840" cy="698760"/>
           </a:xfrm>
           <a:prstGeom prst="rect">
             <a:avLst/>
@@ -9093,14 +6441,14 @@
       </p:sp>
       <p:sp>
         <p:nvSpPr>
-          <p:cNvPr id="208" name="CustomShape 2"/>
+          <p:cNvPr id="126" name="CustomShape 2"/>
           <p:cNvSpPr/>
           <p:nvPr/>
         </p:nvSpPr>
         <p:spPr>
           <a:xfrm>
-            <a:off x="1463040" y="3017520"/>
-            <a:ext cx="6217920" cy="516240"/>
+            <a:off x="3772080" y="3017520"/>
+            <a:ext cx="1599840" cy="515880"/>
           </a:xfrm>
           <a:prstGeom prst="rect">
             <a:avLst/>
@@ -9137,7 +6485,7 @@
                 <a:latin typeface="Bebas Neue"/>
                 <a:ea typeface="Raleway"/>
               </a:rPr>
-              <a:t>Azure Ethereum Quickstart / Geth</a:t>
+              <a:t>Mix IDE</a:t>
             </a:r>
             <a:endParaRPr/>
           </a:p>
@@ -9145,14 +6493,14 @@
       </p:sp>
       <p:sp>
         <p:nvSpPr>
-          <p:cNvPr id="209" name="CustomShape 3"/>
+          <p:cNvPr id="127" name="CustomShape 3"/>
           <p:cNvSpPr/>
           <p:nvPr/>
         </p:nvSpPr>
         <p:spPr>
           <a:xfrm>
             <a:off x="323640" y="2551680"/>
-            <a:ext cx="3959280" cy="2859480"/>
+            <a:ext cx="3958920" cy="2859120"/>
           </a:xfrm>
           <a:prstGeom prst="rect">
             <a:avLst/>
@@ -9169,98 +6517,46 @@
           <a:fontRef idx="minor"/>
         </p:style>
       </p:sp>
-      <p:sp>
-        <p:nvSpPr>
-          <p:cNvPr id="210" name="CustomShape 4"/>
-          <p:cNvSpPr/>
-          <p:nvPr/>
-        </p:nvSpPr>
-        <p:spPr>
-          <a:xfrm>
-            <a:off x="502920" y="3657600"/>
-            <a:ext cx="8138160" cy="516240"/>
-          </a:xfrm>
-          <a:prstGeom prst="rect">
-            <a:avLst/>
-          </a:prstGeom>
-          <a:noFill/>
-          <a:ln>
-            <a:noFill/>
-          </a:ln>
-        </p:spPr>
-        <p:style>
-          <a:lnRef idx="0"/>
-          <a:fillRef idx="0"/>
-          <a:effectRef idx="0"/>
-          <a:fontRef idx="minor"/>
-        </p:style>
-        <p:txBody>
-          <a:bodyPr lIns="90000" rIns="90000" tIns="45000" bIns="45000"/>
-          <a:p>
-            <a:pPr>
-              <a:lnSpc>
-                <a:spcPct val="100000"/>
-              </a:lnSpc>
-            </a:pPr>
-            <a:r>
-              <a:rPr lang="en-US" sz="1400" spc="-1" strike="noStrike">
-                <a:solidFill>
-                  <a:srgbClr val="595959"/>
-                </a:solidFill>
-                <a:uFill>
-                  <a:solidFill>
-                    <a:srgbClr val="ffffff"/>
-                  </a:solidFill>
-                </a:uFill>
-                <a:latin typeface="Bebas Neue"/>
-                <a:ea typeface="Raleway"/>
-              </a:rPr>
-              <a:t>https://github.com/Azure/azure-quickstart-templates/tree/master/go-ethereum-on-ubuntu</a:t>
-            </a:r>
-            <a:endParaRPr/>
-          </a:p>
-        </p:txBody>
-      </p:sp>
     </p:spTree>
   </p:cSld>
   <p:transition spd="slow">
-    <p:push dir="d"/>
+    <p:push dir="u"/>
   </p:transition>
   <p:timing>
     <p:tnLst>
       <p:par>
-        <p:cTn id="292" dur="indefinite" restart="never" nodeType="tmRoot">
+        <p:cTn id="311" dur="indefinite" restart="never" nodeType="tmRoot">
           <p:childTnLst>
             <p:seq>
-              <p:cTn id="293" nodeType="mainSeq">
+              <p:cTn id="312" nodeType="mainSeq">
                 <p:childTnLst>
                   <p:par>
-                    <p:cTn id="294" fill="freeze">
+                    <p:cTn id="313" fill="freeze">
                       <p:stCondLst>
                         <p:cond delay="0"/>
                       </p:stCondLst>
                       <p:childTnLst>
                         <p:par>
-                          <p:cTn id="295" fill="freeze">
+                          <p:cTn id="314" fill="freeze">
                             <p:stCondLst>
                               <p:cond delay="0"/>
                             </p:stCondLst>
                             <p:childTnLst>
                               <p:par>
-                                <p:cTn id="296" nodeType="withEffect" fill="hold" presetClass="entr" presetID="2" presetSubtype="8">
+                                <p:cTn id="315" nodeType="withEffect" fill="hold" presetClass="entr" presetID="2" presetSubtype="8">
                                   <p:stCondLst>
                                     <p:cond delay="0"/>
                                   </p:stCondLst>
                                   <p:childTnLst>
                                     <p:set>
                                       <p:cBhvr>
-                                        <p:cTn id="297" dur="1" fill="hold">
+                                        <p:cTn id="316" dur="1" fill="hold">
                                           <p:stCondLst>
                                             <p:cond delay="0"/>
                                           </p:stCondLst>
                                         </p:cTn>
                                         <p:tgtEl>
-                                          <p:spTgt spid="208"/>
+                                          <p:spTgt spid="126"/>
                                         </p:tgtEl>
                                         <p:attrNameLst>
                                           <p:attrName>style.visibility</p:attrName>
@@ -9272,9 +6568,9 @@
                                     </p:set>
                                     <p:anim calcmode="lin" valueType="num">
                                       <p:cBhvr additive="repl">
-                                        <p:cTn id="298" dur="500" fill="hold"/>
-                                        <p:tgtEl>
-                                          <p:spTgt spid="208"/>
+                                        <p:cTn id="317" dur="500" fill="hold"/>
+                                        <p:tgtEl>
+                                          <p:spTgt spid="126"/>
                                         </p:tgtEl>
                                         <p:attrNameLst>
                                           <p:attrName>ppt_x</p:attrName>
@@ -9295,9 +6591,9 @@
                                     </p:anim>
                                     <p:anim calcmode="lin" valueType="num">
                                       <p:cBhvr additive="repl">
-                                        <p:cTn id="299" dur="500" fill="hold"/>
-                                        <p:tgtEl>
-                                          <p:spTgt spid="208"/>
+                                        <p:cTn id="318" dur="500" fill="hold"/>
+                                        <p:tgtEl>
+                                          <p:spTgt spid="126"/>
                                         </p:tgtEl>
                                         <p:attrNameLst>
                                           <p:attrName>ppt_y</p:attrName>
@@ -9323,26 +6619,26 @@
                           </p:cTn>
                         </p:par>
                         <p:par>
-                          <p:cTn id="300" fill="freeze">
+                          <p:cTn id="319" fill="freeze">
                             <p:stCondLst>
                               <p:cond delay="500"/>
                             </p:stCondLst>
                             <p:childTnLst>
                               <p:par>
-                                <p:cTn id="301" nodeType="afterEffect" fill="hold" presetClass="entr" presetID="2" presetSubtype="4">
+                                <p:cTn id="320" nodeType="afterEffect" fill="hold" presetClass="entr" presetID="2" presetSubtype="4">
                                   <p:stCondLst>
                                     <p:cond delay="0"/>
                                   </p:stCondLst>
                                   <p:childTnLst>
                                     <p:set>
                                       <p:cBhvr>
-                                        <p:cTn id="302" dur="1" fill="hold">
+                                        <p:cTn id="321" dur="1" fill="hold">
                                           <p:stCondLst>
                                             <p:cond delay="0"/>
                                           </p:stCondLst>
                                         </p:cTn>
                                         <p:tgtEl>
-                                          <p:spTgt spid="209">
+                                          <p:spTgt spid="127">
                                             <p:txEl>
                                               <p:pRg st="0" end="1"/>
                                             </p:txEl>
@@ -9358,9 +6654,9 @@
                                     </p:set>
                                     <p:anim calcmode="lin" valueType="num">
                                       <p:cBhvr additive="repl">
-                                        <p:cTn id="303" dur="500" fill="hold"/>
-                                        <p:tgtEl>
-                                          <p:spTgt spid="209">
+                                        <p:cTn id="322" dur="500" fill="hold"/>
+                                        <p:tgtEl>
+                                          <p:spTgt spid="127">
                                             <p:txEl>
                                               <p:pRg st="0" end="1"/>
                                             </p:txEl>
@@ -9385,9 +6681,9 @@
                                     </p:anim>
                                     <p:anim calcmode="lin" valueType="num">
                                       <p:cBhvr additive="repl">
-                                        <p:cTn id="304" dur="500" fill="hold"/>
-                                        <p:tgtEl>
-                                          <p:spTgt spid="209">
+                                        <p:cTn id="323" dur="500" fill="hold"/>
+                                        <p:tgtEl>
+                                          <p:spTgt spid="127">
                                             <p:txEl>
                                               <p:pRg st="0" end="1"/>
                                             </p:txEl>
@@ -9447,6 +6743,428 @@
 <file path=ppt/slides/slide15.xml><?xml version="1.0" encoding="utf-8"?>
 <p:sld xmlns:a="http://schemas.openxmlformats.org/drawingml/2006/main" xmlns:p="http://schemas.openxmlformats.org/presentationml/2006/main" xmlns:r="http://schemas.openxmlformats.org/officeDocument/2006/relationships">
   <p:cSld>
+    <p:spTree>
+      <p:nvGrpSpPr>
+        <p:cNvPr id="1" name=""/>
+        <p:cNvGrpSpPr/>
+        <p:nvPr/>
+      </p:nvGrpSpPr>
+      <p:grpSpPr>
+        <a:xfrm>
+          <a:off x="0" y="0"/>
+          <a:ext cx="0" cy="0"/>
+          <a:chOff x="0" y="0"/>
+          <a:chExt cx="0" cy="0"/>
+        </a:xfrm>
+      </p:grpSpPr>
+      <p:sp>
+        <p:nvSpPr>
+          <p:cNvPr id="128" name="CustomShape 1"/>
+          <p:cNvSpPr/>
+          <p:nvPr/>
+        </p:nvSpPr>
+        <p:spPr>
+          <a:xfrm rot="21595200">
+            <a:off x="3303720" y="195120"/>
+            <a:ext cx="2535840" cy="698760"/>
+          </a:xfrm>
+          <a:prstGeom prst="rect">
+            <a:avLst/>
+          </a:prstGeom>
+          <a:noFill/>
+          <a:ln>
+            <a:noFill/>
+          </a:ln>
+        </p:spPr>
+        <p:style>
+          <a:lnRef idx="0"/>
+          <a:fillRef idx="0"/>
+          <a:effectRef idx="0"/>
+          <a:fontRef idx="minor"/>
+        </p:style>
+        <p:txBody>
+          <a:bodyPr lIns="90000" rIns="90000" tIns="45000" bIns="45000"/>
+          <a:p>
+            <a:pPr>
+              <a:lnSpc>
+                <a:spcPct val="100000"/>
+              </a:lnSpc>
+            </a:pPr>
+            <a:r>
+              <a:rPr lang="en-US" sz="6000" spc="-1" strike="noStrike">
+                <a:solidFill>
+                  <a:srgbClr val="00aedb"/>
+                </a:solidFill>
+                <a:uFill>
+                  <a:solidFill>
+                    <a:srgbClr val="ffffff"/>
+                  </a:solidFill>
+                </a:uFill>
+                <a:latin typeface="Bebas Neue"/>
+                <a:ea typeface="DejaVu Sans"/>
+              </a:rPr>
+              <a:t>DEMO</a:t>
+            </a:r>
+            <a:endParaRPr/>
+          </a:p>
+        </p:txBody>
+      </p:sp>
+      <p:sp>
+        <p:nvSpPr>
+          <p:cNvPr id="129" name="CustomShape 2"/>
+          <p:cNvSpPr/>
+          <p:nvPr/>
+        </p:nvSpPr>
+        <p:spPr>
+          <a:xfrm>
+            <a:off x="1463040" y="3017520"/>
+            <a:ext cx="6217560" cy="515880"/>
+          </a:xfrm>
+          <a:prstGeom prst="rect">
+            <a:avLst/>
+          </a:prstGeom>
+          <a:noFill/>
+          <a:ln>
+            <a:noFill/>
+          </a:ln>
+        </p:spPr>
+        <p:style>
+          <a:lnRef idx="0"/>
+          <a:fillRef idx="0"/>
+          <a:effectRef idx="0"/>
+          <a:fontRef idx="minor"/>
+        </p:style>
+        <p:txBody>
+          <a:bodyPr lIns="90000" rIns="90000" tIns="45000" bIns="45000"/>
+          <a:p>
+            <a:pPr>
+              <a:lnSpc>
+                <a:spcPct val="100000"/>
+              </a:lnSpc>
+            </a:pPr>
+            <a:r>
+              <a:rPr lang="en-US" sz="2800" spc="-1" strike="noStrike">
+                <a:solidFill>
+                  <a:srgbClr val="595959"/>
+                </a:solidFill>
+                <a:uFill>
+                  <a:solidFill>
+                    <a:srgbClr val="ffffff"/>
+                  </a:solidFill>
+                </a:uFill>
+                <a:latin typeface="Bebas Neue"/>
+                <a:ea typeface="Raleway"/>
+              </a:rPr>
+              <a:t>Azure Ethereum Quickstart / Geth</a:t>
+            </a:r>
+            <a:endParaRPr/>
+          </a:p>
+        </p:txBody>
+      </p:sp>
+      <p:sp>
+        <p:nvSpPr>
+          <p:cNvPr id="130" name="CustomShape 3"/>
+          <p:cNvSpPr/>
+          <p:nvPr/>
+        </p:nvSpPr>
+        <p:spPr>
+          <a:xfrm>
+            <a:off x="323640" y="2551680"/>
+            <a:ext cx="3958920" cy="2859120"/>
+          </a:xfrm>
+          <a:prstGeom prst="rect">
+            <a:avLst/>
+          </a:prstGeom>
+          <a:noFill/>
+          <a:ln>
+            <a:noFill/>
+          </a:ln>
+        </p:spPr>
+        <p:style>
+          <a:lnRef idx="0"/>
+          <a:fillRef idx="0"/>
+          <a:effectRef idx="0"/>
+          <a:fontRef idx="minor"/>
+        </p:style>
+      </p:sp>
+      <p:sp>
+        <p:nvSpPr>
+          <p:cNvPr id="131" name="CustomShape 4"/>
+          <p:cNvSpPr/>
+          <p:nvPr/>
+        </p:nvSpPr>
+        <p:spPr>
+          <a:xfrm>
+            <a:off x="502920" y="3657600"/>
+            <a:ext cx="8137800" cy="515880"/>
+          </a:xfrm>
+          <a:prstGeom prst="rect">
+            <a:avLst/>
+          </a:prstGeom>
+          <a:noFill/>
+          <a:ln>
+            <a:noFill/>
+          </a:ln>
+        </p:spPr>
+        <p:style>
+          <a:lnRef idx="0"/>
+          <a:fillRef idx="0"/>
+          <a:effectRef idx="0"/>
+          <a:fontRef idx="minor"/>
+        </p:style>
+        <p:txBody>
+          <a:bodyPr lIns="90000" rIns="90000" tIns="45000" bIns="45000"/>
+          <a:p>
+            <a:pPr>
+              <a:lnSpc>
+                <a:spcPct val="100000"/>
+              </a:lnSpc>
+            </a:pPr>
+            <a:r>
+              <a:rPr lang="en-US" sz="1400" spc="-1" strike="noStrike">
+                <a:solidFill>
+                  <a:srgbClr val="595959"/>
+                </a:solidFill>
+                <a:uFill>
+                  <a:solidFill>
+                    <a:srgbClr val="ffffff"/>
+                  </a:solidFill>
+                </a:uFill>
+                <a:latin typeface="Bebas Neue"/>
+                <a:ea typeface="Raleway"/>
+              </a:rPr>
+              <a:t>https://github.com/Azure/azure-quickstart-templates/tree/master/go-ethereum-on-ubuntu</a:t>
+            </a:r>
+            <a:endParaRPr/>
+          </a:p>
+        </p:txBody>
+      </p:sp>
+    </p:spTree>
+  </p:cSld>
+  <p:transition spd="slow">
+    <p:push dir="u"/>
+  </p:transition>
+  <p:timing>
+    <p:tnLst>
+      <p:par>
+        <p:cTn id="324" dur="indefinite" restart="never" nodeType="tmRoot">
+          <p:childTnLst>
+            <p:seq>
+              <p:cTn id="325" nodeType="mainSeq">
+                <p:childTnLst>
+                  <p:par>
+                    <p:cTn id="326" fill="freeze">
+                      <p:stCondLst>
+                        <p:cond delay="0"/>
+                      </p:stCondLst>
+                      <p:childTnLst>
+                        <p:par>
+                          <p:cTn id="327" fill="freeze">
+                            <p:stCondLst>
+                              <p:cond delay="0"/>
+                            </p:stCondLst>
+                            <p:childTnLst>
+                              <p:par>
+                                <p:cTn id="328" nodeType="withEffect" fill="hold" presetClass="entr" presetID="2" presetSubtype="8">
+                                  <p:stCondLst>
+                                    <p:cond delay="0"/>
+                                  </p:stCondLst>
+                                  <p:childTnLst>
+                                    <p:set>
+                                      <p:cBhvr>
+                                        <p:cTn id="329" dur="1" fill="hold">
+                                          <p:stCondLst>
+                                            <p:cond delay="0"/>
+                                          </p:stCondLst>
+                                        </p:cTn>
+                                        <p:tgtEl>
+                                          <p:spTgt spid="129"/>
+                                        </p:tgtEl>
+                                        <p:attrNameLst>
+                                          <p:attrName>style.visibility</p:attrName>
+                                        </p:attrNameLst>
+                                      </p:cBhvr>
+                                      <p:to>
+                                        <p:strVal val="visible"/>
+                                      </p:to>
+                                    </p:set>
+                                    <p:anim calcmode="lin" valueType="num">
+                                      <p:cBhvr additive="repl">
+                                        <p:cTn id="330" dur="500" fill="hold"/>
+                                        <p:tgtEl>
+                                          <p:spTgt spid="129"/>
+                                        </p:tgtEl>
+                                        <p:attrNameLst>
+                                          <p:attrName>ppt_x</p:attrName>
+                                        </p:attrNameLst>
+                                      </p:cBhvr>
+                                      <p:tavLst>
+                                        <p:tav tm="0">
+                                          <p:val>
+                                            <p:strVal val="0-#ppt_w/2"/>
+                                          </p:val>
+                                        </p:tav>
+                                        <p:tav tm="100000">
+                                          <p:val>
+                                            <p:strVal val="#ppt_x"/>
+                                          </p:val>
+                                        </p:tav>
+                                      </p:tavLst>
+                                    </p:anim>
+                                    <p:anim calcmode="lin" valueType="num">
+                                      <p:cBhvr additive="repl">
+                                        <p:cTn id="331" dur="500" fill="hold"/>
+                                        <p:tgtEl>
+                                          <p:spTgt spid="129"/>
+                                        </p:tgtEl>
+                                        <p:attrNameLst>
+                                          <p:attrName>ppt_y</p:attrName>
+                                        </p:attrNameLst>
+                                      </p:cBhvr>
+                                      <p:tavLst>
+                                        <p:tav tm="0">
+                                          <p:val>
+                                            <p:strVal val="#ppt_y"/>
+                                          </p:val>
+                                        </p:tav>
+                                        <p:tav tm="100000">
+                                          <p:val>
+                                            <p:strVal val="#ppt_y"/>
+                                          </p:val>
+                                        </p:tav>
+                                      </p:tavLst>
+                                    </p:anim>
+                                  </p:childTnLst>
+                                </p:cTn>
+                              </p:par>
+                            </p:childTnLst>
+                          </p:cTn>
+                        </p:par>
+                        <p:par>
+                          <p:cTn id="332" fill="freeze">
+                            <p:stCondLst>
+                              <p:cond delay="500"/>
+                            </p:stCondLst>
+                            <p:childTnLst>
+                              <p:par>
+                                <p:cTn id="333" nodeType="afterEffect" fill="hold" presetClass="entr" presetID="2" presetSubtype="4">
+                                  <p:stCondLst>
+                                    <p:cond delay="0"/>
+                                  </p:stCondLst>
+                                  <p:childTnLst>
+                                    <p:set>
+                                      <p:cBhvr>
+                                        <p:cTn id="334" dur="1" fill="hold">
+                                          <p:stCondLst>
+                                            <p:cond delay="0"/>
+                                          </p:stCondLst>
+                                        </p:cTn>
+                                        <p:tgtEl>
+                                          <p:spTgt spid="130">
+                                            <p:txEl>
+                                              <p:pRg st="0" end="1"/>
+                                            </p:txEl>
+                                          </p:spTgt>
+                                        </p:tgtEl>
+                                        <p:attrNameLst>
+                                          <p:attrName>style.visibility</p:attrName>
+                                        </p:attrNameLst>
+                                      </p:cBhvr>
+                                      <p:to>
+                                        <p:strVal val="visible"/>
+                                      </p:to>
+                                    </p:set>
+                                    <p:anim calcmode="lin" valueType="num">
+                                      <p:cBhvr additive="repl">
+                                        <p:cTn id="335" dur="500" fill="hold"/>
+                                        <p:tgtEl>
+                                          <p:spTgt spid="130">
+                                            <p:txEl>
+                                              <p:pRg st="0" end="1"/>
+                                            </p:txEl>
+                                          </p:spTgt>
+                                        </p:tgtEl>
+                                        <p:attrNameLst>
+                                          <p:attrName>ppt_x</p:attrName>
+                                        </p:attrNameLst>
+                                      </p:cBhvr>
+                                      <p:tavLst>
+                                        <p:tav tm="0">
+                                          <p:val>
+                                            <p:strVal val="#ppt_x"/>
+                                          </p:val>
+                                        </p:tav>
+                                        <p:tav tm="100000">
+                                          <p:val>
+                                            <p:strVal val="#ppt_x"/>
+                                          </p:val>
+                                        </p:tav>
+                                      </p:tavLst>
+                                    </p:anim>
+                                    <p:anim calcmode="lin" valueType="num">
+                                      <p:cBhvr additive="repl">
+                                        <p:cTn id="336" dur="500" fill="hold"/>
+                                        <p:tgtEl>
+                                          <p:spTgt spid="130">
+                                            <p:txEl>
+                                              <p:pRg st="0" end="1"/>
+                                            </p:txEl>
+                                          </p:spTgt>
+                                        </p:tgtEl>
+                                        <p:attrNameLst>
+                                          <p:attrName>ppt_y</p:attrName>
+                                        </p:attrNameLst>
+                                      </p:cBhvr>
+                                      <p:tavLst>
+                                        <p:tav tm="0">
+                                          <p:val>
+                                            <p:strVal val="1+#ppt_h/2"/>
+                                          </p:val>
+                                        </p:tav>
+                                        <p:tav tm="100000">
+                                          <p:val>
+                                            <p:strVal val="#ppt_y"/>
+                                          </p:val>
+                                        </p:tav>
+                                      </p:tavLst>
+                                    </p:anim>
+                                  </p:childTnLst>
+                                </p:cTn>
+                              </p:par>
+                            </p:childTnLst>
+                          </p:cTn>
+                        </p:par>
+                      </p:childTnLst>
+                    </p:cTn>
+                  </p:par>
+                </p:childTnLst>
+              </p:cTn>
+              <p:prevCondLst>
+                <p:cond delay="0" evt="onPrev">
+                  <p:tgtEl>
+                    <p:sldTgt/>
+                  </p:tgtEl>
+                </p:cond>
+              </p:prevCondLst>
+              <p:nextCondLst>
+                <p:cond delay="0" evt="onNext">
+                  <p:tgtEl>
+                    <p:sldTgt/>
+                  </p:tgtEl>
+                </p:cond>
+              </p:nextCondLst>
+            </p:seq>
+          </p:childTnLst>
+        </p:cTn>
+      </p:par>
+    </p:tnLst>
+  </p:timing>
+</p:sld>
+</file>
+
+<file path=ppt/slides/slide16.xml><?xml version="1.0" encoding="utf-8"?>
+<p:sld xmlns:a="http://schemas.openxmlformats.org/drawingml/2006/main" xmlns:p="http://schemas.openxmlformats.org/presentationml/2006/main" xmlns:r="http://schemas.openxmlformats.org/officeDocument/2006/relationships">
+  <p:cSld>
     <p:bg>
       <p:bgPr>
         <a:solidFill>
@@ -9470,7 +7188,7 @@
       </p:grpSpPr>
       <p:pic>
         <p:nvPicPr>
-          <p:cNvPr id="211" name="Picture 4" descr=""/>
+          <p:cNvPr id="132" name="Picture 4" descr=""/>
           <p:cNvPicPr/>
           <p:nvPr/>
         </p:nvPicPr>
@@ -9482,7 +7200,7 @@
         <p:spPr>
           <a:xfrm>
             <a:off x="251640" y="4203000"/>
-            <a:ext cx="8640000" cy="2321280"/>
+            <a:ext cx="8639640" cy="2320920"/>
           </a:xfrm>
           <a:prstGeom prst="rect">
             <a:avLst/>
@@ -9494,14 +7212,14 @@
       </p:pic>
       <p:sp>
         <p:nvSpPr>
-          <p:cNvPr id="212" name="CustomShape 1"/>
+          <p:cNvPr id="133" name="CustomShape 1"/>
           <p:cNvSpPr/>
           <p:nvPr/>
         </p:nvSpPr>
         <p:spPr>
           <a:xfrm>
             <a:off x="302400" y="1772640"/>
-            <a:ext cx="307440" cy="307440"/>
+            <a:ext cx="307080" cy="307080"/>
           </a:xfrm>
           <a:prstGeom prst="ellipse">
             <a:avLst/>
@@ -9540,7 +7258,7 @@
       </p:sp>
       <p:pic>
         <p:nvPicPr>
-          <p:cNvPr id="213" name="Picture 6" descr=""/>
+          <p:cNvPr id="134" name="Picture 6" descr=""/>
           <p:cNvPicPr/>
           <p:nvPr/>
         </p:nvPicPr>
@@ -9551,7 +7269,7 @@
         <p:spPr>
           <a:xfrm>
             <a:off x="340920" y="1811880"/>
-            <a:ext cx="230400" cy="230400"/>
+            <a:ext cx="230040" cy="230040"/>
           </a:xfrm>
           <a:prstGeom prst="rect">
             <a:avLst/>
@@ -9563,14 +7281,14 @@
       </p:pic>
       <p:sp>
         <p:nvSpPr>
-          <p:cNvPr id="214" name="CustomShape 2"/>
+          <p:cNvPr id="135" name="CustomShape 2"/>
           <p:cNvSpPr/>
           <p:nvPr/>
         </p:nvSpPr>
         <p:spPr>
           <a:xfrm>
             <a:off x="755640" y="1798560"/>
-            <a:ext cx="2355120" cy="1154520"/>
+            <a:ext cx="2354760" cy="1154160"/>
           </a:xfrm>
           <a:prstGeom prst="rect">
             <a:avLst/>
@@ -9684,14 +7402,14 @@
       </p:sp>
       <p:sp>
         <p:nvSpPr>
-          <p:cNvPr id="215" name="CustomShape 3"/>
+          <p:cNvPr id="136" name="CustomShape 3"/>
           <p:cNvSpPr/>
           <p:nvPr/>
         </p:nvSpPr>
         <p:spPr>
           <a:xfrm>
             <a:off x="756720" y="2980080"/>
-            <a:ext cx="2159280" cy="1154520"/>
+            <a:ext cx="2158920" cy="1154160"/>
           </a:xfrm>
           <a:prstGeom prst="rect">
             <a:avLst/>
@@ -9805,14 +7523,14 @@
       </p:sp>
       <p:sp>
         <p:nvSpPr>
-          <p:cNvPr id="216" name="CustomShape 4"/>
+          <p:cNvPr id="137" name="CustomShape 4"/>
           <p:cNvSpPr/>
           <p:nvPr/>
         </p:nvSpPr>
         <p:spPr>
           <a:xfrm>
             <a:off x="314280" y="2954160"/>
-            <a:ext cx="307440" cy="307440"/>
+            <a:ext cx="307080" cy="307080"/>
           </a:xfrm>
           <a:prstGeom prst="ellipse">
             <a:avLst/>
@@ -9851,7 +7569,7 @@
       </p:sp>
       <p:pic>
         <p:nvPicPr>
-          <p:cNvPr id="217" name="Picture 16" descr=""/>
+          <p:cNvPr id="138" name="Picture 16" descr=""/>
           <p:cNvPicPr/>
           <p:nvPr/>
         </p:nvPicPr>
@@ -9862,7 +7580,7 @@
         <p:spPr>
           <a:xfrm>
             <a:off x="352800" y="2993040"/>
-            <a:ext cx="230400" cy="230400"/>
+            <a:ext cx="230040" cy="230040"/>
           </a:xfrm>
           <a:prstGeom prst="rect">
             <a:avLst/>
@@ -9874,14 +7592,14 @@
       </p:pic>
       <p:sp>
         <p:nvSpPr>
-          <p:cNvPr id="218" name="CustomShape 5"/>
+          <p:cNvPr id="139" name="CustomShape 5"/>
           <p:cNvSpPr/>
           <p:nvPr/>
         </p:nvSpPr>
         <p:spPr>
           <a:xfrm>
             <a:off x="822960" y="4110840"/>
-            <a:ext cx="1987560" cy="1216440"/>
+            <a:ext cx="1987200" cy="1216080"/>
           </a:xfrm>
           <a:prstGeom prst="rect">
             <a:avLst/>
@@ -10003,14 +7721,14 @@
       </p:sp>
       <p:sp>
         <p:nvSpPr>
-          <p:cNvPr id="219" name="CustomShape 6"/>
+          <p:cNvPr id="140" name="CustomShape 6"/>
           <p:cNvSpPr/>
           <p:nvPr/>
         </p:nvSpPr>
         <p:spPr>
           <a:xfrm>
             <a:off x="353880" y="4084920"/>
-            <a:ext cx="307440" cy="307440"/>
+            <a:ext cx="307080" cy="307080"/>
           </a:xfrm>
           <a:prstGeom prst="ellipse">
             <a:avLst/>
@@ -10049,7 +7767,7 @@
       </p:sp>
       <p:pic>
         <p:nvPicPr>
-          <p:cNvPr id="220" name="Picture 18" descr=""/>
+          <p:cNvPr id="141" name="Picture 18" descr=""/>
           <p:cNvPicPr/>
           <p:nvPr/>
         </p:nvPicPr>
@@ -10060,7 +7778,7 @@
         <p:spPr>
           <a:xfrm>
             <a:off x="392400" y="4123800"/>
-            <a:ext cx="230400" cy="230400"/>
+            <a:ext cx="230040" cy="230040"/>
           </a:xfrm>
           <a:prstGeom prst="rect">
             <a:avLst/>
@@ -10072,14 +7790,14 @@
       </p:pic>
       <p:sp>
         <p:nvSpPr>
-          <p:cNvPr id="221" name="CustomShape 7"/>
+          <p:cNvPr id="142" name="CustomShape 7"/>
           <p:cNvSpPr/>
           <p:nvPr/>
         </p:nvSpPr>
         <p:spPr>
           <a:xfrm>
             <a:off x="4932000" y="2993040"/>
-            <a:ext cx="3743280" cy="820800"/>
+            <a:ext cx="3742920" cy="820440"/>
           </a:xfrm>
           <a:prstGeom prst="rect">
             <a:avLst/>
@@ -10124,7 +7842,7 @@
       </p:sp>
       <p:pic>
         <p:nvPicPr>
-          <p:cNvPr id="222" name="Picture 26" descr=""/>
+          <p:cNvPr id="143" name="Picture 26" descr=""/>
           <p:cNvPicPr/>
           <p:nvPr/>
         </p:nvPicPr>
@@ -10135,7 +7853,7 @@
         <p:spPr>
           <a:xfrm>
             <a:off x="251640" y="226440"/>
-            <a:ext cx="4473000" cy="1120320"/>
+            <a:ext cx="4472640" cy="1119960"/>
           </a:xfrm>
           <a:prstGeom prst="rect">
             <a:avLst/>
@@ -10148,43 +7866,43 @@
     </p:spTree>
   </p:cSld>
   <p:transition spd="slow">
-    <p:push dir="d"/>
+    <p:push dir="u"/>
   </p:transition>
   <p:timing>
     <p:tnLst>
       <p:par>
-        <p:cTn id="305" dur="indefinite" restart="never" nodeType="tmRoot">
+        <p:cTn id="337" dur="indefinite" restart="never" nodeType="tmRoot">
           <p:childTnLst>
             <p:seq>
-              <p:cTn id="306" dur="indefinite" nodeType="mainSeq">
+              <p:cTn id="338" dur="indefinite" nodeType="mainSeq">
                 <p:childTnLst>
                   <p:par>
-                    <p:cTn id="307" fill="hold">
+                    <p:cTn id="339" fill="hold">
                       <p:stCondLst>
                         <p:cond delay="0"/>
                       </p:stCondLst>
                       <p:childTnLst>
                         <p:par>
-                          <p:cTn id="308" fill="hold">
+                          <p:cTn id="340" fill="hold">
                             <p:stCondLst>
                               <p:cond delay="0"/>
                             </p:stCondLst>
                             <p:childTnLst>
                               <p:par>
-                                <p:cTn id="309" nodeType="withEffect" fill="hold" presetClass="entr" presetID="1">
+                                <p:cTn id="341" nodeType="withEffect" fill="hold" presetClass="entr" presetID="1">
                                   <p:stCondLst>
                                     <p:cond delay="0"/>
                                   </p:stCondLst>
                                   <p:childTnLst>
                                     <p:set>
                                       <p:cBhvr>
-                                        <p:cTn id="310" dur="1" fill="hold">
+                                        <p:cTn id="342" dur="1" fill="hold">
                                           <p:stCondLst>
                                             <p:cond delay="0"/>
                                           </p:stCondLst>
                                         </p:cTn>
                                         <p:tgtEl>
-                                          <p:spTgt spid="221"/>
+                                          <p:spTgt spid="142"/>
                                         </p:tgtEl>
                                         <p:attrNameLst>
                                           <p:attrName>style.visibility</p:attrName>
@@ -10198,20 +7916,20 @@
                                 </p:cTn>
                               </p:par>
                               <p:par>
-                                <p:cTn id="311" nodeType="withEffect" fill="hold" presetClass="entr" presetID="21" presetSubtype="1">
+                                <p:cTn id="343" nodeType="withEffect" fill="hold" presetClass="entr" presetID="21" presetSubtype="1">
                                   <p:stCondLst>
                                     <p:cond delay="0"/>
                                   </p:stCondLst>
                                   <p:childTnLst>
                                     <p:set>
                                       <p:cBhvr>
-                                        <p:cTn id="312" dur="1" fill="hold">
+                                        <p:cTn id="344" dur="1" fill="hold">
                                           <p:stCondLst>
                                             <p:cond delay="0"/>
                                           </p:stCondLst>
                                         </p:cTn>
                                         <p:tgtEl>
-                                          <p:spTgt spid="211"/>
+                                          <p:spTgt spid="132"/>
                                         </p:tgtEl>
                                         <p:attrNameLst>
                                           <p:attrName>style.visibility</p:attrName>
@@ -10223,9 +7941,9 @@
                                     </p:set>
                                     <p:animEffect filter="wheel(1)" transition="in">
                                       <p:cBhvr additive="repl">
-                                        <p:cTn id="313" dur="2000"/>
-                                        <p:tgtEl>
-                                          <p:spTgt spid="211"/>
+                                        <p:cTn id="345" dur="2000"/>
+                                        <p:tgtEl>
+                                          <p:spTgt spid="132"/>
                                         </p:tgtEl>
                                       </p:cBhvr>
                                     </p:animEffect>
@@ -10233,20 +7951,20 @@
                                 </p:cTn>
                               </p:par>
                               <p:par>
-                                <p:cTn id="314" nodeType="withEffect" fill="hold" presetClass="entr" presetID="22" presetSubtype="1">
+                                <p:cTn id="346" nodeType="withEffect" fill="hold" presetClass="entr" presetID="22" presetSubtype="1">
                                   <p:stCondLst>
                                     <p:cond delay="0"/>
                                   </p:stCondLst>
                                   <p:childTnLst>
                                     <p:set>
                                       <p:cBhvr>
-                                        <p:cTn id="315" dur="1" fill="hold">
+                                        <p:cTn id="347" dur="1" fill="hold">
                                           <p:stCondLst>
                                             <p:cond delay="0"/>
                                           </p:stCondLst>
                                         </p:cTn>
                                         <p:tgtEl>
-                                          <p:spTgt spid="222"/>
+                                          <p:spTgt spid="143"/>
                                         </p:tgtEl>
                                         <p:attrNameLst>
                                           <p:attrName>style.visibility</p:attrName>
@@ -10258,9 +7976,9 @@
                                     </p:set>
                                     <p:animEffect filter="wipe(up)" transition="in">
                                       <p:cBhvr additive="repl">
-                                        <p:cTn id="316" dur="500"/>
-                                        <p:tgtEl>
-                                          <p:spTgt spid="222"/>
+                                        <p:cTn id="348" dur="500"/>
+                                        <p:tgtEl>
+                                          <p:spTgt spid="143"/>
                                         </p:tgtEl>
                                       </p:cBhvr>
                                     </p:animEffect>
@@ -10271,20 +7989,20 @@
                           </p:cTn>
                         </p:par>
                         <p:par>
-                          <p:cTn id="317" fill="hold">
+                          <p:cTn id="349" fill="hold">
                             <p:stCondLst>
                               <p:cond delay="2000"/>
                             </p:stCondLst>
                             <p:childTnLst>
                               <p:par>
-                                <p:cTn id="318" nodeType="afterEffect" fill="hold" presetClass="entr" presetID="2" presetSubtype="4">
+                                <p:cTn id="350" nodeType="afterEffect" fill="hold" presetClass="entr" presetID="2" presetSubtype="4">
                                   <p:stCondLst>
                                     <p:cond delay="0"/>
                                   </p:stCondLst>
                                   <p:childTnLst>
                                     <p:set>
                                       <p:cBhvr>
-                                        <p:cTn id="319" dur="1" fill="hold">
+                                        <p:cTn id="351" dur="1" fill="hold">
                                           <p:stCondLst>
                                             <p:cond delay="0"/>
                                           </p:stCondLst>
@@ -10299,7 +8017,7 @@
                                     </p:set>
                                     <p:anim calcmode="lin" valueType="num">
                                       <p:cBhvr additive="repl">
-                                        <p:cTn id="320" dur="500" fill="hold"/>
+                                        <p:cTn id="352" dur="500" fill="hold"/>
                                         <p:attrNameLst>
                                           <p:attrName>ppt_x</p:attrName>
                                         </p:attrNameLst>
@@ -10319,7 +8037,7 @@
                                     </p:anim>
                                     <p:anim calcmode="lin" valueType="num">
                                       <p:cBhvr additive="repl">
-                                        <p:cTn id="321" dur="500" fill="hold"/>
+                                        <p:cTn id="353" dur="500" fill="hold"/>
                                         <p:attrNameLst>
                                           <p:attrName>ppt_y</p:attrName>
                                         </p:attrNameLst>
@@ -10344,20 +8062,20 @@
                           </p:cTn>
                         </p:par>
                         <p:par>
-                          <p:cTn id="322" fill="hold">
+                          <p:cTn id="354" fill="hold">
                             <p:stCondLst>
                               <p:cond delay="2500"/>
                             </p:stCondLst>
                             <p:childTnLst>
                               <p:par>
-                                <p:cTn id="323" nodeType="afterEffect" fill="hold" presetClass="entr" presetID="2" presetSubtype="4">
+                                <p:cTn id="355" nodeType="afterEffect" fill="hold" presetClass="entr" presetID="2" presetSubtype="4">
                                   <p:stCondLst>
                                     <p:cond delay="0"/>
                                   </p:stCondLst>
                                   <p:childTnLst>
                                     <p:set>
                                       <p:cBhvr>
-                                        <p:cTn id="324" dur="1" fill="hold">
+                                        <p:cTn id="356" dur="1" fill="hold">
                                           <p:stCondLst>
                                             <p:cond delay="0"/>
                                           </p:stCondLst>
@@ -10372,7 +8090,7 @@
                                     </p:set>
                                     <p:anim calcmode="lin" valueType="num">
                                       <p:cBhvr additive="repl">
-                                        <p:cTn id="325" dur="500" fill="hold"/>
+                                        <p:cTn id="357" dur="500" fill="hold"/>
                                         <p:attrNameLst>
                                           <p:attrName>ppt_x</p:attrName>
                                         </p:attrNameLst>
@@ -10392,7 +8110,7 @@
                                     </p:anim>
                                     <p:anim calcmode="lin" valueType="num">
                                       <p:cBhvr additive="repl">
-                                        <p:cTn id="326" dur="500" fill="hold"/>
+                                        <p:cTn id="358" dur="500" fill="hold"/>
                                         <p:attrNameLst>
                                           <p:attrName>ppt_y</p:attrName>
                                         </p:attrNameLst>
@@ -10417,20 +8135,20 @@
                           </p:cTn>
                         </p:par>
                         <p:par>
-                          <p:cTn id="327" fill="hold">
+                          <p:cTn id="359" fill="hold">
                             <p:stCondLst>
                               <p:cond delay="3000"/>
                             </p:stCondLst>
                             <p:childTnLst>
                               <p:par>
-                                <p:cTn id="328" nodeType="afterEffect" fill="hold" presetClass="entr" presetID="2" presetSubtype="4">
+                                <p:cTn id="360" nodeType="afterEffect" fill="hold" presetClass="entr" presetID="2" presetSubtype="4">
                                   <p:stCondLst>
                                     <p:cond delay="0"/>
                                   </p:stCondLst>
                                   <p:childTnLst>
                                     <p:set>
                                       <p:cBhvr>
-                                        <p:cTn id="329" dur="1" fill="hold">
+                                        <p:cTn id="361" dur="1" fill="hold">
                                           <p:stCondLst>
                                             <p:cond delay="0"/>
                                           </p:stCondLst>
@@ -10445,7 +8163,7 @@
                                     </p:set>
                                     <p:anim calcmode="lin" valueType="num">
                                       <p:cBhvr additive="repl">
-                                        <p:cTn id="330" dur="500" fill="hold"/>
+                                        <p:cTn id="362" dur="500" fill="hold"/>
                                         <p:attrNameLst>
                                           <p:attrName>ppt_x</p:attrName>
                                         </p:attrNameLst>
@@ -10465,7 +8183,7 @@
                                     </p:anim>
                                     <p:anim calcmode="lin" valueType="num">
                                       <p:cBhvr additive="repl">
-                                        <p:cTn id="331" dur="500" fill="hold"/>
+                                        <p:cTn id="363" dur="500" fill="hold"/>
                                         <p:attrNameLst>
                                           <p:attrName>ppt_y</p:attrName>
                                         </p:attrNameLst>
@@ -10536,7 +8254,7 @@
       </p:grpSpPr>
       <p:pic>
         <p:nvPicPr>
-          <p:cNvPr id="168" name="Picture 2" descr=""/>
+          <p:cNvPr id="86" name="Picture 2" descr=""/>
           <p:cNvPicPr/>
           <p:nvPr/>
         </p:nvPicPr>
@@ -10547,7 +8265,7 @@
         <p:spPr>
           <a:xfrm>
             <a:off x="5220000" y="4005000"/>
-            <a:ext cx="5683320" cy="2220480"/>
+            <a:ext cx="5682960" cy="2220120"/>
           </a:xfrm>
           <a:prstGeom prst="rect">
             <a:avLst/>
@@ -10559,14 +8277,14 @@
       </p:pic>
       <p:sp>
         <p:nvSpPr>
-          <p:cNvPr id="169" name="CustomShape 1"/>
+          <p:cNvPr id="87" name="CustomShape 1"/>
           <p:cNvSpPr/>
           <p:nvPr/>
         </p:nvSpPr>
         <p:spPr>
           <a:xfrm>
             <a:off x="285840" y="260640"/>
-            <a:ext cx="4319280" cy="1551240"/>
+            <a:ext cx="4318920" cy="1550880"/>
           </a:xfrm>
           <a:prstGeom prst="rect">
             <a:avLst/>
@@ -10611,14 +8329,14 @@
       </p:sp>
       <p:sp>
         <p:nvSpPr>
-          <p:cNvPr id="170" name="CustomShape 2"/>
+          <p:cNvPr id="88" name="CustomShape 2"/>
           <p:cNvSpPr/>
           <p:nvPr/>
         </p:nvSpPr>
         <p:spPr>
           <a:xfrm>
             <a:off x="323640" y="1857960"/>
-            <a:ext cx="8568000" cy="2220840"/>
+            <a:ext cx="8567640" cy="2220480"/>
           </a:xfrm>
           <a:prstGeom prst="rect">
             <a:avLst/>
@@ -10645,7 +8363,7 @@
             <a:endParaRPr/>
           </a:p>
           <a:p>
-            <a:pPr marL="285840" indent="-284760">
+            <a:pPr marL="285840" indent="-284400">
               <a:lnSpc>
                 <a:spcPct val="150000"/>
               </a:lnSpc>
@@ -10671,7 +8389,7 @@
             <a:endParaRPr/>
           </a:p>
           <a:p>
-            <a:pPr marL="285840" indent="-284760">
+            <a:pPr marL="285840" indent="-284400">
               <a:lnSpc>
                 <a:spcPct val="150000"/>
               </a:lnSpc>
@@ -10697,7 +8415,7 @@
             <a:endParaRPr/>
           </a:p>
           <a:p>
-            <a:pPr marL="285840" indent="-284760">
+            <a:pPr marL="285840" indent="-284400">
               <a:lnSpc>
                 <a:spcPct val="150000"/>
               </a:lnSpc>
@@ -10723,7 +8441,7 @@
             <a:endParaRPr/>
           </a:p>
           <a:p>
-            <a:pPr marL="285840" indent="-284760">
+            <a:pPr marL="285840" indent="-284400">
               <a:lnSpc>
                 <a:spcPct val="150000"/>
               </a:lnSpc>
@@ -10753,7 +8471,7 @@
     </p:spTree>
   </p:cSld>
   <p:transition spd="slow">
-    <p:push dir="d"/>
+    <p:push dir="u"/>
   </p:transition>
   <p:timing>
     <p:tnLst>
@@ -10789,7 +8507,7 @@
                                           </p:stCondLst>
                                         </p:cTn>
                                         <p:tgtEl>
-                                          <p:spTgt spid="170">
+                                          <p:spTgt spid="88">
                                             <p:txEl>
                                               <p:pRg st="0" end="1"/>
                                             </p:txEl>
@@ -10807,7 +8525,7 @@
                                       <p:cBhvr additive="repl">
                                         <p:cTn id="15" dur="500" fill="hold"/>
                                         <p:tgtEl>
-                                          <p:spTgt spid="170">
+                                          <p:spTgt spid="88">
                                             <p:txEl>
                                               <p:pRg st="0" end="1"/>
                                             </p:txEl>
@@ -10834,7 +8552,7 @@
                                       <p:cBhvr additive="repl">
                                         <p:cTn id="16" dur="500" fill="hold"/>
                                         <p:tgtEl>
-                                          <p:spTgt spid="170">
+                                          <p:spTgt spid="88">
                                             <p:txEl>
                                               <p:pRg st="0" end="1"/>
                                             </p:txEl>
@@ -10892,7 +8610,7 @@
                                           </p:stCondLst>
                                         </p:cTn>
                                         <p:tgtEl>
-                                          <p:spTgt spid="170">
+                                          <p:spTgt spid="88">
                                             <p:txEl>
                                               <p:pRg st="236" end="236"/>
                                             </p:txEl>
@@ -10910,7 +8628,7 @@
                                       <p:cBhvr additive="repl">
                                         <p:cTn id="21" dur="500" fill="hold"/>
                                         <p:tgtEl>
-                                          <p:spTgt spid="170">
+                                          <p:spTgt spid="88">
                                             <p:txEl>
                                               <p:pRg st="236" end="236"/>
                                             </p:txEl>
@@ -10937,7 +8655,7 @@
                                       <p:cBhvr additive="repl">
                                         <p:cTn id="22" dur="500" fill="hold"/>
                                         <p:tgtEl>
-                                          <p:spTgt spid="170">
+                                          <p:spTgt spid="88">
                                             <p:txEl>
                                               <p:pRg st="236" end="236"/>
                                             </p:txEl>
@@ -10995,7 +8713,7 @@
                                           </p:stCondLst>
                                         </p:cTn>
                                         <p:tgtEl>
-                                          <p:spTgt spid="170">
+                                          <p:spTgt spid="88">
                                             <p:txEl>
                                               <p:pRg st="236" end="236"/>
                                             </p:txEl>
@@ -11013,7 +8731,7 @@
                                       <p:cBhvr additive="repl">
                                         <p:cTn id="27" dur="500" fill="hold"/>
                                         <p:tgtEl>
-                                          <p:spTgt spid="170">
+                                          <p:spTgt spid="88">
                                             <p:txEl>
                                               <p:pRg st="236" end="236"/>
                                             </p:txEl>
@@ -11040,7 +8758,7 @@
                                       <p:cBhvr additive="repl">
                                         <p:cTn id="28" dur="500" fill="hold"/>
                                         <p:tgtEl>
-                                          <p:spTgt spid="170">
+                                          <p:spTgt spid="88">
                                             <p:txEl>
                                               <p:pRg st="236" end="236"/>
                                             </p:txEl>
@@ -11098,7 +8816,7 @@
                                           </p:stCondLst>
                                         </p:cTn>
                                         <p:tgtEl>
-                                          <p:spTgt spid="170">
+                                          <p:spTgt spid="88">
                                             <p:txEl>
                                               <p:pRg st="236" end="236"/>
                                             </p:txEl>
@@ -11116,7 +8834,7 @@
                                       <p:cBhvr additive="repl">
                                         <p:cTn id="33" dur="500" fill="hold"/>
                                         <p:tgtEl>
-                                          <p:spTgt spid="170">
+                                          <p:spTgt spid="88">
                                             <p:txEl>
                                               <p:pRg st="236" end="236"/>
                                             </p:txEl>
@@ -11143,7 +8861,7 @@
                                       <p:cBhvr additive="repl">
                                         <p:cTn id="34" dur="500" fill="hold"/>
                                         <p:tgtEl>
-                                          <p:spTgt spid="170">
+                                          <p:spTgt spid="88">
                                             <p:txEl>
                                               <p:pRg st="236" end="236"/>
                                             </p:txEl>
@@ -11201,7 +8919,7 @@
                                           </p:stCondLst>
                                         </p:cTn>
                                         <p:tgtEl>
-                                          <p:spTgt spid="170">
+                                          <p:spTgt spid="88">
                                             <p:txEl>
                                               <p:pRg st="236" end="236"/>
                                             </p:txEl>
@@ -11219,7 +8937,7 @@
                                       <p:cBhvr additive="repl">
                                         <p:cTn id="39" dur="500" fill="hold"/>
                                         <p:tgtEl>
-                                          <p:spTgt spid="170">
+                                          <p:spTgt spid="88">
                                             <p:txEl>
                                               <p:pRg st="236" end="236"/>
                                             </p:txEl>
@@ -11246,7 +8964,7 @@
                                       <p:cBhvr additive="repl">
                                         <p:cTn id="40" dur="500" fill="hold"/>
                                         <p:tgtEl>
-                                          <p:spTgt spid="170">
+                                          <p:spTgt spid="88">
                                             <p:txEl>
                                               <p:pRg st="236" end="236"/>
                                             </p:txEl>
@@ -11322,14 +9040,14 @@
       </p:grpSpPr>
       <p:sp>
         <p:nvSpPr>
-          <p:cNvPr id="171" name="CustomShape 1"/>
+          <p:cNvPr id="89" name="CustomShape 1"/>
           <p:cNvSpPr/>
           <p:nvPr/>
         </p:nvSpPr>
         <p:spPr>
           <a:xfrm rot="21595200">
             <a:off x="1236600" y="192240"/>
-            <a:ext cx="6670800" cy="699120"/>
+            <a:ext cx="6670440" cy="698760"/>
           </a:xfrm>
           <a:prstGeom prst="rect">
             <a:avLst/>
@@ -11374,14 +9092,14 @@
       </p:sp>
       <p:sp>
         <p:nvSpPr>
-          <p:cNvPr id="172" name="CustomShape 2"/>
+          <p:cNvPr id="90" name="CustomShape 2"/>
           <p:cNvSpPr/>
           <p:nvPr/>
         </p:nvSpPr>
         <p:spPr>
           <a:xfrm>
             <a:off x="1645920" y="5244480"/>
-            <a:ext cx="5852160" cy="516240"/>
+            <a:ext cx="5851800" cy="515880"/>
           </a:xfrm>
           <a:prstGeom prst="rect">
             <a:avLst/>
@@ -11426,14 +9144,14 @@
       </p:sp>
       <p:sp>
         <p:nvSpPr>
-          <p:cNvPr id="173" name="CustomShape 3"/>
+          <p:cNvPr id="91" name="CustomShape 3"/>
           <p:cNvSpPr/>
           <p:nvPr/>
         </p:nvSpPr>
         <p:spPr>
           <a:xfrm>
             <a:off x="323640" y="2551680"/>
-            <a:ext cx="3959280" cy="2859480"/>
+            <a:ext cx="3958920" cy="2859120"/>
           </a:xfrm>
           <a:prstGeom prst="rect">
             <a:avLst/>
@@ -11452,7 +9170,7 @@
       </p:sp>
       <p:pic>
         <p:nvPicPr>
-          <p:cNvPr id="174" name="" descr=""/>
+          <p:cNvPr id="92" name="" descr=""/>
           <p:cNvPicPr/>
           <p:nvPr/>
         </p:nvPicPr>
@@ -11463,7 +9181,7 @@
         <p:spPr>
           <a:xfrm>
             <a:off x="2834640" y="1738080"/>
-            <a:ext cx="3199680" cy="3199680"/>
+            <a:ext cx="3199320" cy="3199320"/>
           </a:xfrm>
           <a:prstGeom prst="rect">
             <a:avLst/>
@@ -11476,7 +9194,7 @@
     </p:spTree>
   </p:cSld>
   <p:transition spd="slow">
-    <p:push dir="d"/>
+    <p:push dir="u"/>
   </p:transition>
   <p:timing>
     <p:tnLst>
@@ -11512,7 +9230,7 @@
                                           </p:stCondLst>
                                         </p:cTn>
                                         <p:tgtEl>
-                                          <p:spTgt spid="172"/>
+                                          <p:spTgt spid="90"/>
                                         </p:tgtEl>
                                         <p:attrNameLst>
                                           <p:attrName>style.visibility</p:attrName>
@@ -11526,7 +9244,7 @@
                                       <p:cBhvr additive="repl">
                                         <p:cTn id="47" dur="500" fill="hold"/>
                                         <p:tgtEl>
-                                          <p:spTgt spid="172"/>
+                                          <p:spTgt spid="90"/>
                                         </p:tgtEl>
                                         <p:attrNameLst>
                                           <p:attrName>ppt_x</p:attrName>
@@ -11549,7 +9267,7 @@
                                       <p:cBhvr additive="repl">
                                         <p:cTn id="48" dur="500" fill="hold"/>
                                         <p:tgtEl>
-                                          <p:spTgt spid="172"/>
+                                          <p:spTgt spid="90"/>
                                         </p:tgtEl>
                                         <p:attrNameLst>
                                           <p:attrName>ppt_y</p:attrName>
@@ -11594,7 +9312,7 @@
                                           </p:stCondLst>
                                         </p:cTn>
                                         <p:tgtEl>
-                                          <p:spTgt spid="173">
+                                          <p:spTgt spid="91">
                                             <p:txEl>
                                               <p:pRg st="0" end="1"/>
                                             </p:txEl>
@@ -11612,7 +9330,7 @@
                                       <p:cBhvr additive="repl">
                                         <p:cTn id="52" dur="500" fill="hold"/>
                                         <p:tgtEl>
-                                          <p:spTgt spid="173">
+                                          <p:spTgt spid="91">
                                             <p:txEl>
                                               <p:pRg st="0" end="1"/>
                                             </p:txEl>
@@ -11639,7 +9357,7 @@
                                       <p:cBhvr additive="repl">
                                         <p:cTn id="53" dur="500" fill="hold"/>
                                         <p:tgtEl>
-                                          <p:spTgt spid="173">
+                                          <p:spTgt spid="91">
                                             <p:txEl>
                                               <p:pRg st="0" end="1"/>
                                             </p:txEl>
@@ -11715,7 +9433,7 @@
       </p:grpSpPr>
       <p:pic>
         <p:nvPicPr>
-          <p:cNvPr id="175" name="Picture 2" descr=""/>
+          <p:cNvPr id="93" name="Picture 2" descr=""/>
           <p:cNvPicPr/>
           <p:nvPr/>
         </p:nvPicPr>
@@ -11726,7 +9444,7 @@
         <p:spPr>
           <a:xfrm>
             <a:off x="5220000" y="4005000"/>
-            <a:ext cx="5683320" cy="2220480"/>
+            <a:ext cx="5682960" cy="2220120"/>
           </a:xfrm>
           <a:prstGeom prst="rect">
             <a:avLst/>
@@ -11738,14 +9456,14 @@
       </p:pic>
       <p:sp>
         <p:nvSpPr>
-          <p:cNvPr id="176" name="CustomShape 1"/>
+          <p:cNvPr id="94" name="CustomShape 1"/>
           <p:cNvSpPr/>
           <p:nvPr/>
         </p:nvSpPr>
         <p:spPr>
           <a:xfrm>
             <a:off x="285840" y="260640"/>
-            <a:ext cx="5109120" cy="1551240"/>
+            <a:ext cx="5108760" cy="1550880"/>
           </a:xfrm>
           <a:prstGeom prst="rect">
             <a:avLst/>
@@ -11798,14 +9516,14 @@
       </p:sp>
       <p:sp>
         <p:nvSpPr>
-          <p:cNvPr id="177" name="CustomShape 2"/>
+          <p:cNvPr id="95" name="CustomShape 2"/>
           <p:cNvSpPr/>
           <p:nvPr/>
         </p:nvSpPr>
         <p:spPr>
           <a:xfrm>
             <a:off x="323640" y="1857960"/>
-            <a:ext cx="8568000" cy="2220840"/>
+            <a:ext cx="8567640" cy="2220480"/>
           </a:xfrm>
           <a:prstGeom prst="rect">
             <a:avLst/>
@@ -11832,7 +9550,7 @@
             <a:endParaRPr/>
           </a:p>
           <a:p>
-            <a:pPr marL="285840" indent="-284760">
+            <a:pPr marL="285840" indent="-284400">
               <a:lnSpc>
                 <a:spcPct val="150000"/>
               </a:lnSpc>
@@ -11858,7 +9576,7 @@
             <a:endParaRPr/>
           </a:p>
           <a:p>
-            <a:pPr marL="285840" indent="-284760">
+            <a:pPr marL="285840" indent="-284400">
               <a:lnSpc>
                 <a:spcPct val="150000"/>
               </a:lnSpc>
@@ -11884,7 +9602,7 @@
             <a:endParaRPr/>
           </a:p>
           <a:p>
-            <a:pPr marL="285840" indent="-284760">
+            <a:pPr marL="285840" indent="-284400">
               <a:lnSpc>
                 <a:spcPct val="150000"/>
               </a:lnSpc>
@@ -11910,7 +9628,7 @@
             <a:endParaRPr/>
           </a:p>
           <a:p>
-            <a:pPr marL="285840" indent="-284760">
+            <a:pPr marL="285840" indent="-284400">
               <a:lnSpc>
                 <a:spcPct val="150000"/>
               </a:lnSpc>
@@ -11940,7 +9658,7 @@
     </p:spTree>
   </p:cSld>
   <p:transition spd="slow">
-    <p:push dir="d"/>
+    <p:push dir="u"/>
   </p:transition>
   <p:timing>
     <p:tnLst>
@@ -11976,7 +9694,7 @@
                                           </p:stCondLst>
                                         </p:cTn>
                                         <p:tgtEl>
-                                          <p:spTgt spid="177">
+                                          <p:spTgt spid="95">
                                             <p:txEl>
                                               <p:pRg st="0" end="1"/>
                                             </p:txEl>
@@ -11994,7 +9712,7 @@
                                       <p:cBhvr additive="repl">
                                         <p:cTn id="60" dur="500" fill="hold"/>
                                         <p:tgtEl>
-                                          <p:spTgt spid="177">
+                                          <p:spTgt spid="95">
                                             <p:txEl>
                                               <p:pRg st="0" end="1"/>
                                             </p:txEl>
@@ -12021,7 +9739,7 @@
                                       <p:cBhvr additive="repl">
                                         <p:cTn id="61" dur="500" fill="hold"/>
                                         <p:tgtEl>
-                                          <p:spTgt spid="177">
+                                          <p:spTgt spid="95">
                                             <p:txEl>
                                               <p:pRg st="0" end="1"/>
                                             </p:txEl>
@@ -12079,7 +9797,7 @@
                                           </p:stCondLst>
                                         </p:cTn>
                                         <p:tgtEl>
-                                          <p:spTgt spid="177">
+                                          <p:spTgt spid="95">
                                             <p:txEl>
                                               <p:pRg st="201" end="201"/>
                                             </p:txEl>
@@ -12097,7 +9815,7 @@
                                       <p:cBhvr additive="repl">
                                         <p:cTn id="66" dur="500" fill="hold"/>
                                         <p:tgtEl>
-                                          <p:spTgt spid="177">
+                                          <p:spTgt spid="95">
                                             <p:txEl>
                                               <p:pRg st="201" end="201"/>
                                             </p:txEl>
@@ -12124,7 +9842,7 @@
                                       <p:cBhvr additive="repl">
                                         <p:cTn id="67" dur="500" fill="hold"/>
                                         <p:tgtEl>
-                                          <p:spTgt spid="177">
+                                          <p:spTgt spid="95">
                                             <p:txEl>
                                               <p:pRg st="201" end="201"/>
                                             </p:txEl>
@@ -12182,7 +9900,7 @@
                                           </p:stCondLst>
                                         </p:cTn>
                                         <p:tgtEl>
-                                          <p:spTgt spid="177">
+                                          <p:spTgt spid="95">
                                             <p:txEl>
                                               <p:pRg st="201" end="201"/>
                                             </p:txEl>
@@ -12200,7 +9918,7 @@
                                       <p:cBhvr additive="repl">
                                         <p:cTn id="72" dur="500" fill="hold"/>
                                         <p:tgtEl>
-                                          <p:spTgt spid="177">
+                                          <p:spTgt spid="95">
                                             <p:txEl>
                                               <p:pRg st="201" end="201"/>
                                             </p:txEl>
@@ -12227,7 +9945,7 @@
                                       <p:cBhvr additive="repl">
                                         <p:cTn id="73" dur="500" fill="hold"/>
                                         <p:tgtEl>
-                                          <p:spTgt spid="177">
+                                          <p:spTgt spid="95">
                                             <p:txEl>
                                               <p:pRg st="201" end="201"/>
                                             </p:txEl>
@@ -12285,7 +10003,7 @@
                                           </p:stCondLst>
                                         </p:cTn>
                                         <p:tgtEl>
-                                          <p:spTgt spid="177">
+                                          <p:spTgt spid="95">
                                             <p:txEl>
                                               <p:pRg st="201" end="201"/>
                                             </p:txEl>
@@ -12303,7 +10021,7 @@
                                       <p:cBhvr additive="repl">
                                         <p:cTn id="78" dur="500" fill="hold"/>
                                         <p:tgtEl>
-                                          <p:spTgt spid="177">
+                                          <p:spTgt spid="95">
                                             <p:txEl>
                                               <p:pRg st="201" end="201"/>
                                             </p:txEl>
@@ -12330,7 +10048,7 @@
                                       <p:cBhvr additive="repl">
                                         <p:cTn id="79" dur="500" fill="hold"/>
                                         <p:tgtEl>
-                                          <p:spTgt spid="177">
+                                          <p:spTgt spid="95">
                                             <p:txEl>
                                               <p:pRg st="201" end="201"/>
                                             </p:txEl>
@@ -12388,7 +10106,7 @@
                                           </p:stCondLst>
                                         </p:cTn>
                                         <p:tgtEl>
-                                          <p:spTgt spid="177">
+                                          <p:spTgt spid="95">
                                             <p:txEl>
                                               <p:pRg st="201" end="201"/>
                                             </p:txEl>
@@ -12406,7 +10124,7 @@
                                       <p:cBhvr additive="repl">
                                         <p:cTn id="84" dur="500" fill="hold"/>
                                         <p:tgtEl>
-                                          <p:spTgt spid="177">
+                                          <p:spTgt spid="95">
                                             <p:txEl>
                                               <p:pRg st="201" end="201"/>
                                             </p:txEl>
@@ -12433,7 +10151,7 @@
                                       <p:cBhvr additive="repl">
                                         <p:cTn id="85" dur="500" fill="hold"/>
                                         <p:tgtEl>
-                                          <p:spTgt spid="177">
+                                          <p:spTgt spid="95">
                                             <p:txEl>
                                               <p:pRg st="201" end="201"/>
                                             </p:txEl>
@@ -12509,7 +10227,7 @@
       </p:grpSpPr>
       <p:pic>
         <p:nvPicPr>
-          <p:cNvPr id="178" name="Picture 2" descr=""/>
+          <p:cNvPr id="96" name="Picture 2" descr=""/>
           <p:cNvPicPr/>
           <p:nvPr/>
         </p:nvPicPr>
@@ -12520,7 +10238,7 @@
         <p:spPr>
           <a:xfrm>
             <a:off x="5220000" y="4005000"/>
-            <a:ext cx="5683320" cy="2220480"/>
+            <a:ext cx="5682960" cy="2220120"/>
           </a:xfrm>
           <a:prstGeom prst="rect">
             <a:avLst/>
@@ -12532,14 +10250,14 @@
       </p:pic>
       <p:sp>
         <p:nvSpPr>
-          <p:cNvPr id="179" name="CustomShape 1"/>
+          <p:cNvPr id="97" name="CustomShape 1"/>
           <p:cNvSpPr/>
           <p:nvPr/>
         </p:nvSpPr>
         <p:spPr>
           <a:xfrm>
             <a:off x="285840" y="260640"/>
-            <a:ext cx="5109120" cy="1551240"/>
+            <a:ext cx="5108760" cy="1550880"/>
           </a:xfrm>
           <a:prstGeom prst="rect">
             <a:avLst/>
@@ -12592,14 +10310,14 @@
       </p:sp>
       <p:sp>
         <p:nvSpPr>
-          <p:cNvPr id="180" name="CustomShape 2"/>
+          <p:cNvPr id="98" name="CustomShape 2"/>
           <p:cNvSpPr/>
           <p:nvPr/>
         </p:nvSpPr>
         <p:spPr>
           <a:xfrm>
             <a:off x="365760" y="1162440"/>
-            <a:ext cx="8568000" cy="2220840"/>
+            <a:ext cx="8567640" cy="2220480"/>
           </a:xfrm>
           <a:prstGeom prst="rect">
             <a:avLst/>
@@ -12626,7 +10344,7 @@
             <a:endParaRPr/>
           </a:p>
           <a:p>
-            <a:pPr marL="285840" indent="-284760">
+            <a:pPr marL="285840" indent="-284400">
               <a:lnSpc>
                 <a:spcPct val="150000"/>
               </a:lnSpc>
@@ -12652,7 +10370,7 @@
             <a:endParaRPr/>
           </a:p>
           <a:p>
-            <a:pPr marL="285840" indent="-284760">
+            <a:pPr marL="285840" indent="-284400">
               <a:lnSpc>
                 <a:spcPct val="150000"/>
               </a:lnSpc>
@@ -12678,7 +10396,7 @@
             <a:endParaRPr/>
           </a:p>
           <a:p>
-            <a:pPr marL="285840" indent="-284760">
+            <a:pPr marL="285840" indent="-284400">
               <a:lnSpc>
                 <a:spcPct val="150000"/>
               </a:lnSpc>
@@ -12704,7 +10422,7 @@
             <a:endParaRPr/>
           </a:p>
           <a:p>
-            <a:pPr marL="285840" indent="-284760">
+            <a:pPr marL="285840" indent="-284400">
               <a:lnSpc>
                 <a:spcPct val="150000"/>
               </a:lnSpc>
@@ -12734,7 +10452,7 @@
     </p:spTree>
   </p:cSld>
   <p:transition spd="slow">
-    <p:push dir="d"/>
+    <p:push dir="u"/>
   </p:transition>
   <p:timing>
     <p:tnLst>
@@ -12770,7 +10488,7 @@
                                           </p:stCondLst>
                                         </p:cTn>
                                         <p:tgtEl>
-                                          <p:spTgt spid="180">
+                                          <p:spTgt spid="98">
                                             <p:txEl>
                                               <p:pRg st="0" end="1"/>
                                             </p:txEl>
@@ -12788,7 +10506,7 @@
                                       <p:cBhvr additive="repl">
                                         <p:cTn id="92" dur="500" fill="hold"/>
                                         <p:tgtEl>
-                                          <p:spTgt spid="180">
+                                          <p:spTgt spid="98">
                                             <p:txEl>
                                               <p:pRg st="0" end="1"/>
                                             </p:txEl>
@@ -12815,7 +10533,7 @@
                                       <p:cBhvr additive="repl">
                                         <p:cTn id="93" dur="500" fill="hold"/>
                                         <p:tgtEl>
-                                          <p:spTgt spid="180">
+                                          <p:spTgt spid="98">
                                             <p:txEl>
                                               <p:pRg st="0" end="1"/>
                                             </p:txEl>
@@ -12873,7 +10591,7 @@
                                           </p:stCondLst>
                                         </p:cTn>
                                         <p:tgtEl>
-                                          <p:spTgt spid="180">
+                                          <p:spTgt spid="98">
                                             <p:txEl>
                                               <p:pRg st="585" end="585"/>
                                             </p:txEl>
@@ -12891,7 +10609,7 @@
                                       <p:cBhvr additive="repl">
                                         <p:cTn id="98" dur="500" fill="hold"/>
                                         <p:tgtEl>
-                                          <p:spTgt spid="180">
+                                          <p:spTgt spid="98">
                                             <p:txEl>
                                               <p:pRg st="585" end="585"/>
                                             </p:txEl>
@@ -12918,7 +10636,7 @@
                                       <p:cBhvr additive="repl">
                                         <p:cTn id="99" dur="500" fill="hold"/>
                                         <p:tgtEl>
-                                          <p:spTgt spid="180">
+                                          <p:spTgt spid="98">
                                             <p:txEl>
                                               <p:pRg st="585" end="585"/>
                                             </p:txEl>
@@ -12976,7 +10694,7 @@
                                           </p:stCondLst>
                                         </p:cTn>
                                         <p:tgtEl>
-                                          <p:spTgt spid="180">
+                                          <p:spTgt spid="98">
                                             <p:txEl>
                                               <p:pRg st="585" end="585"/>
                                             </p:txEl>
@@ -12994,7 +10712,7 @@
                                       <p:cBhvr additive="repl">
                                         <p:cTn id="104" dur="500" fill="hold"/>
                                         <p:tgtEl>
-                                          <p:spTgt spid="180">
+                                          <p:spTgt spid="98">
                                             <p:txEl>
                                               <p:pRg st="585" end="585"/>
                                             </p:txEl>
@@ -13021,7 +10739,7 @@
                                       <p:cBhvr additive="repl">
                                         <p:cTn id="105" dur="500" fill="hold"/>
                                         <p:tgtEl>
-                                          <p:spTgt spid="180">
+                                          <p:spTgt spid="98">
                                             <p:txEl>
                                               <p:pRg st="585" end="585"/>
                                             </p:txEl>
@@ -13079,7 +10797,7 @@
                                           </p:stCondLst>
                                         </p:cTn>
                                         <p:tgtEl>
-                                          <p:spTgt spid="180">
+                                          <p:spTgt spid="98">
                                             <p:txEl>
                                               <p:pRg st="585" end="585"/>
                                             </p:txEl>
@@ -13097,7 +10815,7 @@
                                       <p:cBhvr additive="repl">
                                         <p:cTn id="110" dur="500" fill="hold"/>
                                         <p:tgtEl>
-                                          <p:spTgt spid="180">
+                                          <p:spTgt spid="98">
                                             <p:txEl>
                                               <p:pRg st="585" end="585"/>
                                             </p:txEl>
@@ -13124,7 +10842,7 @@
                                       <p:cBhvr additive="repl">
                                         <p:cTn id="111" dur="500" fill="hold"/>
                                         <p:tgtEl>
-                                          <p:spTgt spid="180">
+                                          <p:spTgt spid="98">
                                             <p:txEl>
                                               <p:pRg st="585" end="585"/>
                                             </p:txEl>
@@ -13182,7 +10900,7 @@
                                           </p:stCondLst>
                                         </p:cTn>
                                         <p:tgtEl>
-                                          <p:spTgt spid="180">
+                                          <p:spTgt spid="98">
                                             <p:txEl>
                                               <p:pRg st="585" end="585"/>
                                             </p:txEl>
@@ -13200,7 +10918,7 @@
                                       <p:cBhvr additive="repl">
                                         <p:cTn id="116" dur="500" fill="hold"/>
                                         <p:tgtEl>
-                                          <p:spTgt spid="180">
+                                          <p:spTgt spid="98">
                                             <p:txEl>
                                               <p:pRg st="585" end="585"/>
                                             </p:txEl>
@@ -13227,7 +10945,7 @@
                                       <p:cBhvr additive="repl">
                                         <p:cTn id="117" dur="500" fill="hold"/>
                                         <p:tgtEl>
-                                          <p:spTgt spid="180">
+                                          <p:spTgt spid="98">
                                             <p:txEl>
                                               <p:pRg st="585" end="585"/>
                                             </p:txEl>
@@ -13303,7 +11021,7 @@
       </p:grpSpPr>
       <p:pic>
         <p:nvPicPr>
-          <p:cNvPr id="181" name="Picture 2" descr=""/>
+          <p:cNvPr id="99" name="Picture 2" descr=""/>
           <p:cNvPicPr/>
           <p:nvPr/>
         </p:nvPicPr>
@@ -13314,7 +11032,7 @@
         <p:spPr>
           <a:xfrm>
             <a:off x="5220000" y="4005000"/>
-            <a:ext cx="5683320" cy="2220480"/>
+            <a:ext cx="5682960" cy="2220120"/>
           </a:xfrm>
           <a:prstGeom prst="rect">
             <a:avLst/>
@@ -13326,14 +11044,14 @@
       </p:pic>
       <p:sp>
         <p:nvSpPr>
-          <p:cNvPr id="182" name="CustomShape 1"/>
+          <p:cNvPr id="100" name="CustomShape 1"/>
           <p:cNvSpPr/>
           <p:nvPr/>
         </p:nvSpPr>
         <p:spPr>
           <a:xfrm>
             <a:off x="285840" y="260640"/>
-            <a:ext cx="6663600" cy="1551240"/>
+            <a:ext cx="6663240" cy="1550880"/>
           </a:xfrm>
           <a:prstGeom prst="rect">
             <a:avLst/>
@@ -13386,14 +11104,14 @@
       </p:sp>
       <p:sp>
         <p:nvSpPr>
-          <p:cNvPr id="183" name="CustomShape 2"/>
+          <p:cNvPr id="101" name="CustomShape 2"/>
           <p:cNvSpPr/>
           <p:nvPr/>
         </p:nvSpPr>
         <p:spPr>
           <a:xfrm>
             <a:off x="365760" y="1737360"/>
-            <a:ext cx="8568000" cy="2220840"/>
+            <a:ext cx="8567640" cy="2220480"/>
           </a:xfrm>
           <a:prstGeom prst="rect">
             <a:avLst/>
@@ -13420,7 +11138,7 @@
             <a:endParaRPr/>
           </a:p>
           <a:p>
-            <a:pPr marL="285840" indent="-284760">
+            <a:pPr marL="285840" indent="-284400">
               <a:lnSpc>
                 <a:spcPct val="150000"/>
               </a:lnSpc>
@@ -13446,7 +11164,7 @@
             <a:endParaRPr/>
           </a:p>
           <a:p>
-            <a:pPr marL="285840" indent="-284760">
+            <a:pPr marL="285840" indent="-284400">
               <a:lnSpc>
                 <a:spcPct val="150000"/>
               </a:lnSpc>
@@ -13472,7 +11190,7 @@
             <a:endParaRPr/>
           </a:p>
           <a:p>
-            <a:pPr marL="285840" indent="-284760">
+            <a:pPr marL="285840" indent="-284400">
               <a:lnSpc>
                 <a:spcPct val="150000"/>
               </a:lnSpc>
@@ -13498,7 +11216,7 @@
             <a:endParaRPr/>
           </a:p>
           <a:p>
-            <a:pPr marL="285840" indent="-284760">
+            <a:pPr marL="285840" indent="-284400">
               <a:lnSpc>
                 <a:spcPct val="150000"/>
               </a:lnSpc>
@@ -13528,7 +11246,7 @@
     </p:spTree>
   </p:cSld>
   <p:transition spd="slow">
-    <p:push dir="d"/>
+    <p:push dir="u"/>
   </p:transition>
   <p:timing>
     <p:tnLst>
@@ -13564,7 +11282,7 @@
                                           </p:stCondLst>
                                         </p:cTn>
                                         <p:tgtEl>
-                                          <p:spTgt spid="183">
+                                          <p:spTgt spid="101">
                                             <p:txEl>
                                               <p:pRg st="0" end="1"/>
                                             </p:txEl>
@@ -13582,7 +11300,7 @@
                                       <p:cBhvr additive="repl">
                                         <p:cTn id="124" dur="500" fill="hold"/>
                                         <p:tgtEl>
-                                          <p:spTgt spid="183">
+                                          <p:spTgt spid="101">
                                             <p:txEl>
                                               <p:pRg st="0" end="1"/>
                                             </p:txEl>
@@ -13609,7 +11327,7 @@
                                       <p:cBhvr additive="repl">
                                         <p:cTn id="125" dur="500" fill="hold"/>
                                         <p:tgtEl>
-                                          <p:spTgt spid="183">
+                                          <p:spTgt spid="101">
                                             <p:txEl>
                                               <p:pRg st="0" end="1"/>
                                             </p:txEl>
@@ -13667,7 +11385,7 @@
                                           </p:stCondLst>
                                         </p:cTn>
                                         <p:tgtEl>
-                                          <p:spTgt spid="183">
+                                          <p:spTgt spid="101">
                                             <p:txEl>
                                               <p:pRg st="303" end="303"/>
                                             </p:txEl>
@@ -13685,7 +11403,7 @@
                                       <p:cBhvr additive="repl">
                                         <p:cTn id="130" dur="500" fill="hold"/>
                                         <p:tgtEl>
-                                          <p:spTgt spid="183">
+                                          <p:spTgt spid="101">
                                             <p:txEl>
                                               <p:pRg st="303" end="303"/>
                                             </p:txEl>
@@ -13712,7 +11430,7 @@
                                       <p:cBhvr additive="repl">
                                         <p:cTn id="131" dur="500" fill="hold"/>
                                         <p:tgtEl>
-                                          <p:spTgt spid="183">
+                                          <p:spTgt spid="101">
                                             <p:txEl>
                                               <p:pRg st="303" end="303"/>
                                             </p:txEl>
@@ -13770,7 +11488,7 @@
                                           </p:stCondLst>
                                         </p:cTn>
                                         <p:tgtEl>
-                                          <p:spTgt spid="183">
+                                          <p:spTgt spid="101">
                                             <p:txEl>
                                               <p:pRg st="303" end="303"/>
                                             </p:txEl>
@@ -13788,7 +11506,7 @@
                                       <p:cBhvr additive="repl">
                                         <p:cTn id="136" dur="500" fill="hold"/>
                                         <p:tgtEl>
-                                          <p:spTgt spid="183">
+                                          <p:spTgt spid="101">
                                             <p:txEl>
                                               <p:pRg st="303" end="303"/>
                                             </p:txEl>
@@ -13815,7 +11533,7 @@
                                       <p:cBhvr additive="repl">
                                         <p:cTn id="137" dur="500" fill="hold"/>
                                         <p:tgtEl>
-                                          <p:spTgt spid="183">
+                                          <p:spTgt spid="101">
                                             <p:txEl>
                                               <p:pRg st="303" end="303"/>
                                             </p:txEl>
@@ -13873,7 +11591,7 @@
                                           </p:stCondLst>
                                         </p:cTn>
                                         <p:tgtEl>
-                                          <p:spTgt spid="183">
+                                          <p:spTgt spid="101">
                                             <p:txEl>
                                               <p:pRg st="303" end="303"/>
                                             </p:txEl>
@@ -13891,7 +11609,7 @@
                                       <p:cBhvr additive="repl">
                                         <p:cTn id="142" dur="500" fill="hold"/>
                                         <p:tgtEl>
-                                          <p:spTgt spid="183">
+                                          <p:spTgt spid="101">
                                             <p:txEl>
                                               <p:pRg st="303" end="303"/>
                                             </p:txEl>
@@ -13918,7 +11636,7 @@
                                       <p:cBhvr additive="repl">
                                         <p:cTn id="143" dur="500" fill="hold"/>
                                         <p:tgtEl>
-                                          <p:spTgt spid="183">
+                                          <p:spTgt spid="101">
                                             <p:txEl>
                                               <p:pRg st="303" end="303"/>
                                             </p:txEl>
@@ -13976,7 +11694,7 @@
                                           </p:stCondLst>
                                         </p:cTn>
                                         <p:tgtEl>
-                                          <p:spTgt spid="183">
+                                          <p:spTgt spid="101">
                                             <p:txEl>
                                               <p:pRg st="303" end="303"/>
                                             </p:txEl>
@@ -13994,7 +11712,7 @@
                                       <p:cBhvr additive="repl">
                                         <p:cTn id="148" dur="500" fill="hold"/>
                                         <p:tgtEl>
-                                          <p:spTgt spid="183">
+                                          <p:spTgt spid="101">
                                             <p:txEl>
                                               <p:pRg st="303" end="303"/>
                                             </p:txEl>
@@ -14021,7 +11739,7 @@
                                       <p:cBhvr additive="repl">
                                         <p:cTn id="149" dur="500" fill="hold"/>
                                         <p:tgtEl>
-                                          <p:spTgt spid="183">
+                                          <p:spTgt spid="101">
                                             <p:txEl>
                                               <p:pRg st="303" end="303"/>
                                             </p:txEl>
@@ -14097,7 +11815,7 @@
       </p:grpSpPr>
       <p:pic>
         <p:nvPicPr>
-          <p:cNvPr id="184" name="Picture 2" descr=""/>
+          <p:cNvPr id="102" name="Picture 2" descr=""/>
           <p:cNvPicPr/>
           <p:nvPr/>
         </p:nvPicPr>
@@ -14108,7 +11826,7 @@
         <p:spPr>
           <a:xfrm>
             <a:off x="5220000" y="4005000"/>
-            <a:ext cx="5683320" cy="2220480"/>
+            <a:ext cx="5682960" cy="2220120"/>
           </a:xfrm>
           <a:prstGeom prst="rect">
             <a:avLst/>
@@ -14120,14 +11838,14 @@
       </p:pic>
       <p:sp>
         <p:nvSpPr>
-          <p:cNvPr id="185" name="CustomShape 1"/>
+          <p:cNvPr id="103" name="CustomShape 1"/>
           <p:cNvSpPr/>
           <p:nvPr/>
         </p:nvSpPr>
         <p:spPr>
           <a:xfrm>
             <a:off x="285840" y="260640"/>
-            <a:ext cx="7851600" cy="820800"/>
+            <a:ext cx="7851240" cy="820440"/>
           </a:xfrm>
           <a:prstGeom prst="rect">
             <a:avLst/>
@@ -14172,14 +11890,14 @@
       </p:sp>
       <p:sp>
         <p:nvSpPr>
-          <p:cNvPr id="186" name="CustomShape 2"/>
+          <p:cNvPr id="104" name="CustomShape 2"/>
           <p:cNvSpPr/>
           <p:nvPr/>
         </p:nvSpPr>
         <p:spPr>
           <a:xfrm>
             <a:off x="323640" y="1857960"/>
-            <a:ext cx="8568000" cy="2539800"/>
+            <a:ext cx="8567640" cy="2539440"/>
           </a:xfrm>
           <a:prstGeom prst="rect">
             <a:avLst/>
@@ -14229,7 +11947,7 @@
             <a:endParaRPr/>
           </a:p>
           <a:p>
-            <a:pPr marL="285840" indent="-284760">
+            <a:pPr marL="285840" indent="-284400">
               <a:lnSpc>
                 <a:spcPct val="150000"/>
               </a:lnSpc>
@@ -14255,7 +11973,7 @@
             <a:endParaRPr/>
           </a:p>
           <a:p>
-            <a:pPr marL="285840" indent="-284760">
+            <a:pPr marL="285840" indent="-284400">
               <a:lnSpc>
                 <a:spcPct val="150000"/>
               </a:lnSpc>
@@ -14281,7 +11999,7 @@
             <a:endParaRPr/>
           </a:p>
           <a:p>
-            <a:pPr lvl="1" marL="432000" indent="-216000">
+            <a:pPr lvl="1" marL="432000" indent="-215640">
               <a:lnSpc>
                 <a:spcPct val="150000"/>
               </a:lnSpc>
@@ -14310,7 +12028,7 @@
             <a:endParaRPr/>
           </a:p>
           <a:p>
-            <a:pPr lvl="1" marL="432000" indent="-216000">
+            <a:pPr lvl="1" marL="432000" indent="-215640">
               <a:lnSpc>
                 <a:spcPct val="150000"/>
               </a:lnSpc>
@@ -14339,7 +12057,7 @@
             <a:endParaRPr/>
           </a:p>
           <a:p>
-            <a:pPr lvl="1" marL="432000" indent="-216000">
+            <a:pPr lvl="1" marL="432000" indent="-215640">
               <a:lnSpc>
                 <a:spcPct val="150000"/>
               </a:lnSpc>
@@ -14368,7 +12086,7 @@
             <a:endParaRPr/>
           </a:p>
           <a:p>
-            <a:pPr lvl="1" marL="432000" indent="-216000">
+            <a:pPr lvl="1" marL="432000" indent="-215640">
               <a:lnSpc>
                 <a:spcPct val="150000"/>
               </a:lnSpc>
@@ -14401,7 +12119,7 @@
     </p:spTree>
   </p:cSld>
   <p:transition spd="slow">
-    <p:push dir="d"/>
+    <p:push dir="u"/>
   </p:transition>
   <p:timing>
     <p:tnLst>
@@ -14537,14 +12255,14 @@
       </p:grpSpPr>
       <p:sp>
         <p:nvSpPr>
-          <p:cNvPr id="187" name="CustomShape 1"/>
+          <p:cNvPr id="105" name="CustomShape 1"/>
           <p:cNvSpPr/>
           <p:nvPr/>
         </p:nvSpPr>
         <p:spPr>
           <a:xfrm>
             <a:off x="323640" y="260640"/>
-            <a:ext cx="6900120" cy="1551240"/>
+            <a:ext cx="6899760" cy="1550880"/>
           </a:xfrm>
           <a:prstGeom prst="rect">
             <a:avLst/>
@@ -14589,7 +12307,7 @@
       </p:sp>
       <p:pic>
         <p:nvPicPr>
-          <p:cNvPr id="188" name="" descr=""/>
+          <p:cNvPr id="106" name="" descr=""/>
           <p:cNvPicPr/>
           <p:nvPr/>
         </p:nvPicPr>
@@ -14600,7 +12318,7 @@
         <p:spPr>
           <a:xfrm>
             <a:off x="4381920" y="1828800"/>
-            <a:ext cx="4762080" cy="3752640"/>
+            <a:ext cx="4761720" cy="3752280"/>
           </a:xfrm>
           <a:prstGeom prst="rect">
             <a:avLst/>
@@ -14612,14 +12330,14 @@
       </p:pic>
       <p:sp>
         <p:nvSpPr>
-          <p:cNvPr id="189" name="CustomShape 2"/>
+          <p:cNvPr id="107" name="CustomShape 2"/>
           <p:cNvSpPr/>
           <p:nvPr/>
         </p:nvSpPr>
         <p:spPr>
           <a:xfrm>
             <a:off x="288720" y="2123640"/>
-            <a:ext cx="4283280" cy="2539800"/>
+            <a:ext cx="4282920" cy="2539440"/>
           </a:xfrm>
           <a:prstGeom prst="rect">
             <a:avLst/>
@@ -14646,7 +12364,7 @@
             <a:endParaRPr/>
           </a:p>
           <a:p>
-            <a:pPr marL="285840" indent="-284760">
+            <a:pPr marL="285840" indent="-284400">
               <a:lnSpc>
                 <a:spcPct val="150000"/>
               </a:lnSpc>
@@ -14672,7 +12390,7 @@
             <a:endParaRPr/>
           </a:p>
           <a:p>
-            <a:pPr marL="285840" indent="-284760">
+            <a:pPr marL="285840" indent="-284400">
               <a:lnSpc>
                 <a:spcPct val="150000"/>
               </a:lnSpc>
@@ -14698,7 +12416,7 @@
             <a:endParaRPr/>
           </a:p>
           <a:p>
-            <a:pPr marL="285840" indent="-284760">
+            <a:pPr marL="285840" indent="-284400">
               <a:lnSpc>
                 <a:spcPct val="150000"/>
               </a:lnSpc>
@@ -14728,7 +12446,7 @@
     </p:spTree>
   </p:cSld>
   <p:transition spd="slow">
-    <p:push dir="d"/>
+    <p:push dir="u"/>
   </p:transition>
   <p:timing>
     <p:tnLst>
@@ -14779,7 +12497,7 @@
       </p:grpSpPr>
       <p:pic>
         <p:nvPicPr>
-          <p:cNvPr id="190" name="Picture 2" descr=""/>
+          <p:cNvPr id="108" name="Picture 2" descr=""/>
           <p:cNvPicPr/>
           <p:nvPr/>
         </p:nvPicPr>
@@ -14790,7 +12508,7 @@
         <p:spPr>
           <a:xfrm>
             <a:off x="5220000" y="4005000"/>
-            <a:ext cx="5683320" cy="2220480"/>
+            <a:ext cx="5682960" cy="2220120"/>
           </a:xfrm>
           <a:prstGeom prst="rect">
             <a:avLst/>
@@ -14802,14 +12520,14 @@
       </p:pic>
       <p:sp>
         <p:nvSpPr>
-          <p:cNvPr id="191" name="CustomShape 1"/>
+          <p:cNvPr id="109" name="CustomShape 1"/>
           <p:cNvSpPr/>
           <p:nvPr/>
         </p:nvSpPr>
         <p:spPr>
           <a:xfrm>
             <a:off x="285840" y="260640"/>
-            <a:ext cx="8766720" cy="1551240"/>
+            <a:ext cx="8766360" cy="1550880"/>
           </a:xfrm>
           <a:prstGeom prst="rect">
             <a:avLst/>
@@ -14854,14 +12572,14 @@
       </p:sp>
       <p:sp>
         <p:nvSpPr>
-          <p:cNvPr id="192" name="CustomShape 2"/>
+          <p:cNvPr id="110" name="CustomShape 2"/>
           <p:cNvSpPr/>
           <p:nvPr/>
         </p:nvSpPr>
         <p:spPr>
           <a:xfrm>
             <a:off x="323640" y="908640"/>
-            <a:ext cx="5437080" cy="942120"/>
+            <a:ext cx="5436720" cy="941760"/>
           </a:xfrm>
           <a:prstGeom prst="rect">
             <a:avLst/>
@@ -14906,14 +12624,14 @@
       </p:sp>
       <p:sp>
         <p:nvSpPr>
-          <p:cNvPr id="193" name="CustomShape 3"/>
+          <p:cNvPr id="111" name="CustomShape 3"/>
           <p:cNvSpPr/>
           <p:nvPr/>
         </p:nvSpPr>
         <p:spPr>
           <a:xfrm>
             <a:off x="323640" y="1857960"/>
-            <a:ext cx="8568000" cy="2220840"/>
+            <a:ext cx="8567640" cy="2220480"/>
           </a:xfrm>
           <a:prstGeom prst="rect">
             <a:avLst/>
@@ -14950,7 +12668,7 @@
                 <a:latin typeface="Lato-Light"/>
                 <a:ea typeface="Raleway"/>
               </a:rPr>
-              <a:t>Lorem ipsum dolor sit amet, consectetur adipiscing elit, sed do eiusmod tempor incididunt ut labore et dolore magna aliqua. Ut enim ad minim veniam, quis nostrud exercitation ullamco laboris nisi ut aliquip ex ea commodo consequat:</a:t>
+              <a:t>People have been having this argument since Ethereum was announced...</a:t>
             </a:r>
             <a:endParaRPr/>
           </a:p>
@@ -14963,7 +12681,7 @@
             <a:endParaRPr/>
           </a:p>
           <a:p>
-            <a:pPr marL="285840" indent="-284760">
+            <a:pPr marL="285840" indent="-284400">
               <a:lnSpc>
                 <a:spcPct val="150000"/>
               </a:lnSpc>
@@ -14989,7 +12707,7 @@
             <a:endParaRPr/>
           </a:p>
           <a:p>
-            <a:pPr marL="285840" indent="-284760">
+            <a:pPr marL="285840" indent="-284400">
               <a:lnSpc>
                 <a:spcPct val="150000"/>
               </a:lnSpc>
@@ -15015,7 +12733,7 @@
             <a:endParaRPr/>
           </a:p>
           <a:p>
-            <a:pPr marL="285840" indent="-284760">
+            <a:pPr marL="285840" indent="-284400">
               <a:lnSpc>
                 <a:spcPct val="150000"/>
               </a:lnSpc>
@@ -15045,7 +12763,7 @@
     </p:spTree>
   </p:cSld>
   <p:transition spd="slow">
-    <p:push dir="d"/>
+    <p:push dir="u"/>
   </p:transition>
   <p:timing>
     <p:tnLst>
@@ -15081,7 +12799,7 @@
                                           </p:stCondLst>
                                         </p:cTn>
                                         <p:tgtEl>
-                                          <p:spTgt spid="192"/>
+                                          <p:spTgt spid="110"/>
                                         </p:tgtEl>
                                         <p:attrNameLst>
                                           <p:attrName>style.visibility</p:attrName>
@@ -15095,7 +12813,7 @@
                                       <p:cBhvr additive="repl">
                                         <p:cTn id="166" dur="500" fill="hold"/>
                                         <p:tgtEl>
-                                          <p:spTgt spid="192"/>
+                                          <p:spTgt spid="110"/>
                                         </p:tgtEl>
                                         <p:attrNameLst>
                                           <p:attrName>ppt_x</p:attrName>
@@ -15118,7 +12836,7 @@
                                       <p:cBhvr additive="repl">
                                         <p:cTn id="167" dur="500" fill="hold"/>
                                         <p:tgtEl>
-                                          <p:spTgt spid="192"/>
+                                          <p:spTgt spid="110"/>
                                         </p:tgtEl>
                                         <p:attrNameLst>
                                           <p:attrName>ppt_y</p:attrName>
@@ -15163,9 +12881,9 @@
                                           </p:stCondLst>
                                         </p:cTn>
                                         <p:tgtEl>
-                                          <p:spTgt spid="193">
+                                          <p:spTgt spid="111">
                                             <p:txEl>
-                                              <p:pRg st="0" end="232"/>
+                                              <p:pRg st="0" end="70"/>
                                             </p:txEl>
                                           </p:spTgt>
                                         </p:tgtEl>
@@ -15181,9 +12899,9 @@
                                       <p:cBhvr additive="repl">
                                         <p:cTn id="171" dur="500" fill="hold"/>
                                         <p:tgtEl>
-                                          <p:spTgt spid="193">
+                                          <p:spTgt spid="111">
                                             <p:txEl>
-                                              <p:pRg st="0" end="232"/>
+                                              <p:pRg st="0" end="70"/>
                                             </p:txEl>
                                           </p:spTgt>
                                         </p:tgtEl>
@@ -15208,9 +12926,9 @@
                                       <p:cBhvr additive="repl">
                                         <p:cTn id="172" dur="500" fill="hold"/>
                                         <p:tgtEl>
-                                          <p:spTgt spid="193">
+                                          <p:spTgt spid="111">
                                             <p:txEl>
-                                              <p:pRg st="0" end="232"/>
+                                              <p:pRg st="0" end="70"/>
                                             </p:txEl>
                                           </p:spTgt>
                                         </p:tgtEl>
@@ -15266,9 +12984,9 @@
                                           </p:stCondLst>
                                         </p:cTn>
                                         <p:tgtEl>
-                                          <p:spTgt spid="193">
+                                          <p:spTgt spid="111">
                                             <p:txEl>
-                                              <p:pRg st="609" end="609"/>
+                                              <p:pRg st="447" end="447"/>
                                             </p:txEl>
                                           </p:spTgt>
                                         </p:tgtEl>
@@ -15284,9 +13002,9 @@
                                       <p:cBhvr additive="repl">
                                         <p:cTn id="177" dur="500" fill="hold"/>
                                         <p:tgtEl>
-                                          <p:spTgt spid="193">
+                                          <p:spTgt spid="111">
                                             <p:txEl>
-                                              <p:pRg st="609" end="609"/>
+                                              <p:pRg st="447" end="447"/>
                                             </p:txEl>
                                           </p:spTgt>
                                         </p:tgtEl>
@@ -15311,9 +13029,9 @@
                                       <p:cBhvr additive="repl">
                                         <p:cTn id="178" dur="500" fill="hold"/>
                                         <p:tgtEl>
-                                          <p:spTgt spid="193">
+                                          <p:spTgt spid="111">
                                             <p:txEl>
-                                              <p:pRg st="609" end="609"/>
+                                              <p:pRg st="447" end="447"/>
                                             </p:txEl>
                                           </p:spTgt>
                                         </p:tgtEl>
@@ -15369,9 +13087,9 @@
                                           </p:stCondLst>
                                         </p:cTn>
                                         <p:tgtEl>
-                                          <p:spTgt spid="193">
+                                          <p:spTgt spid="111">
                                             <p:txEl>
-                                              <p:pRg st="609" end="609"/>
+                                              <p:pRg st="447" end="447"/>
                                             </p:txEl>
                                           </p:spTgt>
                                         </p:tgtEl>
@@ -15387,9 +13105,9 @@
                                       <p:cBhvr additive="repl">
                                         <p:cTn id="183" dur="500" fill="hold"/>
                                         <p:tgtEl>
-                                          <p:spTgt spid="193">
+                                          <p:spTgt spid="111">
                                             <p:txEl>
-                                              <p:pRg st="609" end="609"/>
+                                              <p:pRg st="447" end="447"/>
                                             </p:txEl>
                                           </p:spTgt>
                                         </p:tgtEl>
@@ -15414,9 +13132,9 @@
                                       <p:cBhvr additive="repl">
                                         <p:cTn id="184" dur="500" fill="hold"/>
                                         <p:tgtEl>
-                                          <p:spTgt spid="193">
+                                          <p:spTgt spid="111">
                                             <p:txEl>
-                                              <p:pRg st="609" end="609"/>
+                                              <p:pRg st="447" end="447"/>
                                             </p:txEl>
                                           </p:spTgt>
                                         </p:tgtEl>
@@ -15472,9 +13190,9 @@
                                           </p:stCondLst>
                                         </p:cTn>
                                         <p:tgtEl>
-                                          <p:spTgt spid="193">
+                                          <p:spTgt spid="111">
                                             <p:txEl>
-                                              <p:pRg st="609" end="609"/>
+                                              <p:pRg st="447" end="447"/>
                                             </p:txEl>
                                           </p:spTgt>
                                         </p:tgtEl>
@@ -15490,9 +13208,9 @@
                                       <p:cBhvr additive="repl">
                                         <p:cTn id="189" dur="500" fill="hold"/>
                                         <p:tgtEl>
-                                          <p:spTgt spid="193">
+                                          <p:spTgt spid="111">
                                             <p:txEl>
-                                              <p:pRg st="609" end="609"/>
+                                              <p:pRg st="447" end="447"/>
                                             </p:txEl>
                                           </p:spTgt>
                                         </p:tgtEl>
@@ -15517,9 +13235,9 @@
                                       <p:cBhvr additive="repl">
                                         <p:cTn id="190" dur="500" fill="hold"/>
                                         <p:tgtEl>
-                                          <p:spTgt spid="193">
+                                          <p:spTgt spid="111">
                                             <p:txEl>
-                                              <p:pRg st="609" end="609"/>
+                                              <p:pRg st="447" end="447"/>
                                             </p:txEl>
                                           </p:spTgt>
                                         </p:tgtEl>
@@ -15575,9 +13293,9 @@
                                           </p:stCondLst>
                                         </p:cTn>
                                         <p:tgtEl>
-                                          <p:spTgt spid="193">
+                                          <p:spTgt spid="111">
                                             <p:txEl>
-                                              <p:pRg st="609" end="609"/>
+                                              <p:pRg st="447" end="447"/>
                                             </p:txEl>
                                           </p:spTgt>
                                         </p:tgtEl>
@@ -15593,9 +13311,9 @@
                                       <p:cBhvr additive="repl">
                                         <p:cTn id="195" dur="500" fill="hold"/>
                                         <p:tgtEl>
-                                          <p:spTgt spid="193">
+                                          <p:spTgt spid="111">
                                             <p:txEl>
-                                              <p:pRg st="609" end="609"/>
+                                              <p:pRg st="447" end="447"/>
                                             </p:txEl>
                                           </p:spTgt>
                                         </p:tgtEl>
@@ -15620,9 +13338,9 @@
                                       <p:cBhvr additive="repl">
                                         <p:cTn id="196" dur="500" fill="hold"/>
                                         <p:tgtEl>
-                                          <p:spTgt spid="193">
+                                          <p:spTgt spid="111">
                                             <p:txEl>
-                                              <p:pRg st="609" end="609"/>
+                                              <p:pRg st="447" end="447"/>
                                             </p:txEl>
                                           </p:spTgt>
                                         </p:tgtEl>
@@ -16121,450 +13839,4 @@
     </a:fmtScheme>
   </a:themeElements>
 </a:theme>
-</file>
-
-<file path=ppt/theme/theme3.xml><?xml version="1.0" encoding="utf-8"?>
-<a:theme xmlns:a="http://schemas.openxmlformats.org/drawingml/2006/main" name="Office Theme">
-  <a:themeElements>
-    <a:clrScheme name="Office">
-      <a:dk1>
-        <a:sysClr val="windowText" lastClr="000000"/>
-      </a:dk1>
-      <a:lt1>
-        <a:sysClr val="window" lastClr="FFFFFF"/>
-      </a:lt1>
-      <a:dk2>
-        <a:srgbClr val="1F497D"/>
-      </a:dk2>
-      <a:lt2>
-        <a:srgbClr val="EEECE1"/>
-      </a:lt2>
-      <a:accent1>
-        <a:srgbClr val="4F81BD"/>
-      </a:accent1>
-      <a:accent2>
-        <a:srgbClr val="C0504D"/>
-      </a:accent2>
-      <a:accent3>
-        <a:srgbClr val="9BBB59"/>
-      </a:accent3>
-      <a:accent4>
-        <a:srgbClr val="8064A2"/>
-      </a:accent4>
-      <a:accent5>
-        <a:srgbClr val="4BACC6"/>
-      </a:accent5>
-      <a:accent6>
-        <a:srgbClr val="F79646"/>
-      </a:accent6>
-      <a:hlink>
-        <a:srgbClr val="0000FF"/>
-      </a:hlink>
-      <a:folHlink>
-        <a:srgbClr val="800080"/>
-      </a:folHlink>
-    </a:clrScheme>
-    <a:fontScheme name="Office">
-      <a:majorFont>
-        <a:latin typeface="Arial"/>
-        <a:ea typeface="DejaVu Sans"/>
-        <a:cs typeface="DejaVu Sans"/>
-      </a:majorFont>
-      <a:minorFont>
-        <a:latin typeface="Arial"/>
-        <a:ea typeface="DejaVu Sans"/>
-        <a:cs typeface="DejaVu Sans"/>
-      </a:minorFont>
-    </a:fontScheme>
-    <a:fmtScheme name="Office">
-      <a:fillStyleLst>
-        <a:solidFill>
-          <a:schemeClr val="phClr"/>
-        </a:solidFill>
-        <a:gradFill rotWithShape="1">
-          <a:gsLst>
-            <a:gs pos="0">
-              <a:schemeClr val="phClr">
-                <a:tint val="50000"/>
-                <a:satMod val="300000"/>
-              </a:schemeClr>
-            </a:gs>
-            <a:gs pos="35000">
-              <a:schemeClr val="phClr">
-                <a:tint val="37000"/>
-                <a:satMod val="300000"/>
-              </a:schemeClr>
-            </a:gs>
-            <a:gs pos="100000">
-              <a:schemeClr val="phClr">
-                <a:tint val="15000"/>
-                <a:satMod val="350000"/>
-              </a:schemeClr>
-            </a:gs>
-          </a:gsLst>
-          <a:lin ang="16200000" scaled="1"/>
-        </a:gradFill>
-        <a:gradFill rotWithShape="1">
-          <a:gsLst>
-            <a:gs pos="0">
-              <a:schemeClr val="phClr">
-                <a:shade val="51000"/>
-                <a:satMod val="130000"/>
-              </a:schemeClr>
-            </a:gs>
-            <a:gs pos="80000">
-              <a:schemeClr val="phClr">
-                <a:shade val="93000"/>
-                <a:satMod val="130000"/>
-              </a:schemeClr>
-            </a:gs>
-            <a:gs pos="100000">
-              <a:schemeClr val="phClr">
-                <a:shade val="94000"/>
-                <a:satMod val="135000"/>
-              </a:schemeClr>
-            </a:gs>
-          </a:gsLst>
-          <a:lin ang="16200000" scaled="0"/>
-        </a:gradFill>
-      </a:fillStyleLst>
-      <a:lnStyleLst>
-        <a:ln w="9525" cap="flat" cmpd="sng" algn="ctr">
-          <a:solidFill>
-            <a:schemeClr val="phClr">
-              <a:shade val="95000"/>
-              <a:satMod val="105000"/>
-            </a:schemeClr>
-          </a:solidFill>
-          <a:prstDash val="solid"/>
-        </a:ln>
-        <a:ln w="25400" cap="flat" cmpd="sng" algn="ctr">
-          <a:solidFill>
-            <a:schemeClr val="phClr"/>
-          </a:solidFill>
-          <a:prstDash val="solid"/>
-        </a:ln>
-        <a:ln w="38100" cap="flat" cmpd="sng" algn="ctr">
-          <a:solidFill>
-            <a:schemeClr val="phClr"/>
-          </a:solidFill>
-          <a:prstDash val="solid"/>
-        </a:ln>
-      </a:lnStyleLst>
-      <a:effectStyleLst>
-        <a:effectStyle>
-          <a:effectLst>
-            <a:outerShdw blurRad="40000" dist="20000" dir="5400000" rotWithShape="0">
-              <a:srgbClr val="000000">
-                <a:alpha val="38000"/>
-              </a:srgbClr>
-            </a:outerShdw>
-          </a:effectLst>
-        </a:effectStyle>
-        <a:effectStyle>
-          <a:effectLst>
-            <a:outerShdw blurRad="40000" dist="23000" dir="5400000" rotWithShape="0">
-              <a:srgbClr val="000000">
-                <a:alpha val="35000"/>
-              </a:srgbClr>
-            </a:outerShdw>
-          </a:effectLst>
-        </a:effectStyle>
-        <a:effectStyle>
-          <a:effectLst>
-            <a:outerShdw blurRad="40000" dist="23000" dir="5400000" rotWithShape="0">
-              <a:srgbClr val="000000">
-                <a:alpha val="35000"/>
-              </a:srgbClr>
-            </a:outerShdw>
-          </a:effectLst>
-          <a:scene3d>
-            <a:camera prst="orthographicFront">
-              <a:rot lat="0" lon="0" rev="0"/>
-            </a:camera>
-            <a:lightRig rig="threePt" dir="t">
-              <a:rot lat="0" lon="0" rev="1200000"/>
-            </a:lightRig>
-          </a:scene3d>
-          <a:sp3d>
-            <a:bevelT w="63500" h="25400"/>
-          </a:sp3d>
-        </a:effectStyle>
-      </a:effectStyleLst>
-      <a:bgFillStyleLst>
-        <a:solidFill>
-          <a:schemeClr val="phClr"/>
-        </a:solidFill>
-        <a:gradFill rotWithShape="1">
-          <a:gsLst>
-            <a:gs pos="0">
-              <a:schemeClr val="phClr">
-                <a:tint val="40000"/>
-                <a:satMod val="350000"/>
-              </a:schemeClr>
-            </a:gs>
-            <a:gs pos="40000">
-              <a:schemeClr val="phClr">
-                <a:tint val="45000"/>
-                <a:shade val="99000"/>
-                <a:satMod val="350000"/>
-              </a:schemeClr>
-            </a:gs>
-            <a:gs pos="100000">
-              <a:schemeClr val="phClr">
-                <a:shade val="20000"/>
-                <a:satMod val="255000"/>
-              </a:schemeClr>
-            </a:gs>
-          </a:gsLst>
-          <a:path path="circle">
-            <a:fillToRect l="50000" t="-80000" r="50000" b="180000"/>
-          </a:path>
-        </a:gradFill>
-        <a:gradFill rotWithShape="1">
-          <a:gsLst>
-            <a:gs pos="0">
-              <a:schemeClr val="phClr">
-                <a:tint val="80000"/>
-                <a:satMod val="300000"/>
-              </a:schemeClr>
-            </a:gs>
-            <a:gs pos="100000">
-              <a:schemeClr val="phClr">
-                <a:shade val="30000"/>
-                <a:satMod val="200000"/>
-              </a:schemeClr>
-            </a:gs>
-          </a:gsLst>
-          <a:path path="circle">
-            <a:fillToRect l="50000" t="50000" r="50000" b="50000"/>
-          </a:path>
-        </a:gradFill>
-      </a:bgFillStyleLst>
-    </a:fmtScheme>
-  </a:themeElements>
-</a:theme>
-</file>
-
-<file path=ppt/theme/theme4.xml><?xml version="1.0" encoding="utf-8"?>
-<a:theme xmlns:a="http://schemas.openxmlformats.org/drawingml/2006/main" name="Office Theme">
-  <a:themeElements>
-    <a:clrScheme name="Office">
-      <a:dk1>
-        <a:sysClr val="windowText" lastClr="000000"/>
-      </a:dk1>
-      <a:lt1>
-        <a:sysClr val="window" lastClr="FFFFFF"/>
-      </a:lt1>
-      <a:dk2>
-        <a:srgbClr val="1F497D"/>
-      </a:dk2>
-      <a:lt2>
-        <a:srgbClr val="EEECE1"/>
-      </a:lt2>
-      <a:accent1>
-        <a:srgbClr val="4F81BD"/>
-      </a:accent1>
-      <a:accent2>
-        <a:srgbClr val="C0504D"/>
-      </a:accent2>
-      <a:accent3>
-        <a:srgbClr val="9BBB59"/>
-      </a:accent3>
-      <a:accent4>
-        <a:srgbClr val="8064A2"/>
-      </a:accent4>
-      <a:accent5>
-        <a:srgbClr val="4BACC6"/>
-      </a:accent5>
-      <a:accent6>
-        <a:srgbClr val="F79646"/>
-      </a:accent6>
-      <a:hlink>
-        <a:srgbClr val="0000FF"/>
-      </a:hlink>
-      <a:folHlink>
-        <a:srgbClr val="800080"/>
-      </a:folHlink>
-    </a:clrScheme>
-    <a:fontScheme name="Office">
-      <a:majorFont>
-        <a:latin typeface="Arial"/>
-        <a:ea typeface="DejaVu Sans"/>
-        <a:cs typeface="DejaVu Sans"/>
-      </a:majorFont>
-      <a:minorFont>
-        <a:latin typeface="Arial"/>
-        <a:ea typeface="DejaVu Sans"/>
-        <a:cs typeface="DejaVu Sans"/>
-      </a:minorFont>
-    </a:fontScheme>
-    <a:fmtScheme name="Office">
-      <a:fillStyleLst>
-        <a:solidFill>
-          <a:schemeClr val="phClr"/>
-        </a:solidFill>
-        <a:gradFill rotWithShape="1">
-          <a:gsLst>
-            <a:gs pos="0">
-              <a:schemeClr val="phClr">
-                <a:tint val="50000"/>
-                <a:satMod val="300000"/>
-              </a:schemeClr>
-            </a:gs>
-            <a:gs pos="35000">
-              <a:schemeClr val="phClr">
-                <a:tint val="37000"/>
-                <a:satMod val="300000"/>
-              </a:schemeClr>
-            </a:gs>
-            <a:gs pos="100000">
-              <a:schemeClr val="phClr">
-                <a:tint val="15000"/>
-                <a:satMod val="350000"/>
-              </a:schemeClr>
-            </a:gs>
-          </a:gsLst>
-          <a:lin ang="16200000" scaled="1"/>
-        </a:gradFill>
-        <a:gradFill rotWithShape="1">
-          <a:gsLst>
-            <a:gs pos="0">
-              <a:schemeClr val="phClr">
-                <a:shade val="51000"/>
-                <a:satMod val="130000"/>
-              </a:schemeClr>
-            </a:gs>
-            <a:gs pos="80000">
-              <a:schemeClr val="phClr">
-                <a:shade val="93000"/>
-                <a:satMod val="130000"/>
-              </a:schemeClr>
-            </a:gs>
-            <a:gs pos="100000">
-              <a:schemeClr val="phClr">
-                <a:shade val="94000"/>
-                <a:satMod val="135000"/>
-              </a:schemeClr>
-            </a:gs>
-          </a:gsLst>
-          <a:lin ang="16200000" scaled="0"/>
-        </a:gradFill>
-      </a:fillStyleLst>
-      <a:lnStyleLst>
-        <a:ln w="9525" cap="flat" cmpd="sng" algn="ctr">
-          <a:solidFill>
-            <a:schemeClr val="phClr">
-              <a:shade val="95000"/>
-              <a:satMod val="105000"/>
-            </a:schemeClr>
-          </a:solidFill>
-          <a:prstDash val="solid"/>
-        </a:ln>
-        <a:ln w="25400" cap="flat" cmpd="sng" algn="ctr">
-          <a:solidFill>
-            <a:schemeClr val="phClr"/>
-          </a:solidFill>
-          <a:prstDash val="solid"/>
-        </a:ln>
-        <a:ln w="38100" cap="flat" cmpd="sng" algn="ctr">
-          <a:solidFill>
-            <a:schemeClr val="phClr"/>
-          </a:solidFill>
-          <a:prstDash val="solid"/>
-        </a:ln>
-      </a:lnStyleLst>
-      <a:effectStyleLst>
-        <a:effectStyle>
-          <a:effectLst>
-            <a:outerShdw blurRad="40000" dist="20000" dir="5400000" rotWithShape="0">
-              <a:srgbClr val="000000">
-                <a:alpha val="38000"/>
-              </a:srgbClr>
-            </a:outerShdw>
-          </a:effectLst>
-        </a:effectStyle>
-        <a:effectStyle>
-          <a:effectLst>
-            <a:outerShdw blurRad="40000" dist="23000" dir="5400000" rotWithShape="0">
-              <a:srgbClr val="000000">
-                <a:alpha val="35000"/>
-              </a:srgbClr>
-            </a:outerShdw>
-          </a:effectLst>
-        </a:effectStyle>
-        <a:effectStyle>
-          <a:effectLst>
-            <a:outerShdw blurRad="40000" dist="23000" dir="5400000" rotWithShape="0">
-              <a:srgbClr val="000000">
-                <a:alpha val="35000"/>
-              </a:srgbClr>
-            </a:outerShdw>
-          </a:effectLst>
-          <a:scene3d>
-            <a:camera prst="orthographicFront">
-              <a:rot lat="0" lon="0" rev="0"/>
-            </a:camera>
-            <a:lightRig rig="threePt" dir="t">
-              <a:rot lat="0" lon="0" rev="1200000"/>
-            </a:lightRig>
-          </a:scene3d>
-          <a:sp3d>
-            <a:bevelT w="63500" h="25400"/>
-          </a:sp3d>
-        </a:effectStyle>
-      </a:effectStyleLst>
-      <a:bgFillStyleLst>
-        <a:solidFill>
-          <a:schemeClr val="phClr"/>
-        </a:solidFill>
-        <a:gradFill rotWithShape="1">
-          <a:gsLst>
-            <a:gs pos="0">
-              <a:schemeClr val="phClr">
-                <a:tint val="40000"/>
-                <a:satMod val="350000"/>
-              </a:schemeClr>
-            </a:gs>
-            <a:gs pos="40000">
-              <a:schemeClr val="phClr">
-                <a:tint val="45000"/>
-                <a:shade val="99000"/>
-                <a:satMod val="350000"/>
-              </a:schemeClr>
-            </a:gs>
-            <a:gs pos="100000">
-              <a:schemeClr val="phClr">
-                <a:shade val="20000"/>
-                <a:satMod val="255000"/>
-              </a:schemeClr>
-            </a:gs>
-          </a:gsLst>
-          <a:path path="circle">
-            <a:fillToRect l="50000" t="-80000" r="50000" b="180000"/>
-          </a:path>
-        </a:gradFill>
-        <a:gradFill rotWithShape="1">
-          <a:gsLst>
-            <a:gs pos="0">
-              <a:schemeClr val="phClr">
-                <a:tint val="80000"/>
-                <a:satMod val="300000"/>
-              </a:schemeClr>
-            </a:gs>
-            <a:gs pos="100000">
-              <a:schemeClr val="phClr">
-                <a:shade val="30000"/>
-                <a:satMod val="200000"/>
-              </a:schemeClr>
-            </a:gs>
-          </a:gsLst>
-          <a:path path="circle">
-            <a:fillToRect l="50000" t="50000" r="50000" b="50000"/>
-          </a:path>
-        </a:gradFill>
-      </a:bgFillStyleLst>
-    </a:fmtScheme>
-  </a:themeElements>
-</a:theme>
 </file>